--- a/courses/downloads/temp/Database_ERD.pptx
+++ b/courses/downloads/temp/Database_ERD.pptx
@@ -5,10 +5,10 @@
     <p:sldMasterId id="2147483667" r:id="rId1"/>
   </p:sldMasterIdLst>
   <p:notesMasterIdLst>
-    <p:notesMasterId r:id="rId47"/>
+    <p:notesMasterId r:id="rId48"/>
   </p:notesMasterIdLst>
   <p:handoutMasterIdLst>
-    <p:handoutMasterId r:id="rId48"/>
+    <p:handoutMasterId r:id="rId49"/>
   </p:handoutMasterIdLst>
   <p:sldIdLst>
     <p:sldId id="256" r:id="rId2"/>
@@ -41,21 +41,22 @@
     <p:sldId id="368" r:id="rId29"/>
     <p:sldId id="369" r:id="rId30"/>
     <p:sldId id="370" r:id="rId31"/>
-    <p:sldId id="338" r:id="rId32"/>
-    <p:sldId id="361" r:id="rId33"/>
-    <p:sldId id="362" r:id="rId34"/>
-    <p:sldId id="365" r:id="rId35"/>
-    <p:sldId id="363" r:id="rId36"/>
-    <p:sldId id="346" r:id="rId37"/>
-    <p:sldId id="347" r:id="rId38"/>
-    <p:sldId id="348" r:id="rId39"/>
-    <p:sldId id="349" r:id="rId40"/>
-    <p:sldId id="350" r:id="rId41"/>
-    <p:sldId id="353" r:id="rId42"/>
-    <p:sldId id="351" r:id="rId43"/>
-    <p:sldId id="352" r:id="rId44"/>
-    <p:sldId id="354" r:id="rId45"/>
-    <p:sldId id="371" r:id="rId46"/>
+    <p:sldId id="373" r:id="rId32"/>
+    <p:sldId id="338" r:id="rId33"/>
+    <p:sldId id="361" r:id="rId34"/>
+    <p:sldId id="362" r:id="rId35"/>
+    <p:sldId id="365" r:id="rId36"/>
+    <p:sldId id="363" r:id="rId37"/>
+    <p:sldId id="346" r:id="rId38"/>
+    <p:sldId id="347" r:id="rId39"/>
+    <p:sldId id="348" r:id="rId40"/>
+    <p:sldId id="349" r:id="rId41"/>
+    <p:sldId id="350" r:id="rId42"/>
+    <p:sldId id="353" r:id="rId43"/>
+    <p:sldId id="351" r:id="rId44"/>
+    <p:sldId id="352" r:id="rId45"/>
+    <p:sldId id="354" r:id="rId46"/>
+    <p:sldId id="371" r:id="rId47"/>
   </p:sldIdLst>
   <p:sldSz cx="6858000" cy="5143500"/>
   <p:notesSz cx="7102475" cy="11217275"/>
@@ -4107,6 +4108,117 @@
             </a:r>
             <a:endParaRPr lang="en-US" dirty="0"/>
           </a:p>
+          <a:p>
+            <a:pPr algn="r" rtl="1"/>
+            <a:endParaRPr lang="en-US" dirty="0"/>
+          </a:p>
+          <a:p>
+            <a:pPr algn="r" rtl="1"/>
+            <a:r>
+              <a:rPr lang="fa-IR" dirty="0"/>
+              <a:t>فرض کنید کارمندی به نام "علی" در بخش "تحقیق و توسعه" کار می‌کند، اما ممکن است این بخش در دو مکان مختلف (مثلاً "تبریز" و "تهران") فعالیت داشته باشد.</a:t>
+            </a:r>
+            <a:br>
+              <a:rPr lang="fa-IR" dirty="0"/>
+            </a:br>
+            <a:r>
+              <a:rPr lang="fa-IR" dirty="0"/>
+              <a:t>در این صورت باید بتوانیم ثبت کنیم که:</a:t>
+            </a:r>
+          </a:p>
+          <a:p>
+            <a:pPr algn="r" rtl="1"/>
+            <a:r>
+              <a:rPr lang="fa-IR" dirty="0"/>
+              <a:t>احمد در بخش تحقیق و توسعه در مکان تبریز کار می‌کند.</a:t>
+            </a:r>
+          </a:p>
+          <a:p>
+            <a:pPr algn="r" rtl="1"/>
+            <a:r>
+              <a:rPr lang="fa-IR" dirty="0"/>
+              <a:t>این جمله دقیقاً همان چیزی است که رابطۀ </a:t>
+            </a:r>
+            <a:r>
+              <a:rPr lang="en-US" b="1" dirty="0" err="1"/>
+              <a:t>Works_in</a:t>
+            </a:r>
+            <a:r>
+              <a:rPr lang="en-US" dirty="0"/>
+              <a:t> </a:t>
+            </a:r>
+            <a:r>
+              <a:rPr lang="fa-IR" dirty="0"/>
+              <a:t>به‌صورت سه‌تایی بیان می‌کند.</a:t>
+            </a:r>
+          </a:p>
+          <a:p>
+            <a:pPr algn="r" rtl="1"/>
+            <a:endParaRPr lang="fa-IR" dirty="0"/>
+          </a:p>
+          <a:p>
+            <a:pPr algn="r" rtl="1"/>
+            <a:r>
+              <a:rPr lang="fa-IR" b="1" dirty="0"/>
+              <a:t>ویژگی پایگاه داده‌ای:</a:t>
+            </a:r>
+            <a:br>
+              <a:rPr lang="fa-IR" dirty="0"/>
+            </a:br>
+            <a:r>
+              <a:rPr lang="fa-IR" dirty="0"/>
+              <a:t>در مدل رابطه‌ای (</a:t>
+            </a:r>
+            <a:r>
+              <a:rPr lang="en-US" dirty="0"/>
+              <a:t>Relational Model)، </a:t>
+            </a:r>
+            <a:r>
+              <a:rPr lang="fa-IR" dirty="0"/>
+              <a:t>این رابطۀ سه‌تایی معمولاً به صورت یک جدول جداگانه پیاده‌سازی می‌شود که دارای کلیدهای خارجی (</a:t>
+            </a:r>
+            <a:r>
+              <a:rPr lang="en-US" dirty="0"/>
+              <a:t>Foreign Keys) </a:t>
+            </a:r>
+            <a:r>
+              <a:rPr lang="fa-IR" dirty="0"/>
+              <a:t>به سه جدول زیر است:</a:t>
+            </a:r>
+          </a:p>
+          <a:p>
+            <a:pPr algn="r" rtl="1"/>
+            <a:r>
+              <a:rPr lang="en-US" dirty="0"/>
+              <a:t>Employee(ID)</a:t>
+            </a:r>
+          </a:p>
+          <a:p>
+            <a:pPr algn="r" rtl="1"/>
+            <a:r>
+              <a:rPr lang="en-US" dirty="0"/>
+              <a:t>Department(ID)</a:t>
+            </a:r>
+          </a:p>
+          <a:p>
+            <a:pPr algn="r" rtl="1"/>
+            <a:r>
+              <a:rPr lang="en-US" dirty="0"/>
+              <a:t>Location(ID)</a:t>
+            </a:r>
+          </a:p>
+          <a:p>
+            <a:pPr algn="r" rtl="1"/>
+            <a:endParaRPr lang="fa-IR" dirty="0"/>
+          </a:p>
+          <a:p>
+            <a:pPr algn="r" rtl="1"/>
+            <a:endParaRPr lang="fa-IR" dirty="0"/>
+          </a:p>
+          <a:p>
+            <a:pPr algn="r" rtl="1"/>
+            <a:endParaRPr lang="en-US" dirty="0"/>
+          </a:p>
         </p:txBody>
       </p:sp>
     </p:spTree>
@@ -4204,6 +4316,1601 @@
             </a:r>
             <a:endParaRPr lang="en-US" dirty="0"/>
           </a:p>
+          <a:p>
+            <a:pPr algn="r" rtl="1"/>
+            <a:endParaRPr lang="en-US" dirty="0"/>
+          </a:p>
+          <a:p>
+            <a:pPr algn="r" rtl="1"/>
+            <a:endParaRPr lang="en-US" dirty="0"/>
+          </a:p>
+          <a:p>
+            <a:pPr algn="r" rtl="1"/>
+            <a:r>
+              <a:rPr lang="en-US" sz="1100" b="1" kern="1200" dirty="0">
+                <a:solidFill>
+                  <a:schemeClr val="tx1"/>
+                </a:solidFill>
+                <a:effectLst/>
+                <a:latin typeface="+mn-lt"/>
+                <a:ea typeface="+mn-ea"/>
+                <a:cs typeface="+mn-cs"/>
+              </a:rPr>
+              <a:t>🔹 </a:t>
+            </a:r>
+            <a:r>
+              <a:rPr lang="ar-SA" sz="1100" b="1" kern="1200" dirty="0">
+                <a:solidFill>
+                  <a:schemeClr val="tx1"/>
+                </a:solidFill>
+                <a:effectLst/>
+                <a:latin typeface="+mn-lt"/>
+                <a:ea typeface="+mn-ea"/>
+                <a:cs typeface="+mn-cs"/>
+              </a:rPr>
+              <a:t>موجودیت‌ها</a:t>
+            </a:r>
+            <a:r>
+              <a:rPr lang="en-US" sz="1100" b="1" kern="1200" dirty="0">
+                <a:solidFill>
+                  <a:schemeClr val="tx1"/>
+                </a:solidFill>
+                <a:effectLst/>
+                <a:latin typeface="+mn-lt"/>
+                <a:ea typeface="+mn-ea"/>
+                <a:cs typeface="+mn-cs"/>
+              </a:rPr>
+              <a:t>:</a:t>
+            </a:r>
+            <a:endParaRPr lang="en-US" sz="1100" kern="1200" dirty="0">
+              <a:solidFill>
+                <a:schemeClr val="tx1"/>
+              </a:solidFill>
+              <a:effectLst/>
+              <a:latin typeface="+mn-lt"/>
+              <a:ea typeface="+mn-ea"/>
+              <a:cs typeface="+mn-cs"/>
+            </a:endParaRPr>
+          </a:p>
+          <a:p>
+            <a:pPr lvl="0" algn="r" rtl="1"/>
+            <a:r>
+              <a:rPr lang="en-US" sz="1100" b="1" kern="1200" dirty="0">
+                <a:solidFill>
+                  <a:schemeClr val="tx1"/>
+                </a:solidFill>
+                <a:effectLst/>
+                <a:latin typeface="+mn-lt"/>
+                <a:ea typeface="+mn-ea"/>
+                <a:cs typeface="+mn-cs"/>
+              </a:rPr>
+              <a:t>Student (</a:t>
+            </a:r>
+            <a:r>
+              <a:rPr lang="ar-SA" sz="1100" b="1" kern="1200" dirty="0">
+                <a:solidFill>
+                  <a:schemeClr val="tx1"/>
+                </a:solidFill>
+                <a:effectLst/>
+                <a:latin typeface="+mn-lt"/>
+                <a:ea typeface="+mn-ea"/>
+                <a:cs typeface="+mn-cs"/>
+              </a:rPr>
+              <a:t>دانشجو</a:t>
+            </a:r>
+            <a:r>
+              <a:rPr lang="en-US" sz="1100" b="1" kern="1200" dirty="0">
+                <a:solidFill>
+                  <a:schemeClr val="tx1"/>
+                </a:solidFill>
+                <a:effectLst/>
+                <a:latin typeface="+mn-lt"/>
+                <a:ea typeface="+mn-ea"/>
+                <a:cs typeface="+mn-cs"/>
+              </a:rPr>
+              <a:t>)</a:t>
+            </a:r>
+            <a:r>
+              <a:rPr lang="en-US" sz="1100" kern="1200" dirty="0">
+                <a:solidFill>
+                  <a:schemeClr val="tx1"/>
+                </a:solidFill>
+                <a:effectLst/>
+                <a:latin typeface="+mn-lt"/>
+                <a:ea typeface="+mn-ea"/>
+                <a:cs typeface="+mn-cs"/>
+              </a:rPr>
+              <a:t> – </a:t>
+            </a:r>
+            <a:r>
+              <a:rPr lang="ar-SA" sz="1100" kern="1200" dirty="0">
+                <a:solidFill>
+                  <a:schemeClr val="tx1"/>
+                </a:solidFill>
+                <a:effectLst/>
+                <a:latin typeface="+mn-lt"/>
+                <a:ea typeface="+mn-ea"/>
+                <a:cs typeface="+mn-cs"/>
+              </a:rPr>
+              <a:t>نمایانگر اطلاعات مربوط به دانشجویان است</a:t>
+            </a:r>
+            <a:r>
+              <a:rPr lang="en-US" sz="1100" kern="1200" dirty="0">
+                <a:solidFill>
+                  <a:schemeClr val="tx1"/>
+                </a:solidFill>
+                <a:effectLst/>
+                <a:latin typeface="+mn-lt"/>
+                <a:ea typeface="+mn-ea"/>
+                <a:cs typeface="+mn-cs"/>
+              </a:rPr>
+              <a:t>.</a:t>
+            </a:r>
+          </a:p>
+          <a:p>
+            <a:pPr lvl="0" algn="r" rtl="1"/>
+            <a:r>
+              <a:rPr lang="en-US" sz="1100" b="1" kern="1200" dirty="0">
+                <a:solidFill>
+                  <a:schemeClr val="tx1"/>
+                </a:solidFill>
+                <a:effectLst/>
+                <a:latin typeface="+mn-lt"/>
+                <a:ea typeface="+mn-ea"/>
+                <a:cs typeface="+mn-cs"/>
+              </a:rPr>
+              <a:t>Teacher (</a:t>
+            </a:r>
+            <a:r>
+              <a:rPr lang="ar-SA" sz="1100" b="1" kern="1200" dirty="0">
+                <a:solidFill>
+                  <a:schemeClr val="tx1"/>
+                </a:solidFill>
+                <a:effectLst/>
+                <a:latin typeface="+mn-lt"/>
+                <a:ea typeface="+mn-ea"/>
+                <a:cs typeface="+mn-cs"/>
+              </a:rPr>
+              <a:t>استاد</a:t>
+            </a:r>
+            <a:r>
+              <a:rPr lang="en-US" sz="1100" b="1" kern="1200" dirty="0">
+                <a:solidFill>
+                  <a:schemeClr val="tx1"/>
+                </a:solidFill>
+                <a:effectLst/>
+                <a:latin typeface="+mn-lt"/>
+                <a:ea typeface="+mn-ea"/>
+                <a:cs typeface="+mn-cs"/>
+              </a:rPr>
+              <a:t>)</a:t>
+            </a:r>
+            <a:r>
+              <a:rPr lang="en-US" sz="1100" kern="1200" dirty="0">
+                <a:solidFill>
+                  <a:schemeClr val="tx1"/>
+                </a:solidFill>
+                <a:effectLst/>
+                <a:latin typeface="+mn-lt"/>
+                <a:ea typeface="+mn-ea"/>
+                <a:cs typeface="+mn-cs"/>
+              </a:rPr>
+              <a:t> – </a:t>
+            </a:r>
+            <a:r>
+              <a:rPr lang="ar-SA" sz="1100" kern="1200" dirty="0">
+                <a:solidFill>
+                  <a:schemeClr val="tx1"/>
+                </a:solidFill>
+                <a:effectLst/>
+                <a:latin typeface="+mn-lt"/>
+                <a:ea typeface="+mn-ea"/>
+                <a:cs typeface="+mn-cs"/>
+              </a:rPr>
+              <a:t>اطلاعات مربوط به اساتید را نگهداری می‌کند</a:t>
+            </a:r>
+            <a:r>
+              <a:rPr lang="en-US" sz="1100" kern="1200" dirty="0">
+                <a:solidFill>
+                  <a:schemeClr val="tx1"/>
+                </a:solidFill>
+                <a:effectLst/>
+                <a:latin typeface="+mn-lt"/>
+                <a:ea typeface="+mn-ea"/>
+                <a:cs typeface="+mn-cs"/>
+              </a:rPr>
+              <a:t>.</a:t>
+            </a:r>
+          </a:p>
+          <a:p>
+            <a:pPr lvl="0" algn="r" rtl="1"/>
+            <a:r>
+              <a:rPr lang="en-US" sz="1100" b="1" kern="1200" dirty="0">
+                <a:solidFill>
+                  <a:schemeClr val="tx1"/>
+                </a:solidFill>
+                <a:effectLst/>
+                <a:latin typeface="+mn-lt"/>
+                <a:ea typeface="+mn-ea"/>
+                <a:cs typeface="+mn-cs"/>
+              </a:rPr>
+              <a:t>Subject (</a:t>
+            </a:r>
+            <a:r>
+              <a:rPr lang="ar-SA" sz="1100" b="1" kern="1200" dirty="0">
+                <a:solidFill>
+                  <a:schemeClr val="tx1"/>
+                </a:solidFill>
+                <a:effectLst/>
+                <a:latin typeface="+mn-lt"/>
+                <a:ea typeface="+mn-ea"/>
+                <a:cs typeface="+mn-cs"/>
+              </a:rPr>
+              <a:t>درس</a:t>
+            </a:r>
+            <a:r>
+              <a:rPr lang="en-US" sz="1100" b="1" kern="1200" dirty="0">
+                <a:solidFill>
+                  <a:schemeClr val="tx1"/>
+                </a:solidFill>
+                <a:effectLst/>
+                <a:latin typeface="+mn-lt"/>
+                <a:ea typeface="+mn-ea"/>
+                <a:cs typeface="+mn-cs"/>
+              </a:rPr>
+              <a:t>)</a:t>
+            </a:r>
+            <a:r>
+              <a:rPr lang="en-US" sz="1100" kern="1200" dirty="0">
+                <a:solidFill>
+                  <a:schemeClr val="tx1"/>
+                </a:solidFill>
+                <a:effectLst/>
+                <a:latin typeface="+mn-lt"/>
+                <a:ea typeface="+mn-ea"/>
+                <a:cs typeface="+mn-cs"/>
+              </a:rPr>
+              <a:t> – </a:t>
+            </a:r>
+            <a:r>
+              <a:rPr lang="ar-SA" sz="1100" kern="1200" dirty="0">
+                <a:solidFill>
+                  <a:schemeClr val="tx1"/>
+                </a:solidFill>
+                <a:effectLst/>
+                <a:latin typeface="+mn-lt"/>
+                <a:ea typeface="+mn-ea"/>
+                <a:cs typeface="+mn-cs"/>
+              </a:rPr>
+              <a:t>بیانگر درسی است که تدریس یا مطالعه می‌شود</a:t>
+            </a:r>
+            <a:r>
+              <a:rPr lang="en-US" sz="1100" kern="1200" dirty="0">
+                <a:solidFill>
+                  <a:schemeClr val="tx1"/>
+                </a:solidFill>
+                <a:effectLst/>
+                <a:latin typeface="+mn-lt"/>
+                <a:ea typeface="+mn-ea"/>
+                <a:cs typeface="+mn-cs"/>
+              </a:rPr>
+              <a:t>.</a:t>
+            </a:r>
+          </a:p>
+          <a:p>
+            <a:pPr lvl="0" algn="r" rtl="1"/>
+            <a:r>
+              <a:rPr lang="en-US" sz="1100" b="1" kern="1200" dirty="0" err="1">
+                <a:solidFill>
+                  <a:schemeClr val="tx1"/>
+                </a:solidFill>
+                <a:effectLst/>
+                <a:latin typeface="+mn-lt"/>
+                <a:ea typeface="+mn-ea"/>
+                <a:cs typeface="+mn-cs"/>
+              </a:rPr>
+              <a:t>Study_Material</a:t>
+            </a:r>
+            <a:r>
+              <a:rPr lang="en-US" sz="1100" b="1" kern="1200" dirty="0">
+                <a:solidFill>
+                  <a:schemeClr val="tx1"/>
+                </a:solidFill>
+                <a:effectLst/>
+                <a:latin typeface="+mn-lt"/>
+                <a:ea typeface="+mn-ea"/>
+                <a:cs typeface="+mn-cs"/>
+              </a:rPr>
+              <a:t> (</a:t>
+            </a:r>
+            <a:r>
+              <a:rPr lang="ar-SA" sz="1100" b="1" kern="1200" dirty="0">
+                <a:solidFill>
+                  <a:schemeClr val="tx1"/>
+                </a:solidFill>
+                <a:effectLst/>
+                <a:latin typeface="+mn-lt"/>
+                <a:ea typeface="+mn-ea"/>
+                <a:cs typeface="+mn-cs"/>
+              </a:rPr>
+              <a:t>منبع درسی</a:t>
+            </a:r>
+            <a:r>
+              <a:rPr lang="en-US" sz="1100" b="1" kern="1200" dirty="0">
+                <a:solidFill>
+                  <a:schemeClr val="tx1"/>
+                </a:solidFill>
+                <a:effectLst/>
+                <a:latin typeface="+mn-lt"/>
+                <a:ea typeface="+mn-ea"/>
+                <a:cs typeface="+mn-cs"/>
+              </a:rPr>
+              <a:t>)</a:t>
+            </a:r>
+            <a:r>
+              <a:rPr lang="en-US" sz="1100" kern="1200" dirty="0">
+                <a:solidFill>
+                  <a:schemeClr val="tx1"/>
+                </a:solidFill>
+                <a:effectLst/>
+                <a:latin typeface="+mn-lt"/>
+                <a:ea typeface="+mn-ea"/>
+                <a:cs typeface="+mn-cs"/>
+              </a:rPr>
+              <a:t> – </a:t>
+            </a:r>
+            <a:r>
+              <a:rPr lang="ar-SA" sz="1100" kern="1200" dirty="0">
+                <a:solidFill>
+                  <a:schemeClr val="tx1"/>
+                </a:solidFill>
+                <a:effectLst/>
+                <a:latin typeface="+mn-lt"/>
+                <a:ea typeface="+mn-ea"/>
+                <a:cs typeface="+mn-cs"/>
+              </a:rPr>
+              <a:t>شامل منابع آموزشی مثل جزوه، کتاب، یا اسلایدها است</a:t>
+            </a:r>
+            <a:r>
+              <a:rPr lang="en-US" sz="1100" kern="1200" dirty="0">
+                <a:solidFill>
+                  <a:schemeClr val="tx1"/>
+                </a:solidFill>
+                <a:effectLst/>
+                <a:latin typeface="+mn-lt"/>
+                <a:ea typeface="+mn-ea"/>
+                <a:cs typeface="+mn-cs"/>
+              </a:rPr>
+              <a:t>.</a:t>
+            </a:r>
+          </a:p>
+          <a:p>
+            <a:pPr algn="r" rtl="1"/>
+            <a:br>
+              <a:rPr lang="en-US" sz="1100" kern="1200" dirty="0">
+                <a:solidFill>
+                  <a:schemeClr val="tx1"/>
+                </a:solidFill>
+                <a:effectLst/>
+                <a:latin typeface="+mn-lt"/>
+                <a:ea typeface="+mn-ea"/>
+                <a:cs typeface="+mn-cs"/>
+              </a:rPr>
+            </a:br>
+            <a:endParaRPr lang="en-US" sz="1100" kern="1200" dirty="0">
+              <a:solidFill>
+                <a:schemeClr val="tx1"/>
+              </a:solidFill>
+              <a:effectLst/>
+              <a:latin typeface="+mn-lt"/>
+              <a:ea typeface="+mn-ea"/>
+              <a:cs typeface="+mn-cs"/>
+            </a:endParaRPr>
+          </a:p>
+          <a:p>
+            <a:pPr algn="r" rtl="1"/>
+            <a:r>
+              <a:rPr lang="en-US" sz="1100" b="1" kern="1200" dirty="0">
+                <a:solidFill>
+                  <a:schemeClr val="tx1"/>
+                </a:solidFill>
+                <a:effectLst/>
+                <a:latin typeface="+mn-lt"/>
+                <a:ea typeface="+mn-ea"/>
+                <a:cs typeface="+mn-cs"/>
+              </a:rPr>
+              <a:t>🔹 </a:t>
+            </a:r>
+            <a:r>
+              <a:rPr lang="ar-SA" sz="1100" b="1" kern="1200" dirty="0">
+                <a:solidFill>
+                  <a:schemeClr val="tx1"/>
+                </a:solidFill>
+                <a:effectLst/>
+                <a:latin typeface="+mn-lt"/>
+                <a:ea typeface="+mn-ea"/>
+                <a:cs typeface="+mn-cs"/>
+              </a:rPr>
+              <a:t>رابطه</a:t>
+            </a:r>
+            <a:r>
+              <a:rPr lang="en-US" sz="1100" b="1" kern="1200" dirty="0">
+                <a:solidFill>
+                  <a:schemeClr val="tx1"/>
+                </a:solidFill>
+                <a:effectLst/>
+                <a:latin typeface="+mn-lt"/>
+                <a:ea typeface="+mn-ea"/>
+                <a:cs typeface="+mn-cs"/>
+              </a:rPr>
+              <a:t> (Relationship):</a:t>
+            </a:r>
+            <a:endParaRPr lang="en-US" sz="1100" kern="1200" dirty="0">
+              <a:solidFill>
+                <a:schemeClr val="tx1"/>
+              </a:solidFill>
+              <a:effectLst/>
+              <a:latin typeface="+mn-lt"/>
+              <a:ea typeface="+mn-ea"/>
+              <a:cs typeface="+mn-cs"/>
+            </a:endParaRPr>
+          </a:p>
+          <a:p>
+            <a:pPr algn="r" rtl="1"/>
+            <a:r>
+              <a:rPr lang="en-US" sz="1100" b="1" kern="1200" dirty="0">
+                <a:solidFill>
+                  <a:schemeClr val="tx1"/>
+                </a:solidFill>
+                <a:effectLst/>
+                <a:latin typeface="+mn-lt"/>
+                <a:ea typeface="+mn-ea"/>
+                <a:cs typeface="+mn-cs"/>
+              </a:rPr>
+              <a:t>studies (</a:t>
+            </a:r>
+            <a:r>
+              <a:rPr lang="ar-SA" sz="1100" b="1" kern="1200" dirty="0">
+                <a:solidFill>
+                  <a:schemeClr val="tx1"/>
+                </a:solidFill>
+                <a:effectLst/>
+                <a:latin typeface="+mn-lt"/>
+                <a:ea typeface="+mn-ea"/>
+                <a:cs typeface="+mn-cs"/>
+              </a:rPr>
+              <a:t>مطالعه می‌کند / تحصیل می‌کند</a:t>
+            </a:r>
+            <a:r>
+              <a:rPr lang="en-US" sz="1100" b="1" kern="1200" dirty="0">
+                <a:solidFill>
+                  <a:schemeClr val="tx1"/>
+                </a:solidFill>
+                <a:effectLst/>
+                <a:latin typeface="+mn-lt"/>
+                <a:ea typeface="+mn-ea"/>
+                <a:cs typeface="+mn-cs"/>
+              </a:rPr>
+              <a:t>)</a:t>
+            </a:r>
+            <a:br>
+              <a:rPr lang="en-US" sz="1100" kern="1200" dirty="0">
+                <a:solidFill>
+                  <a:schemeClr val="tx1"/>
+                </a:solidFill>
+                <a:effectLst/>
+                <a:latin typeface="+mn-lt"/>
+                <a:ea typeface="+mn-ea"/>
+                <a:cs typeface="+mn-cs"/>
+              </a:rPr>
+            </a:br>
+            <a:r>
+              <a:rPr lang="ar-SA" sz="1100" kern="1200" dirty="0">
+                <a:solidFill>
+                  <a:schemeClr val="tx1"/>
+                </a:solidFill>
+                <a:effectLst/>
+                <a:latin typeface="+mn-lt"/>
+                <a:ea typeface="+mn-ea"/>
+                <a:cs typeface="+mn-cs"/>
+              </a:rPr>
+              <a:t>این رابطه نشان می‌دهد که فرایند مطالعه یا آموزش وابسته به هر چهار موجودیت است</a:t>
+            </a:r>
+            <a:r>
+              <a:rPr lang="en-US" sz="1100" kern="1200" dirty="0">
+                <a:solidFill>
+                  <a:schemeClr val="tx1"/>
+                </a:solidFill>
+                <a:effectLst/>
+                <a:latin typeface="+mn-lt"/>
+                <a:ea typeface="+mn-ea"/>
+                <a:cs typeface="+mn-cs"/>
+              </a:rPr>
+              <a:t>:</a:t>
+            </a:r>
+          </a:p>
+          <a:p>
+            <a:pPr algn="r" rtl="1"/>
+            <a:r>
+              <a:rPr lang="ar-SA" sz="1100" kern="1200" dirty="0">
+                <a:solidFill>
+                  <a:schemeClr val="tx1"/>
+                </a:solidFill>
+                <a:effectLst/>
+                <a:latin typeface="+mn-lt"/>
+                <a:ea typeface="+mn-ea"/>
+                <a:cs typeface="+mn-cs"/>
+              </a:rPr>
+              <a:t>یک </a:t>
+            </a:r>
+            <a:r>
+              <a:rPr lang="ar-SA" sz="1100" b="1" kern="1200" dirty="0">
+                <a:solidFill>
+                  <a:schemeClr val="tx1"/>
+                </a:solidFill>
+                <a:effectLst/>
+                <a:latin typeface="+mn-lt"/>
+                <a:ea typeface="+mn-ea"/>
+                <a:cs typeface="+mn-cs"/>
+              </a:rPr>
+              <a:t>دانشجو</a:t>
+            </a:r>
+            <a:r>
+              <a:rPr lang="en-US" sz="1100" b="1" kern="1200" dirty="0">
+                <a:solidFill>
+                  <a:schemeClr val="tx1"/>
+                </a:solidFill>
+                <a:effectLst/>
+                <a:latin typeface="+mn-lt"/>
+                <a:ea typeface="+mn-ea"/>
+                <a:cs typeface="+mn-cs"/>
+              </a:rPr>
+              <a:t> (Student)</a:t>
+            </a:r>
+            <a:r>
+              <a:rPr lang="ar-SA" sz="1100" kern="1200" dirty="0">
+                <a:solidFill>
+                  <a:schemeClr val="tx1"/>
+                </a:solidFill>
+                <a:effectLst/>
+                <a:latin typeface="+mn-lt"/>
+                <a:ea typeface="+mn-ea"/>
+                <a:cs typeface="+mn-cs"/>
+              </a:rPr>
+              <a:t>، تحت راهنمایی یک </a:t>
+            </a:r>
+            <a:r>
+              <a:rPr lang="ar-SA" sz="1100" b="1" kern="1200" dirty="0">
+                <a:solidFill>
+                  <a:schemeClr val="tx1"/>
+                </a:solidFill>
+                <a:effectLst/>
+                <a:latin typeface="+mn-lt"/>
+                <a:ea typeface="+mn-ea"/>
+                <a:cs typeface="+mn-cs"/>
+              </a:rPr>
+              <a:t>استاد</a:t>
+            </a:r>
+            <a:r>
+              <a:rPr lang="en-US" sz="1100" b="1" kern="1200" dirty="0">
+                <a:solidFill>
+                  <a:schemeClr val="tx1"/>
+                </a:solidFill>
+                <a:effectLst/>
+                <a:latin typeface="+mn-lt"/>
+                <a:ea typeface="+mn-ea"/>
+                <a:cs typeface="+mn-cs"/>
+              </a:rPr>
+              <a:t> (Teacher)</a:t>
+            </a:r>
+            <a:r>
+              <a:rPr lang="ar-SA" sz="1100" kern="1200" dirty="0">
+                <a:solidFill>
+                  <a:schemeClr val="tx1"/>
+                </a:solidFill>
+                <a:effectLst/>
+                <a:latin typeface="+mn-lt"/>
+                <a:ea typeface="+mn-ea"/>
+                <a:cs typeface="+mn-cs"/>
+              </a:rPr>
+              <a:t>، یک </a:t>
+            </a:r>
+            <a:r>
+              <a:rPr lang="ar-SA" sz="1100" b="1" kern="1200" dirty="0">
+                <a:solidFill>
+                  <a:schemeClr val="tx1"/>
+                </a:solidFill>
+                <a:effectLst/>
+                <a:latin typeface="+mn-lt"/>
+                <a:ea typeface="+mn-ea"/>
+                <a:cs typeface="+mn-cs"/>
+              </a:rPr>
+              <a:t>درس</a:t>
+            </a:r>
+            <a:r>
+              <a:rPr lang="en-US" sz="1100" b="1" kern="1200" dirty="0">
+                <a:solidFill>
+                  <a:schemeClr val="tx1"/>
+                </a:solidFill>
+                <a:effectLst/>
+                <a:latin typeface="+mn-lt"/>
+                <a:ea typeface="+mn-ea"/>
+                <a:cs typeface="+mn-cs"/>
+              </a:rPr>
+              <a:t> (Subject)</a:t>
+            </a:r>
+            <a:r>
+              <a:rPr lang="en-US" sz="1100" kern="1200" dirty="0">
+                <a:solidFill>
+                  <a:schemeClr val="tx1"/>
+                </a:solidFill>
+                <a:effectLst/>
+                <a:latin typeface="+mn-lt"/>
+                <a:ea typeface="+mn-ea"/>
+                <a:cs typeface="+mn-cs"/>
+              </a:rPr>
+              <a:t> </a:t>
+            </a:r>
+            <a:r>
+              <a:rPr lang="ar-SA" sz="1100" kern="1200" dirty="0">
+                <a:solidFill>
+                  <a:schemeClr val="tx1"/>
+                </a:solidFill>
+                <a:effectLst/>
+                <a:latin typeface="+mn-lt"/>
+                <a:ea typeface="+mn-ea"/>
+                <a:cs typeface="+mn-cs"/>
+              </a:rPr>
+              <a:t>خاص را با استفاده از یک </a:t>
+            </a:r>
+            <a:r>
+              <a:rPr lang="ar-SA" sz="1100" b="1" kern="1200" dirty="0">
+                <a:solidFill>
+                  <a:schemeClr val="tx1"/>
+                </a:solidFill>
+                <a:effectLst/>
+                <a:latin typeface="+mn-lt"/>
+                <a:ea typeface="+mn-ea"/>
+                <a:cs typeface="+mn-cs"/>
+              </a:rPr>
+              <a:t>منبع درسی</a:t>
+            </a:r>
+            <a:r>
+              <a:rPr lang="en-US" sz="1100" b="1" kern="1200" dirty="0">
+                <a:solidFill>
+                  <a:schemeClr val="tx1"/>
+                </a:solidFill>
+                <a:effectLst/>
+                <a:latin typeface="+mn-lt"/>
+                <a:ea typeface="+mn-ea"/>
+                <a:cs typeface="+mn-cs"/>
+              </a:rPr>
+              <a:t> (</a:t>
+            </a:r>
+            <a:r>
+              <a:rPr lang="en-US" sz="1100" b="1" kern="1200" dirty="0" err="1">
+                <a:solidFill>
+                  <a:schemeClr val="tx1"/>
+                </a:solidFill>
+                <a:effectLst/>
+                <a:latin typeface="+mn-lt"/>
+                <a:ea typeface="+mn-ea"/>
+                <a:cs typeface="+mn-cs"/>
+              </a:rPr>
+              <a:t>Study_Material</a:t>
+            </a:r>
+            <a:r>
+              <a:rPr lang="en-US" sz="1100" b="1" kern="1200" dirty="0">
+                <a:solidFill>
+                  <a:schemeClr val="tx1"/>
+                </a:solidFill>
+                <a:effectLst/>
+                <a:latin typeface="+mn-lt"/>
+                <a:ea typeface="+mn-ea"/>
+                <a:cs typeface="+mn-cs"/>
+              </a:rPr>
+              <a:t>)</a:t>
+            </a:r>
+            <a:r>
+              <a:rPr lang="en-US" sz="1100" kern="1200" dirty="0">
+                <a:solidFill>
+                  <a:schemeClr val="tx1"/>
+                </a:solidFill>
+                <a:effectLst/>
+                <a:latin typeface="+mn-lt"/>
+                <a:ea typeface="+mn-ea"/>
+                <a:cs typeface="+mn-cs"/>
+              </a:rPr>
+              <a:t> </a:t>
+            </a:r>
+            <a:r>
+              <a:rPr lang="ar-SA" sz="1100" kern="1200" dirty="0">
+                <a:solidFill>
+                  <a:schemeClr val="tx1"/>
+                </a:solidFill>
+                <a:effectLst/>
+                <a:latin typeface="+mn-lt"/>
+                <a:ea typeface="+mn-ea"/>
+                <a:cs typeface="+mn-cs"/>
+              </a:rPr>
+              <a:t>مطالعه می‌کند</a:t>
+            </a:r>
+            <a:r>
+              <a:rPr lang="en-US" sz="1100" kern="1200" dirty="0">
+                <a:solidFill>
+                  <a:schemeClr val="tx1"/>
+                </a:solidFill>
+                <a:effectLst/>
+                <a:latin typeface="+mn-lt"/>
+                <a:ea typeface="+mn-ea"/>
+                <a:cs typeface="+mn-cs"/>
+              </a:rPr>
+              <a:t>.</a:t>
+            </a:r>
+          </a:p>
+          <a:p>
+            <a:pPr algn="r" rtl="1"/>
+            <a:br>
+              <a:rPr lang="en-US" sz="1100" kern="1200" dirty="0">
+                <a:solidFill>
+                  <a:schemeClr val="tx1"/>
+                </a:solidFill>
+                <a:effectLst/>
+                <a:latin typeface="+mn-lt"/>
+                <a:ea typeface="+mn-ea"/>
+                <a:cs typeface="+mn-cs"/>
+              </a:rPr>
+            </a:br>
+            <a:endParaRPr lang="en-US" sz="1100" kern="1200" dirty="0">
+              <a:solidFill>
+                <a:schemeClr val="tx1"/>
+              </a:solidFill>
+              <a:effectLst/>
+              <a:latin typeface="+mn-lt"/>
+              <a:ea typeface="+mn-ea"/>
+              <a:cs typeface="+mn-cs"/>
+            </a:endParaRPr>
+          </a:p>
+          <a:p>
+            <a:pPr algn="r" rtl="1"/>
+            <a:r>
+              <a:rPr lang="en-US" sz="1100" b="1" kern="1200" dirty="0">
+                <a:solidFill>
+                  <a:schemeClr val="tx1"/>
+                </a:solidFill>
+                <a:effectLst/>
+                <a:latin typeface="+mn-lt"/>
+                <a:ea typeface="+mn-ea"/>
+                <a:cs typeface="+mn-cs"/>
+              </a:rPr>
+              <a:t>🔹 </a:t>
+            </a:r>
+            <a:r>
+              <a:rPr lang="ar-SA" sz="1100" b="1" kern="1200" dirty="0">
+                <a:solidFill>
+                  <a:schemeClr val="tx1"/>
+                </a:solidFill>
+                <a:effectLst/>
+                <a:latin typeface="+mn-lt"/>
+                <a:ea typeface="+mn-ea"/>
+                <a:cs typeface="+mn-cs"/>
+              </a:rPr>
+              <a:t>تحلیل مفهومی</a:t>
+            </a:r>
+            <a:r>
+              <a:rPr lang="en-US" sz="1100" b="1" kern="1200" dirty="0">
+                <a:solidFill>
+                  <a:schemeClr val="tx1"/>
+                </a:solidFill>
+                <a:effectLst/>
+                <a:latin typeface="+mn-lt"/>
+                <a:ea typeface="+mn-ea"/>
+                <a:cs typeface="+mn-cs"/>
+              </a:rPr>
+              <a:t>:</a:t>
+            </a:r>
+            <a:endParaRPr lang="en-US" sz="1100" kern="1200" dirty="0">
+              <a:solidFill>
+                <a:schemeClr val="tx1"/>
+              </a:solidFill>
+              <a:effectLst/>
+              <a:latin typeface="+mn-lt"/>
+              <a:ea typeface="+mn-ea"/>
+              <a:cs typeface="+mn-cs"/>
+            </a:endParaRPr>
+          </a:p>
+          <a:p>
+            <a:pPr algn="r" rtl="1"/>
+            <a:r>
+              <a:rPr lang="ar-SA" sz="1100" kern="1200" dirty="0">
+                <a:solidFill>
+                  <a:schemeClr val="tx1"/>
+                </a:solidFill>
+                <a:effectLst/>
+                <a:latin typeface="+mn-lt"/>
+                <a:ea typeface="+mn-ea"/>
+                <a:cs typeface="+mn-cs"/>
+              </a:rPr>
+              <a:t>اگر فقط رابطه‌ای بین دو یا سه موجودیت در نظر گرفته می‌شد، بخش مهمی از ارتباط از بین می‌رفت</a:t>
+            </a:r>
+            <a:r>
+              <a:rPr lang="en-US" sz="1100" kern="1200" dirty="0">
+                <a:solidFill>
+                  <a:schemeClr val="tx1"/>
+                </a:solidFill>
+                <a:effectLst/>
+                <a:latin typeface="+mn-lt"/>
+                <a:ea typeface="+mn-ea"/>
+                <a:cs typeface="+mn-cs"/>
+              </a:rPr>
+              <a:t>.</a:t>
+            </a:r>
+            <a:br>
+              <a:rPr lang="en-US" sz="1100" kern="1200" dirty="0">
+                <a:solidFill>
+                  <a:schemeClr val="tx1"/>
+                </a:solidFill>
+                <a:effectLst/>
+                <a:latin typeface="+mn-lt"/>
+                <a:ea typeface="+mn-ea"/>
+                <a:cs typeface="+mn-cs"/>
+              </a:rPr>
+            </a:br>
+            <a:r>
+              <a:rPr lang="ar-SA" sz="1100" kern="1200" dirty="0">
+                <a:solidFill>
+                  <a:schemeClr val="tx1"/>
+                </a:solidFill>
+                <a:effectLst/>
+                <a:latin typeface="+mn-lt"/>
+                <a:ea typeface="+mn-ea"/>
+                <a:cs typeface="+mn-cs"/>
+              </a:rPr>
+              <a:t>به‌عنوان مثال</a:t>
+            </a:r>
+            <a:r>
+              <a:rPr lang="en-US" sz="1100" kern="1200" dirty="0">
+                <a:solidFill>
+                  <a:schemeClr val="tx1"/>
+                </a:solidFill>
+                <a:effectLst/>
+                <a:latin typeface="+mn-lt"/>
+                <a:ea typeface="+mn-ea"/>
+                <a:cs typeface="+mn-cs"/>
+              </a:rPr>
+              <a:t>:</a:t>
+            </a:r>
+          </a:p>
+          <a:p>
+            <a:pPr lvl="0" algn="r" rtl="1"/>
+            <a:r>
+              <a:rPr lang="ar-SA" sz="1100" kern="1200" dirty="0">
+                <a:solidFill>
+                  <a:schemeClr val="tx1"/>
+                </a:solidFill>
+                <a:effectLst/>
+                <a:latin typeface="+mn-lt"/>
+                <a:ea typeface="+mn-ea"/>
+                <a:cs typeface="+mn-cs"/>
+              </a:rPr>
+              <a:t>اگر فقط «دانشجو» و «درس» را مرتبط کنیم، نمی‌دانیم چه استادی آن درس را تدریس کرده یا از چه منبعی استفاده شده است</a:t>
+            </a:r>
+            <a:r>
+              <a:rPr lang="en-US" sz="1100" kern="1200" dirty="0">
+                <a:solidFill>
+                  <a:schemeClr val="tx1"/>
+                </a:solidFill>
+                <a:effectLst/>
+                <a:latin typeface="+mn-lt"/>
+                <a:ea typeface="+mn-ea"/>
+                <a:cs typeface="+mn-cs"/>
+              </a:rPr>
+              <a:t>.</a:t>
+            </a:r>
+          </a:p>
+          <a:p>
+            <a:pPr lvl="0" algn="r" rtl="1"/>
+            <a:r>
+              <a:rPr lang="ar-SA" sz="1100" kern="1200" dirty="0">
+                <a:solidFill>
+                  <a:schemeClr val="tx1"/>
+                </a:solidFill>
+                <a:effectLst/>
+                <a:latin typeface="+mn-lt"/>
+                <a:ea typeface="+mn-ea"/>
+                <a:cs typeface="+mn-cs"/>
+              </a:rPr>
+              <a:t>اگر فقط «دانشجو»، «استاد» و «درس» باشند، باز هم منبع مطالعه مشخص نیست</a:t>
+            </a:r>
+            <a:r>
+              <a:rPr lang="en-US" sz="1100" kern="1200" dirty="0">
+                <a:solidFill>
+                  <a:schemeClr val="tx1"/>
+                </a:solidFill>
+                <a:effectLst/>
+                <a:latin typeface="+mn-lt"/>
+                <a:ea typeface="+mn-ea"/>
+                <a:cs typeface="+mn-cs"/>
+              </a:rPr>
+              <a:t>.</a:t>
+            </a:r>
+          </a:p>
+          <a:p>
+            <a:pPr algn="r" rtl="1"/>
+            <a:r>
+              <a:rPr lang="ar-SA" sz="1100" kern="1200" dirty="0">
+                <a:solidFill>
+                  <a:schemeClr val="tx1"/>
+                </a:solidFill>
+                <a:effectLst/>
+                <a:latin typeface="+mn-lt"/>
+                <a:ea typeface="+mn-ea"/>
+                <a:cs typeface="+mn-cs"/>
+              </a:rPr>
+              <a:t>بنابراین، برای حفظ </a:t>
+            </a:r>
+            <a:r>
+              <a:rPr lang="ar-SA" sz="1100" b="1" kern="1200" dirty="0">
+                <a:solidFill>
+                  <a:schemeClr val="tx1"/>
+                </a:solidFill>
+                <a:effectLst/>
+                <a:latin typeface="+mn-lt"/>
+                <a:ea typeface="+mn-ea"/>
+                <a:cs typeface="+mn-cs"/>
+              </a:rPr>
+              <a:t>ارتباط کامل میان همه عوامل آموزشی</a:t>
+            </a:r>
+            <a:r>
+              <a:rPr lang="ar-SA" sz="1100" kern="1200" dirty="0">
+                <a:solidFill>
+                  <a:schemeClr val="tx1"/>
+                </a:solidFill>
+                <a:effectLst/>
+                <a:latin typeface="+mn-lt"/>
+                <a:ea typeface="+mn-ea"/>
+                <a:cs typeface="+mn-cs"/>
+              </a:rPr>
+              <a:t>، باید رابطه‌ای بین هر چهار موجودیت برقرار شود</a:t>
+            </a:r>
+            <a:r>
+              <a:rPr lang="en-US" sz="1100" kern="1200" dirty="0">
+                <a:solidFill>
+                  <a:schemeClr val="tx1"/>
+                </a:solidFill>
+                <a:effectLst/>
+                <a:latin typeface="+mn-lt"/>
+                <a:ea typeface="+mn-ea"/>
+                <a:cs typeface="+mn-cs"/>
+              </a:rPr>
+              <a:t>.</a:t>
+            </a:r>
+          </a:p>
+          <a:p>
+            <a:pPr algn="r" rtl="1"/>
+            <a:br>
+              <a:rPr lang="en-US" sz="1100" kern="1200" dirty="0">
+                <a:solidFill>
+                  <a:schemeClr val="tx1"/>
+                </a:solidFill>
+                <a:effectLst/>
+                <a:latin typeface="+mn-lt"/>
+                <a:ea typeface="+mn-ea"/>
+                <a:cs typeface="+mn-cs"/>
+              </a:rPr>
+            </a:br>
+            <a:endParaRPr lang="en-US" sz="1100" kern="1200" dirty="0">
+              <a:solidFill>
+                <a:schemeClr val="tx1"/>
+              </a:solidFill>
+              <a:effectLst/>
+              <a:latin typeface="+mn-lt"/>
+              <a:ea typeface="+mn-ea"/>
+              <a:cs typeface="+mn-cs"/>
+            </a:endParaRPr>
+          </a:p>
+          <a:p>
+            <a:pPr algn="r" rtl="1"/>
+            <a:r>
+              <a:rPr lang="en-US" sz="1100" b="1" kern="1200" dirty="0">
+                <a:solidFill>
+                  <a:schemeClr val="tx1"/>
+                </a:solidFill>
+                <a:effectLst/>
+                <a:latin typeface="+mn-lt"/>
+                <a:ea typeface="+mn-ea"/>
+                <a:cs typeface="+mn-cs"/>
+              </a:rPr>
+              <a:t>🔹 </a:t>
+            </a:r>
+            <a:r>
+              <a:rPr lang="ar-SA" sz="1100" b="1" kern="1200" dirty="0">
+                <a:solidFill>
+                  <a:schemeClr val="tx1"/>
+                </a:solidFill>
+                <a:effectLst/>
+                <a:latin typeface="+mn-lt"/>
+                <a:ea typeface="+mn-ea"/>
+                <a:cs typeface="+mn-cs"/>
+              </a:rPr>
+              <a:t>مثال واقعی</a:t>
+            </a:r>
+            <a:r>
+              <a:rPr lang="en-US" sz="1100" b="1" kern="1200" dirty="0">
+                <a:solidFill>
+                  <a:schemeClr val="tx1"/>
+                </a:solidFill>
+                <a:effectLst/>
+                <a:latin typeface="+mn-lt"/>
+                <a:ea typeface="+mn-ea"/>
+                <a:cs typeface="+mn-cs"/>
+              </a:rPr>
+              <a:t>:</a:t>
+            </a:r>
+            <a:endParaRPr lang="en-US" sz="1100" kern="1200" dirty="0">
+              <a:solidFill>
+                <a:schemeClr val="tx1"/>
+              </a:solidFill>
+              <a:effectLst/>
+              <a:latin typeface="+mn-lt"/>
+              <a:ea typeface="+mn-ea"/>
+              <a:cs typeface="+mn-cs"/>
+            </a:endParaRPr>
+          </a:p>
+          <a:p>
+            <a:pPr algn="r" rtl="1"/>
+            <a:r>
+              <a:rPr lang="ar-SA" sz="1100" kern="1200" dirty="0">
+                <a:solidFill>
+                  <a:schemeClr val="tx1"/>
+                </a:solidFill>
+                <a:effectLst/>
+                <a:latin typeface="+mn-lt"/>
+                <a:ea typeface="+mn-ea"/>
+                <a:cs typeface="+mn-cs"/>
+              </a:rPr>
+              <a:t>فرض کنید</a:t>
+            </a:r>
+            <a:r>
+              <a:rPr lang="en-US" sz="1100" kern="1200" dirty="0">
+                <a:solidFill>
+                  <a:schemeClr val="tx1"/>
+                </a:solidFill>
+                <a:effectLst/>
+                <a:latin typeface="+mn-lt"/>
+                <a:ea typeface="+mn-ea"/>
+                <a:cs typeface="+mn-cs"/>
+              </a:rPr>
+              <a:t>:</a:t>
+            </a:r>
+          </a:p>
+          <a:p>
+            <a:pPr algn="r" rtl="1"/>
+            <a:r>
+              <a:rPr lang="ar-SA" sz="1100" kern="1200" dirty="0">
+                <a:solidFill>
+                  <a:schemeClr val="tx1"/>
+                </a:solidFill>
+                <a:effectLst/>
+                <a:latin typeface="+mn-lt"/>
+                <a:ea typeface="+mn-ea"/>
+                <a:cs typeface="+mn-cs"/>
+              </a:rPr>
+              <a:t>دانشجویی به نام «احمد</a:t>
+            </a:r>
+            <a:r>
+              <a:rPr lang="en-US" sz="1100" kern="1200" dirty="0">
+                <a:solidFill>
+                  <a:schemeClr val="tx1"/>
+                </a:solidFill>
+                <a:effectLst/>
+                <a:latin typeface="+mn-lt"/>
+                <a:ea typeface="+mn-ea"/>
+                <a:cs typeface="+mn-cs"/>
+              </a:rPr>
+              <a:t>»</a:t>
+            </a:r>
+            <a:br>
+              <a:rPr lang="en-US" sz="1100" kern="1200" dirty="0">
+                <a:solidFill>
+                  <a:schemeClr val="tx1"/>
+                </a:solidFill>
+                <a:effectLst/>
+                <a:latin typeface="+mn-lt"/>
+                <a:ea typeface="+mn-ea"/>
+                <a:cs typeface="+mn-cs"/>
+              </a:rPr>
+            </a:br>
+            <a:r>
+              <a:rPr lang="ar-SA" sz="1100" kern="1200" dirty="0">
+                <a:solidFill>
+                  <a:schemeClr val="tx1"/>
+                </a:solidFill>
+                <a:effectLst/>
+                <a:latin typeface="+mn-lt"/>
+                <a:ea typeface="+mn-ea"/>
+                <a:cs typeface="+mn-cs"/>
+              </a:rPr>
+              <a:t>با استادی به نام «دکتر رضایی</a:t>
+            </a:r>
+            <a:r>
+              <a:rPr lang="en-US" sz="1100" kern="1200" dirty="0">
+                <a:solidFill>
+                  <a:schemeClr val="tx1"/>
+                </a:solidFill>
+                <a:effectLst/>
+                <a:latin typeface="+mn-lt"/>
+                <a:ea typeface="+mn-ea"/>
+                <a:cs typeface="+mn-cs"/>
+              </a:rPr>
+              <a:t>»</a:t>
+            </a:r>
+            <a:br>
+              <a:rPr lang="en-US" sz="1100" kern="1200" dirty="0">
+                <a:solidFill>
+                  <a:schemeClr val="tx1"/>
+                </a:solidFill>
+                <a:effectLst/>
+                <a:latin typeface="+mn-lt"/>
+                <a:ea typeface="+mn-ea"/>
+                <a:cs typeface="+mn-cs"/>
+              </a:rPr>
+            </a:br>
+            <a:r>
+              <a:rPr lang="ar-SA" sz="1100" kern="1200" dirty="0">
+                <a:solidFill>
+                  <a:schemeClr val="tx1"/>
+                </a:solidFill>
+                <a:effectLst/>
+                <a:latin typeface="+mn-lt"/>
+                <a:ea typeface="+mn-ea"/>
+                <a:cs typeface="+mn-cs"/>
+              </a:rPr>
+              <a:t>درس «پایگاه داده‌ها» را</a:t>
+            </a:r>
+            <a:br>
+              <a:rPr lang="en-US" sz="1100" kern="1200" dirty="0">
+                <a:solidFill>
+                  <a:schemeClr val="tx1"/>
+                </a:solidFill>
+                <a:effectLst/>
+                <a:latin typeface="+mn-lt"/>
+                <a:ea typeface="+mn-ea"/>
+                <a:cs typeface="+mn-cs"/>
+              </a:rPr>
+            </a:br>
+            <a:r>
+              <a:rPr lang="ar-SA" sz="1100" kern="1200" dirty="0">
+                <a:solidFill>
+                  <a:schemeClr val="tx1"/>
+                </a:solidFill>
+                <a:effectLst/>
+                <a:latin typeface="+mn-lt"/>
+                <a:ea typeface="+mn-ea"/>
+                <a:cs typeface="+mn-cs"/>
+              </a:rPr>
+              <a:t>با استفاده از منبع «کتاب</a:t>
+            </a:r>
+            <a:r>
+              <a:rPr lang="en-US" sz="1100" kern="1200" dirty="0">
+                <a:solidFill>
+                  <a:schemeClr val="tx1"/>
+                </a:solidFill>
+                <a:effectLst/>
+                <a:latin typeface="+mn-lt"/>
+                <a:ea typeface="+mn-ea"/>
+                <a:cs typeface="+mn-cs"/>
+              </a:rPr>
+              <a:t> Database Systems by Elmasri» </a:t>
+            </a:r>
+            <a:r>
+              <a:rPr lang="ar-SA" sz="1100" kern="1200" dirty="0">
+                <a:solidFill>
+                  <a:schemeClr val="tx1"/>
+                </a:solidFill>
+                <a:effectLst/>
+                <a:latin typeface="+mn-lt"/>
+                <a:ea typeface="+mn-ea"/>
+                <a:cs typeface="+mn-cs"/>
+              </a:rPr>
+              <a:t>مطالعه می‌کند</a:t>
+            </a:r>
+            <a:r>
+              <a:rPr lang="en-US" sz="1100" kern="1200" dirty="0">
+                <a:solidFill>
+                  <a:schemeClr val="tx1"/>
+                </a:solidFill>
+                <a:effectLst/>
+                <a:latin typeface="+mn-lt"/>
+                <a:ea typeface="+mn-ea"/>
+                <a:cs typeface="+mn-cs"/>
+              </a:rPr>
+              <a:t>.</a:t>
+            </a:r>
+          </a:p>
+          <a:p>
+            <a:pPr algn="r" rtl="1"/>
+            <a:r>
+              <a:rPr lang="ar-SA" sz="1100" kern="1200" dirty="0">
+                <a:solidFill>
+                  <a:schemeClr val="tx1"/>
+                </a:solidFill>
+                <a:effectLst/>
+                <a:latin typeface="+mn-lt"/>
+                <a:ea typeface="+mn-ea"/>
+                <a:cs typeface="+mn-cs"/>
+              </a:rPr>
+              <a:t>این جمله دقیقاً یک نمونه از رابطه‌ی چهارتایی </a:t>
+            </a:r>
+            <a:r>
+              <a:rPr lang="en-US" sz="1100" b="1" kern="1200" dirty="0">
+                <a:solidFill>
+                  <a:schemeClr val="tx1"/>
+                </a:solidFill>
+                <a:effectLst/>
+                <a:latin typeface="+mn-lt"/>
+                <a:ea typeface="+mn-ea"/>
+                <a:cs typeface="+mn-cs"/>
+              </a:rPr>
+              <a:t>studies</a:t>
+            </a:r>
+            <a:r>
+              <a:rPr lang="en-US" sz="1100" kern="1200" dirty="0">
+                <a:solidFill>
+                  <a:schemeClr val="tx1"/>
+                </a:solidFill>
+                <a:effectLst/>
+                <a:latin typeface="+mn-lt"/>
+                <a:ea typeface="+mn-ea"/>
+                <a:cs typeface="+mn-cs"/>
+              </a:rPr>
+              <a:t> </a:t>
+            </a:r>
+            <a:r>
+              <a:rPr lang="ar-SA" sz="1100" kern="1200" dirty="0">
+                <a:solidFill>
+                  <a:schemeClr val="tx1"/>
+                </a:solidFill>
+                <a:effectLst/>
+                <a:latin typeface="+mn-lt"/>
+                <a:ea typeface="+mn-ea"/>
+                <a:cs typeface="+mn-cs"/>
+              </a:rPr>
+              <a:t>است</a:t>
+            </a:r>
+            <a:r>
+              <a:rPr lang="en-US" sz="1100" kern="1200" dirty="0">
+                <a:solidFill>
+                  <a:schemeClr val="tx1"/>
+                </a:solidFill>
+                <a:effectLst/>
+                <a:latin typeface="+mn-lt"/>
+                <a:ea typeface="+mn-ea"/>
+                <a:cs typeface="+mn-cs"/>
+              </a:rPr>
+              <a:t>.</a:t>
+            </a:r>
+          </a:p>
+          <a:p>
+            <a:pPr algn="r" rtl="1"/>
+            <a:br>
+              <a:rPr lang="en-US" sz="1100" kern="1200" dirty="0">
+                <a:solidFill>
+                  <a:schemeClr val="tx1"/>
+                </a:solidFill>
+                <a:effectLst/>
+                <a:latin typeface="+mn-lt"/>
+                <a:ea typeface="+mn-ea"/>
+                <a:cs typeface="+mn-cs"/>
+              </a:rPr>
+            </a:br>
+            <a:endParaRPr lang="en-US" sz="1100" kern="1200" dirty="0">
+              <a:solidFill>
+                <a:schemeClr val="tx1"/>
+              </a:solidFill>
+              <a:effectLst/>
+              <a:latin typeface="+mn-lt"/>
+              <a:ea typeface="+mn-ea"/>
+              <a:cs typeface="+mn-cs"/>
+            </a:endParaRPr>
+          </a:p>
+          <a:p>
+            <a:pPr algn="r" rtl="1"/>
+            <a:r>
+              <a:rPr lang="en-US" sz="1100" b="1" kern="1200" dirty="0">
+                <a:solidFill>
+                  <a:schemeClr val="tx1"/>
+                </a:solidFill>
+                <a:effectLst/>
+                <a:latin typeface="+mn-lt"/>
+                <a:ea typeface="+mn-ea"/>
+                <a:cs typeface="+mn-cs"/>
+              </a:rPr>
+              <a:t>🔹 </a:t>
+            </a:r>
+            <a:r>
+              <a:rPr lang="ar-SA" sz="1100" b="1" kern="1200" dirty="0">
+                <a:solidFill>
+                  <a:schemeClr val="tx1"/>
+                </a:solidFill>
+                <a:effectLst/>
+                <a:latin typeface="+mn-lt"/>
+                <a:ea typeface="+mn-ea"/>
+                <a:cs typeface="+mn-cs"/>
+              </a:rPr>
+              <a:t>در مدل رابطه‌ای</a:t>
+            </a:r>
+            <a:r>
+              <a:rPr lang="en-US" sz="1100" b="1" kern="1200" dirty="0">
+                <a:solidFill>
+                  <a:schemeClr val="tx1"/>
+                </a:solidFill>
+                <a:effectLst/>
+                <a:latin typeface="+mn-lt"/>
+                <a:ea typeface="+mn-ea"/>
+                <a:cs typeface="+mn-cs"/>
+              </a:rPr>
+              <a:t> (Relational Model):</a:t>
+            </a:r>
+            <a:endParaRPr lang="en-US" sz="1100" kern="1200" dirty="0">
+              <a:solidFill>
+                <a:schemeClr val="tx1"/>
+              </a:solidFill>
+              <a:effectLst/>
+              <a:latin typeface="+mn-lt"/>
+              <a:ea typeface="+mn-ea"/>
+              <a:cs typeface="+mn-cs"/>
+            </a:endParaRPr>
+          </a:p>
+          <a:p>
+            <a:pPr algn="r" rtl="1"/>
+            <a:r>
+              <a:rPr lang="ar-SA" sz="1100" kern="1200" dirty="0">
+                <a:solidFill>
+                  <a:schemeClr val="tx1"/>
+                </a:solidFill>
+                <a:effectLst/>
+                <a:latin typeface="+mn-lt"/>
+                <a:ea typeface="+mn-ea"/>
+                <a:cs typeface="+mn-cs"/>
+              </a:rPr>
+              <a:t>برای پیاده‌سازی چنین رابطه‌ای در پایگاه داده، معمولاً جدولی مجزا ایجاد می‌شود به نام مثلاً</a:t>
+            </a:r>
+            <a:r>
+              <a:rPr lang="en-US" sz="1100" kern="1200" dirty="0">
+                <a:solidFill>
+                  <a:schemeClr val="tx1"/>
+                </a:solidFill>
+                <a:effectLst/>
+                <a:latin typeface="+mn-lt"/>
+                <a:ea typeface="+mn-ea"/>
+                <a:cs typeface="+mn-cs"/>
+              </a:rPr>
+              <a:t>:</a:t>
+            </a:r>
+            <a:br>
+              <a:rPr lang="en-US" sz="1100" kern="1200" dirty="0">
+                <a:solidFill>
+                  <a:schemeClr val="tx1"/>
+                </a:solidFill>
+                <a:effectLst/>
+                <a:latin typeface="+mn-lt"/>
+                <a:ea typeface="+mn-ea"/>
+                <a:cs typeface="+mn-cs"/>
+              </a:rPr>
+            </a:br>
+            <a:r>
+              <a:rPr lang="en-US" sz="1100" b="1" kern="1200" dirty="0">
+                <a:solidFill>
+                  <a:schemeClr val="tx1"/>
+                </a:solidFill>
+                <a:effectLst/>
+                <a:latin typeface="+mn-lt"/>
+                <a:ea typeface="+mn-ea"/>
+                <a:cs typeface="+mn-cs"/>
+              </a:rPr>
+              <a:t>Studies(</a:t>
+            </a:r>
+            <a:r>
+              <a:rPr lang="en-US" sz="1100" b="1" kern="1200" dirty="0" err="1">
+                <a:solidFill>
+                  <a:schemeClr val="tx1"/>
+                </a:solidFill>
+                <a:effectLst/>
+                <a:latin typeface="+mn-lt"/>
+                <a:ea typeface="+mn-ea"/>
+                <a:cs typeface="+mn-cs"/>
+              </a:rPr>
+              <a:t>Student_ID</a:t>
+            </a:r>
+            <a:r>
+              <a:rPr lang="en-US" sz="1100" b="1" kern="1200" dirty="0">
+                <a:solidFill>
+                  <a:schemeClr val="tx1"/>
+                </a:solidFill>
+                <a:effectLst/>
+                <a:latin typeface="+mn-lt"/>
+                <a:ea typeface="+mn-ea"/>
+                <a:cs typeface="+mn-cs"/>
+              </a:rPr>
+              <a:t>, </a:t>
+            </a:r>
+            <a:r>
+              <a:rPr lang="en-US" sz="1100" b="1" kern="1200" dirty="0" err="1">
+                <a:solidFill>
+                  <a:schemeClr val="tx1"/>
+                </a:solidFill>
+                <a:effectLst/>
+                <a:latin typeface="+mn-lt"/>
+                <a:ea typeface="+mn-ea"/>
+                <a:cs typeface="+mn-cs"/>
+              </a:rPr>
+              <a:t>Teacher_ID</a:t>
+            </a:r>
+            <a:r>
+              <a:rPr lang="en-US" sz="1100" b="1" kern="1200" dirty="0">
+                <a:solidFill>
+                  <a:schemeClr val="tx1"/>
+                </a:solidFill>
+                <a:effectLst/>
+                <a:latin typeface="+mn-lt"/>
+                <a:ea typeface="+mn-ea"/>
+                <a:cs typeface="+mn-cs"/>
+              </a:rPr>
+              <a:t>, </a:t>
+            </a:r>
+            <a:r>
+              <a:rPr lang="en-US" sz="1100" b="1" kern="1200" dirty="0" err="1">
+                <a:solidFill>
+                  <a:schemeClr val="tx1"/>
+                </a:solidFill>
+                <a:effectLst/>
+                <a:latin typeface="+mn-lt"/>
+                <a:ea typeface="+mn-ea"/>
+                <a:cs typeface="+mn-cs"/>
+              </a:rPr>
+              <a:t>Subject_ID</a:t>
+            </a:r>
+            <a:r>
+              <a:rPr lang="en-US" sz="1100" b="1" kern="1200" dirty="0">
+                <a:solidFill>
+                  <a:schemeClr val="tx1"/>
+                </a:solidFill>
+                <a:effectLst/>
+                <a:latin typeface="+mn-lt"/>
+                <a:ea typeface="+mn-ea"/>
+                <a:cs typeface="+mn-cs"/>
+              </a:rPr>
+              <a:t>, </a:t>
+            </a:r>
+            <a:r>
+              <a:rPr lang="en-US" sz="1100" b="1" kern="1200" dirty="0" err="1">
+                <a:solidFill>
+                  <a:schemeClr val="tx1"/>
+                </a:solidFill>
+                <a:effectLst/>
+                <a:latin typeface="+mn-lt"/>
+                <a:ea typeface="+mn-ea"/>
+                <a:cs typeface="+mn-cs"/>
+              </a:rPr>
+              <a:t>Material_ID</a:t>
+            </a:r>
+            <a:r>
+              <a:rPr lang="en-US" sz="1100" b="1" kern="1200" dirty="0">
+                <a:solidFill>
+                  <a:schemeClr val="tx1"/>
+                </a:solidFill>
+                <a:effectLst/>
+                <a:latin typeface="+mn-lt"/>
+                <a:ea typeface="+mn-ea"/>
+                <a:cs typeface="+mn-cs"/>
+              </a:rPr>
+              <a:t>)</a:t>
+            </a:r>
+            <a:endParaRPr lang="en-US" sz="1100" kern="1200" dirty="0">
+              <a:solidFill>
+                <a:schemeClr val="tx1"/>
+              </a:solidFill>
+              <a:effectLst/>
+              <a:latin typeface="+mn-lt"/>
+              <a:ea typeface="+mn-ea"/>
+              <a:cs typeface="+mn-cs"/>
+            </a:endParaRPr>
+          </a:p>
+          <a:p>
+            <a:pPr algn="r" rtl="1"/>
+            <a:r>
+              <a:rPr lang="ar-SA" sz="1100" kern="1200" dirty="0">
+                <a:solidFill>
+                  <a:schemeClr val="tx1"/>
+                </a:solidFill>
+                <a:effectLst/>
+                <a:latin typeface="+mn-lt"/>
+                <a:ea typeface="+mn-ea"/>
+                <a:cs typeface="+mn-cs"/>
+              </a:rPr>
+              <a:t>در این جدول، هر سطر نشان‌دهندۀ یک نمونه از ترکیب چهار موجودیت است، و کلید اصلی</a:t>
+            </a:r>
+            <a:r>
+              <a:rPr lang="en-US" sz="1100" kern="1200" dirty="0">
+                <a:solidFill>
+                  <a:schemeClr val="tx1"/>
+                </a:solidFill>
+                <a:effectLst/>
+                <a:latin typeface="+mn-lt"/>
+                <a:ea typeface="+mn-ea"/>
+                <a:cs typeface="+mn-cs"/>
+              </a:rPr>
+              <a:t> (Primary Key) </a:t>
+            </a:r>
+            <a:r>
+              <a:rPr lang="ar-SA" sz="1100" kern="1200" dirty="0">
+                <a:solidFill>
+                  <a:schemeClr val="tx1"/>
+                </a:solidFill>
+                <a:effectLst/>
+                <a:latin typeface="+mn-lt"/>
+                <a:ea typeface="+mn-ea"/>
+                <a:cs typeface="+mn-cs"/>
+              </a:rPr>
+              <a:t>معمولاً ترکیب همین چهار شناسه</a:t>
+            </a:r>
+            <a:r>
+              <a:rPr lang="en-US" sz="1100" kern="1200" dirty="0">
+                <a:solidFill>
+                  <a:schemeClr val="tx1"/>
+                </a:solidFill>
+                <a:effectLst/>
+                <a:latin typeface="+mn-lt"/>
+                <a:ea typeface="+mn-ea"/>
+                <a:cs typeface="+mn-cs"/>
+              </a:rPr>
+              <a:t> (ID) </a:t>
+            </a:r>
+            <a:r>
+              <a:rPr lang="ar-SA" sz="1100" kern="1200" dirty="0">
+                <a:solidFill>
+                  <a:schemeClr val="tx1"/>
+                </a:solidFill>
+                <a:effectLst/>
+                <a:latin typeface="+mn-lt"/>
+                <a:ea typeface="+mn-ea"/>
+                <a:cs typeface="+mn-cs"/>
+              </a:rPr>
+              <a:t>می‌باشد</a:t>
+            </a:r>
+            <a:r>
+              <a:rPr lang="en-US" sz="1100" kern="1200" dirty="0">
+                <a:solidFill>
+                  <a:schemeClr val="tx1"/>
+                </a:solidFill>
+                <a:effectLst/>
+                <a:latin typeface="+mn-lt"/>
+                <a:ea typeface="+mn-ea"/>
+                <a:cs typeface="+mn-cs"/>
+              </a:rPr>
+              <a:t>.</a:t>
+            </a:r>
+          </a:p>
+          <a:p>
+            <a:pPr algn="r" rtl="1"/>
+            <a:r>
+              <a:rPr lang="en-US" sz="1100" kern="1200" dirty="0">
+                <a:solidFill>
+                  <a:schemeClr val="tx1"/>
+                </a:solidFill>
+                <a:effectLst/>
+                <a:latin typeface="+mn-lt"/>
+                <a:ea typeface="+mn-ea"/>
+                <a:cs typeface="+mn-cs"/>
+              </a:rPr>
+              <a:t> </a:t>
+            </a:r>
+          </a:p>
+          <a:p>
+            <a:pPr algn="r" rtl="1"/>
+            <a:endParaRPr lang="en-US" dirty="0"/>
+          </a:p>
         </p:txBody>
       </p:sp>
     </p:spTree>
@@ -4238,229 +5945,39 @@
       </p:grpSpPr>
       <p:sp>
         <p:nvSpPr>
-          <p:cNvPr id="28674" name="Rectangle 7"/>
+          <p:cNvPr id="2" name="Slide Image Placeholder 1"/>
           <p:cNvSpPr>
-            <a:spLocks noGrp="1" noChangeArrowheads="1"/>
-          </p:cNvSpPr>
-          <p:nvPr>
-            <p:ph type="sldNum" sz="quarter" idx="5"/>
-          </p:nvPr>
-        </p:nvSpPr>
-        <p:spPr>
-          <a:noFill/>
-          <a:ln/>
-          <a:extLst>
-            <a:ext uri="{909E8E84-426E-40DD-AFC4-6F175D3DCCD1}">
-              <a14:hiddenFill xmlns:a14="http://schemas.microsoft.com/office/drawing/2010/main">
-                <a:solidFill>
-                  <a:srgbClr val="FFFFFF"/>
-                </a:solidFill>
-              </a14:hiddenFill>
-            </a:ext>
-            <a:ext uri="{91240B29-F687-4F45-9708-019B960494DF}">
-              <a14:hiddenLine xmlns:a14="http://schemas.microsoft.com/office/drawing/2010/main" w="9525">
-                <a:solidFill>
-                  <a:srgbClr val="000000"/>
-                </a:solidFill>
-                <a:miter lim="800000"/>
-                <a:headEnd/>
-                <a:tailEnd/>
-              </a14:hiddenLine>
-            </a:ext>
-          </a:extLst>
-        </p:spPr>
-        <p:txBody>
-          <a:bodyPr/>
-          <a:lstStyle>
-            <a:lvl1pPr defTabSz="922338">
-              <a:defRPr sz="2000">
-                <a:solidFill>
-                  <a:schemeClr val="tx1"/>
-                </a:solidFill>
-                <a:latin typeface="Arial" panose="020B0604020202020204" pitchFamily="34" charset="0"/>
-                <a:cs typeface="Times New Roman" panose="02020603050405020304" pitchFamily="18" charset="0"/>
-              </a:defRPr>
-            </a:lvl1pPr>
-            <a:lvl2pPr marL="742950" indent="-285750" defTabSz="922338">
-              <a:defRPr sz="2000">
-                <a:solidFill>
-                  <a:schemeClr val="tx1"/>
-                </a:solidFill>
-                <a:latin typeface="Arial" panose="020B0604020202020204" pitchFamily="34" charset="0"/>
-                <a:cs typeface="Times New Roman" panose="02020603050405020304" pitchFamily="18" charset="0"/>
-              </a:defRPr>
-            </a:lvl2pPr>
-            <a:lvl3pPr marL="1143000" indent="-228600" defTabSz="922338">
-              <a:defRPr sz="2000">
-                <a:solidFill>
-                  <a:schemeClr val="tx1"/>
-                </a:solidFill>
-                <a:latin typeface="Arial" panose="020B0604020202020204" pitchFamily="34" charset="0"/>
-                <a:cs typeface="Times New Roman" panose="02020603050405020304" pitchFamily="18" charset="0"/>
-              </a:defRPr>
-            </a:lvl3pPr>
-            <a:lvl4pPr marL="1600200" indent="-228600" defTabSz="922338">
-              <a:defRPr sz="2000">
-                <a:solidFill>
-                  <a:schemeClr val="tx1"/>
-                </a:solidFill>
-                <a:latin typeface="Arial" panose="020B0604020202020204" pitchFamily="34" charset="0"/>
-                <a:cs typeface="Times New Roman" panose="02020603050405020304" pitchFamily="18" charset="0"/>
-              </a:defRPr>
-            </a:lvl4pPr>
-            <a:lvl5pPr marL="2057400" indent="-228600" defTabSz="922338">
-              <a:defRPr sz="2000">
-                <a:solidFill>
-                  <a:schemeClr val="tx1"/>
-                </a:solidFill>
-                <a:latin typeface="Arial" panose="020B0604020202020204" pitchFamily="34" charset="0"/>
-                <a:cs typeface="Times New Roman" panose="02020603050405020304" pitchFamily="18" charset="0"/>
-              </a:defRPr>
-            </a:lvl5pPr>
-            <a:lvl6pPr marL="2514600" indent="-228600" defTabSz="922338" eaLnBrk="0" fontAlgn="base" hangingPunct="0">
-              <a:spcBef>
-                <a:spcPct val="0"/>
-              </a:spcBef>
-              <a:spcAft>
-                <a:spcPct val="0"/>
-              </a:spcAft>
-              <a:defRPr sz="2000">
-                <a:solidFill>
-                  <a:schemeClr val="tx1"/>
-                </a:solidFill>
-                <a:latin typeface="Arial" panose="020B0604020202020204" pitchFamily="34" charset="0"/>
-                <a:cs typeface="Times New Roman" panose="02020603050405020304" pitchFamily="18" charset="0"/>
-              </a:defRPr>
-            </a:lvl6pPr>
-            <a:lvl7pPr marL="2971800" indent="-228600" defTabSz="922338" eaLnBrk="0" fontAlgn="base" hangingPunct="0">
-              <a:spcBef>
-                <a:spcPct val="0"/>
-              </a:spcBef>
-              <a:spcAft>
-                <a:spcPct val="0"/>
-              </a:spcAft>
-              <a:defRPr sz="2000">
-                <a:solidFill>
-                  <a:schemeClr val="tx1"/>
-                </a:solidFill>
-                <a:latin typeface="Arial" panose="020B0604020202020204" pitchFamily="34" charset="0"/>
-                <a:cs typeface="Times New Roman" panose="02020603050405020304" pitchFamily="18" charset="0"/>
-              </a:defRPr>
-            </a:lvl7pPr>
-            <a:lvl8pPr marL="3429000" indent="-228600" defTabSz="922338" eaLnBrk="0" fontAlgn="base" hangingPunct="0">
-              <a:spcBef>
-                <a:spcPct val="0"/>
-              </a:spcBef>
-              <a:spcAft>
-                <a:spcPct val="0"/>
-              </a:spcAft>
-              <a:defRPr sz="2000">
-                <a:solidFill>
-                  <a:schemeClr val="tx1"/>
-                </a:solidFill>
-                <a:latin typeface="Arial" panose="020B0604020202020204" pitchFamily="34" charset="0"/>
-                <a:cs typeface="Times New Roman" panose="02020603050405020304" pitchFamily="18" charset="0"/>
-              </a:defRPr>
-            </a:lvl8pPr>
-            <a:lvl9pPr marL="3886200" indent="-228600" defTabSz="922338" eaLnBrk="0" fontAlgn="base" hangingPunct="0">
-              <a:spcBef>
-                <a:spcPct val="0"/>
-              </a:spcBef>
-              <a:spcAft>
-                <a:spcPct val="0"/>
-              </a:spcAft>
-              <a:defRPr sz="2000">
-                <a:solidFill>
-                  <a:schemeClr val="tx1"/>
-                </a:solidFill>
-                <a:latin typeface="Arial" panose="020B0604020202020204" pitchFamily="34" charset="0"/>
-                <a:cs typeface="Times New Roman" panose="02020603050405020304" pitchFamily="18" charset="0"/>
-              </a:defRPr>
-            </a:lvl9pPr>
-          </a:lstStyle>
-          <a:p>
-            <a:fld id="{E11CB97E-4DDB-40C9-99D3-40702FD9A0FF}" type="slidenum">
-              <a:rPr lang="en-US" altLang="en-US" sz="1200" smtClean="0">
-                <a:solidFill>
-                  <a:schemeClr val="bg1"/>
-                </a:solidFill>
-                <a:latin typeface="Comic Sans MS" panose="030F0702030302020204" pitchFamily="66" charset="0"/>
-              </a:rPr>
-              <a:pPr/>
-              <a:t>31</a:t>
-            </a:fld>
-            <a:endParaRPr lang="en-US" altLang="en-US" sz="1200">
-              <a:solidFill>
-                <a:schemeClr val="bg1"/>
-              </a:solidFill>
-              <a:latin typeface="Comic Sans MS" panose="030F0702030302020204" pitchFamily="66" charset="0"/>
-            </a:endParaRPr>
-          </a:p>
-        </p:txBody>
-      </p:sp>
-      <p:sp>
-        <p:nvSpPr>
-          <p:cNvPr id="28675" name="Rectangle 2"/>
-          <p:cNvSpPr>
-            <a:spLocks noGrp="1" noRot="1" noChangeAspect="1" noChangeArrowheads="1" noTextEdit="1"/>
+            <a:spLocks noGrp="1" noRot="1" noChangeAspect="1"/>
           </p:cNvSpPr>
           <p:nvPr>
             <p:ph type="sldImg"/>
           </p:nvPr>
         </p:nvSpPr>
-        <p:spPr>
-          <a:xfrm>
-            <a:off x="747713" y="841375"/>
-            <a:ext cx="5608637" cy="4206875"/>
-          </a:xfrm>
-          <a:ln/>
-        </p:spPr>
+        <p:spPr/>
       </p:sp>
       <p:sp>
         <p:nvSpPr>
-          <p:cNvPr id="28676" name="Rectangle 3"/>
+          <p:cNvPr id="3" name="Notes Placeholder 2"/>
           <p:cNvSpPr>
-            <a:spLocks noGrp="1" noChangeArrowheads="1"/>
+            <a:spLocks noGrp="1"/>
           </p:cNvSpPr>
           <p:nvPr>
             <p:ph type="body" idx="1"/>
           </p:nvPr>
         </p:nvSpPr>
-        <p:spPr>
-          <a:noFill/>
-          <a:ln/>
-          <a:extLst>
-            <a:ext uri="{909E8E84-426E-40DD-AFC4-6F175D3DCCD1}">
-              <a14:hiddenFill xmlns:a14="http://schemas.microsoft.com/office/drawing/2010/main">
-                <a:solidFill>
-                  <a:srgbClr val="FFFFFF"/>
-                </a:solidFill>
-              </a14:hiddenFill>
-            </a:ext>
-            <a:ext uri="{91240B29-F687-4F45-9708-019B960494DF}">
-              <a14:hiddenLine xmlns:a14="http://schemas.microsoft.com/office/drawing/2010/main" w="9525">
-                <a:solidFill>
-                  <a:srgbClr val="000000"/>
-                </a:solidFill>
-                <a:miter lim="800000"/>
-                <a:headEnd/>
-                <a:tailEnd/>
-              </a14:hiddenLine>
-            </a:ext>
-          </a:extLst>
-        </p:spPr>
+        <p:spPr/>
         <p:txBody>
           <a:bodyPr/>
           <a:lstStyle/>
           <a:p>
-            <a:endParaRPr lang="en-US" altLang="en-US"/>
+            <a:endParaRPr lang="en-US" dirty="0"/>
           </a:p>
         </p:txBody>
       </p:sp>
     </p:spTree>
     <p:extLst>
       <p:ext uri="{BB962C8B-B14F-4D97-AF65-F5344CB8AC3E}">
-        <p14:creationId xmlns:p14="http://schemas.microsoft.com/office/powerpoint/2010/main" val="2479259379"/>
+        <p14:creationId xmlns:p14="http://schemas.microsoft.com/office/powerpoint/2010/main" val="2108450713"/>
       </p:ext>
     </p:extLst>
   </p:cSld>
@@ -4550,229 +6067,247 @@
       </p:grpSpPr>
       <p:sp>
         <p:nvSpPr>
-          <p:cNvPr id="28674" name="Rectangle 7"/>
+          <p:cNvPr id="2" name="Slide Image Placeholder 1"/>
           <p:cNvSpPr>
-            <a:spLocks noGrp="1" noChangeArrowheads="1"/>
-          </p:cNvSpPr>
-          <p:nvPr>
-            <p:ph type="sldNum" sz="quarter" idx="5"/>
-          </p:nvPr>
-        </p:nvSpPr>
-        <p:spPr>
-          <a:noFill/>
-          <a:ln/>
-          <a:extLst>
-            <a:ext uri="{909E8E84-426E-40DD-AFC4-6F175D3DCCD1}">
-              <a14:hiddenFill xmlns:a14="http://schemas.microsoft.com/office/drawing/2010/main">
-                <a:solidFill>
-                  <a:srgbClr val="FFFFFF"/>
-                </a:solidFill>
-              </a14:hiddenFill>
-            </a:ext>
-            <a:ext uri="{91240B29-F687-4F45-9708-019B960494DF}">
-              <a14:hiddenLine xmlns:a14="http://schemas.microsoft.com/office/drawing/2010/main" w="9525">
-                <a:solidFill>
-                  <a:srgbClr val="000000"/>
-                </a:solidFill>
-                <a:miter lim="800000"/>
-                <a:headEnd/>
-                <a:tailEnd/>
-              </a14:hiddenLine>
-            </a:ext>
-          </a:extLst>
-        </p:spPr>
-        <p:txBody>
-          <a:bodyPr/>
-          <a:lstStyle>
-            <a:lvl1pPr defTabSz="922338">
-              <a:defRPr sz="2000">
-                <a:solidFill>
-                  <a:schemeClr val="tx1"/>
-                </a:solidFill>
-                <a:latin typeface="Arial" panose="020B0604020202020204" pitchFamily="34" charset="0"/>
-                <a:cs typeface="Times New Roman" panose="02020603050405020304" pitchFamily="18" charset="0"/>
-              </a:defRPr>
-            </a:lvl1pPr>
-            <a:lvl2pPr marL="742950" indent="-285750" defTabSz="922338">
-              <a:defRPr sz="2000">
-                <a:solidFill>
-                  <a:schemeClr val="tx1"/>
-                </a:solidFill>
-                <a:latin typeface="Arial" panose="020B0604020202020204" pitchFamily="34" charset="0"/>
-                <a:cs typeface="Times New Roman" panose="02020603050405020304" pitchFamily="18" charset="0"/>
-              </a:defRPr>
-            </a:lvl2pPr>
-            <a:lvl3pPr marL="1143000" indent="-228600" defTabSz="922338">
-              <a:defRPr sz="2000">
-                <a:solidFill>
-                  <a:schemeClr val="tx1"/>
-                </a:solidFill>
-                <a:latin typeface="Arial" panose="020B0604020202020204" pitchFamily="34" charset="0"/>
-                <a:cs typeface="Times New Roman" panose="02020603050405020304" pitchFamily="18" charset="0"/>
-              </a:defRPr>
-            </a:lvl3pPr>
-            <a:lvl4pPr marL="1600200" indent="-228600" defTabSz="922338">
-              <a:defRPr sz="2000">
-                <a:solidFill>
-                  <a:schemeClr val="tx1"/>
-                </a:solidFill>
-                <a:latin typeface="Arial" panose="020B0604020202020204" pitchFamily="34" charset="0"/>
-                <a:cs typeface="Times New Roman" panose="02020603050405020304" pitchFamily="18" charset="0"/>
-              </a:defRPr>
-            </a:lvl4pPr>
-            <a:lvl5pPr marL="2057400" indent="-228600" defTabSz="922338">
-              <a:defRPr sz="2000">
-                <a:solidFill>
-                  <a:schemeClr val="tx1"/>
-                </a:solidFill>
-                <a:latin typeface="Arial" panose="020B0604020202020204" pitchFamily="34" charset="0"/>
-                <a:cs typeface="Times New Roman" panose="02020603050405020304" pitchFamily="18" charset="0"/>
-              </a:defRPr>
-            </a:lvl5pPr>
-            <a:lvl6pPr marL="2514600" indent="-228600" defTabSz="922338" eaLnBrk="0" fontAlgn="base" hangingPunct="0">
-              <a:spcBef>
-                <a:spcPct val="0"/>
-              </a:spcBef>
-              <a:spcAft>
-                <a:spcPct val="0"/>
-              </a:spcAft>
-              <a:defRPr sz="2000">
-                <a:solidFill>
-                  <a:schemeClr val="tx1"/>
-                </a:solidFill>
-                <a:latin typeface="Arial" panose="020B0604020202020204" pitchFamily="34" charset="0"/>
-                <a:cs typeface="Times New Roman" panose="02020603050405020304" pitchFamily="18" charset="0"/>
-              </a:defRPr>
-            </a:lvl6pPr>
-            <a:lvl7pPr marL="2971800" indent="-228600" defTabSz="922338" eaLnBrk="0" fontAlgn="base" hangingPunct="0">
-              <a:spcBef>
-                <a:spcPct val="0"/>
-              </a:spcBef>
-              <a:spcAft>
-                <a:spcPct val="0"/>
-              </a:spcAft>
-              <a:defRPr sz="2000">
-                <a:solidFill>
-                  <a:schemeClr val="tx1"/>
-                </a:solidFill>
-                <a:latin typeface="Arial" panose="020B0604020202020204" pitchFamily="34" charset="0"/>
-                <a:cs typeface="Times New Roman" panose="02020603050405020304" pitchFamily="18" charset="0"/>
-              </a:defRPr>
-            </a:lvl7pPr>
-            <a:lvl8pPr marL="3429000" indent="-228600" defTabSz="922338" eaLnBrk="0" fontAlgn="base" hangingPunct="0">
-              <a:spcBef>
-                <a:spcPct val="0"/>
-              </a:spcBef>
-              <a:spcAft>
-                <a:spcPct val="0"/>
-              </a:spcAft>
-              <a:defRPr sz="2000">
-                <a:solidFill>
-                  <a:schemeClr val="tx1"/>
-                </a:solidFill>
-                <a:latin typeface="Arial" panose="020B0604020202020204" pitchFamily="34" charset="0"/>
-                <a:cs typeface="Times New Roman" panose="02020603050405020304" pitchFamily="18" charset="0"/>
-              </a:defRPr>
-            </a:lvl8pPr>
-            <a:lvl9pPr marL="3886200" indent="-228600" defTabSz="922338" eaLnBrk="0" fontAlgn="base" hangingPunct="0">
-              <a:spcBef>
-                <a:spcPct val="0"/>
-              </a:spcBef>
-              <a:spcAft>
-                <a:spcPct val="0"/>
-              </a:spcAft>
-              <a:defRPr sz="2000">
-                <a:solidFill>
-                  <a:schemeClr val="tx1"/>
-                </a:solidFill>
-                <a:latin typeface="Arial" panose="020B0604020202020204" pitchFamily="34" charset="0"/>
-                <a:cs typeface="Times New Roman" panose="02020603050405020304" pitchFamily="18" charset="0"/>
-              </a:defRPr>
-            </a:lvl9pPr>
-          </a:lstStyle>
-          <a:p>
-            <a:fld id="{E11CB97E-4DDB-40C9-99D3-40702FD9A0FF}" type="slidenum">
-              <a:rPr lang="en-US" altLang="en-US" sz="1200" smtClean="0">
-                <a:solidFill>
-                  <a:schemeClr val="bg1"/>
-                </a:solidFill>
-                <a:latin typeface="Comic Sans MS" panose="030F0702030302020204" pitchFamily="66" charset="0"/>
-              </a:rPr>
-              <a:pPr/>
-              <a:t>32</a:t>
-            </a:fld>
-            <a:endParaRPr lang="en-US" altLang="en-US" sz="1200">
-              <a:solidFill>
-                <a:schemeClr val="bg1"/>
-              </a:solidFill>
-              <a:latin typeface="Comic Sans MS" panose="030F0702030302020204" pitchFamily="66" charset="0"/>
-            </a:endParaRPr>
-          </a:p>
-        </p:txBody>
-      </p:sp>
-      <p:sp>
-        <p:nvSpPr>
-          <p:cNvPr id="28675" name="Rectangle 2"/>
-          <p:cNvSpPr>
-            <a:spLocks noGrp="1" noRot="1" noChangeAspect="1" noChangeArrowheads="1" noTextEdit="1"/>
+            <a:spLocks noGrp="1" noRot="1" noChangeAspect="1"/>
           </p:cNvSpPr>
           <p:nvPr>
             <p:ph type="sldImg"/>
           </p:nvPr>
         </p:nvSpPr>
-        <p:spPr>
-          <a:xfrm>
-            <a:off x="747713" y="841375"/>
-            <a:ext cx="5608637" cy="4206875"/>
-          </a:xfrm>
-          <a:ln/>
-        </p:spPr>
+        <p:spPr/>
       </p:sp>
       <p:sp>
         <p:nvSpPr>
-          <p:cNvPr id="28676" name="Rectangle 3"/>
+          <p:cNvPr id="3" name="Notes Placeholder 2"/>
           <p:cNvSpPr>
-            <a:spLocks noGrp="1" noChangeArrowheads="1"/>
+            <a:spLocks noGrp="1"/>
           </p:cNvSpPr>
           <p:nvPr>
             <p:ph type="body" idx="1"/>
           </p:nvPr>
         </p:nvSpPr>
-        <p:spPr>
-          <a:noFill/>
-          <a:ln/>
-          <a:extLst>
-            <a:ext uri="{909E8E84-426E-40DD-AFC4-6F175D3DCCD1}">
-              <a14:hiddenFill xmlns:a14="http://schemas.microsoft.com/office/drawing/2010/main">
-                <a:solidFill>
-                  <a:srgbClr val="FFFFFF"/>
-                </a:solidFill>
-              </a14:hiddenFill>
-            </a:ext>
-            <a:ext uri="{91240B29-F687-4F45-9708-019B960494DF}">
-              <a14:hiddenLine xmlns:a14="http://schemas.microsoft.com/office/drawing/2010/main" w="9525">
-                <a:solidFill>
-                  <a:srgbClr val="000000"/>
-                </a:solidFill>
-                <a:miter lim="800000"/>
-                <a:headEnd/>
-                <a:tailEnd/>
-              </a14:hiddenLine>
-            </a:ext>
-          </a:extLst>
-        </p:spPr>
+        <p:spPr/>
         <p:txBody>
           <a:bodyPr/>
           <a:lstStyle/>
           <a:p>
-            <a:endParaRPr lang="en-US" altLang="en-US"/>
+            <a:pPr algn="r" rtl="1"/>
+            <a:r>
+              <a:rPr lang="fa-IR" b="1" dirty="0"/>
+              <a:t>قسمت اول: مدل </a:t>
+            </a:r>
+            <a:r>
+              <a:rPr lang="en-US" b="1" dirty="0"/>
+              <a:t>Crow’s Foot</a:t>
+            </a:r>
+          </a:p>
+          <a:p>
+            <a:pPr algn="r" rtl="1"/>
+            <a:r>
+              <a:rPr lang="fa-IR" dirty="0"/>
+              <a:t>در این مدل، کاردینالیتی (تعداد ارتباط بین موجودیت‌ها) با نمادهای خاصی مانند خطوط و پا کلاغی نمایش داده می‌شود.</a:t>
+            </a:r>
+          </a:p>
+          <a:p>
+            <a:pPr algn="r" rtl="1"/>
+            <a:r>
+              <a:rPr lang="fa-IR" b="1" dirty="0"/>
+              <a:t>مثال اول:</a:t>
+            </a:r>
+          </a:p>
+          <a:p>
+            <a:pPr algn="r" rtl="1"/>
+            <a:r>
+              <a:rPr lang="en-US" sz="1100" kern="1200" dirty="0">
+                <a:solidFill>
+                  <a:schemeClr val="tx1"/>
+                </a:solidFill>
+                <a:latin typeface="+mn-lt"/>
+                <a:ea typeface="+mn-ea"/>
+                <a:cs typeface="+mn-cs"/>
+              </a:rPr>
+              <a:t>STUDENT ---- has ---- CLASS</a:t>
+            </a:r>
+          </a:p>
+          <a:p>
+            <a:pPr algn="r" rtl="1"/>
+            <a:r>
+              <a:rPr lang="fa-IR" dirty="0"/>
+              <a:t>این نشان‌دهنده یک رابطه </a:t>
+            </a:r>
+            <a:r>
+              <a:rPr lang="fa-IR" b="1" dirty="0"/>
+              <a:t>چند به چند (</a:t>
+            </a:r>
+            <a:r>
+              <a:rPr lang="en-US" b="1" dirty="0"/>
+              <a:t>M:N)</a:t>
+            </a:r>
+            <a:r>
+              <a:rPr lang="en-US" dirty="0"/>
+              <a:t> </a:t>
+            </a:r>
+            <a:r>
+              <a:rPr lang="fa-IR" dirty="0"/>
+              <a:t>بین دانشجو و کلاس است.</a:t>
+            </a:r>
+          </a:p>
+          <a:p>
+            <a:pPr algn="r" rtl="1"/>
+            <a:r>
+              <a:rPr lang="fa-IR" dirty="0"/>
+              <a:t>یعنی: یک دانشجو می‌تواند در چند کلاس شرکت کند، و هر کلاس نیز می‌تواند چندین دانشجو داشته باشد.</a:t>
+            </a:r>
+          </a:p>
+          <a:p>
+            <a:pPr algn="r" rtl="1"/>
+            <a:r>
+              <a:rPr lang="fa-IR" dirty="0"/>
+              <a:t>اما این مدل مشکل دارد: </a:t>
+            </a:r>
+            <a:r>
+              <a:rPr lang="fa-IR" b="1" dirty="0"/>
+              <a:t>رابطه‌ی </a:t>
+            </a:r>
+            <a:r>
+              <a:rPr lang="en-US" b="1" dirty="0"/>
+              <a:t>M:N </a:t>
+            </a:r>
+            <a:r>
+              <a:rPr lang="fa-IR" b="1" dirty="0"/>
+              <a:t>مستقیم در پایگاه داده قابل پیاده‌سازی نیست</a:t>
+            </a:r>
+            <a:r>
+              <a:rPr lang="fa-IR" dirty="0"/>
+              <a:t>.</a:t>
+            </a:r>
+          </a:p>
+          <a:p>
+            <a:pPr algn="r" rtl="1"/>
+            <a:r>
+              <a:rPr lang="fa-IR" b="1" dirty="0"/>
+              <a:t>مثال دوم:</a:t>
+            </a:r>
+          </a:p>
+          <a:p>
+            <a:pPr algn="r" rtl="1"/>
+            <a:r>
+              <a:rPr lang="en-US" sz="1100" kern="1200" dirty="0">
+                <a:solidFill>
+                  <a:schemeClr val="tx1"/>
+                </a:solidFill>
+                <a:latin typeface="+mn-lt"/>
+                <a:ea typeface="+mn-ea"/>
+                <a:cs typeface="+mn-cs"/>
+              </a:rPr>
+              <a:t>STUDENT ---- registers ---- ENROLL ---- shows in ---- CLASS</a:t>
+            </a:r>
+          </a:p>
+          <a:p>
+            <a:pPr algn="r" rtl="1"/>
+            <a:r>
+              <a:rPr lang="fa-IR" dirty="0"/>
+              <a:t>در اینجا یک موجودیت میانی به نام </a:t>
+            </a:r>
+            <a:r>
+              <a:rPr lang="en-US" b="1" dirty="0"/>
+              <a:t>ENROLL (</a:t>
+            </a:r>
+            <a:r>
+              <a:rPr lang="fa-IR" b="1" dirty="0"/>
+              <a:t>ثبت‌نام)</a:t>
+            </a:r>
+            <a:r>
+              <a:rPr lang="fa-IR" dirty="0"/>
+              <a:t> معرفی شده است.</a:t>
+            </a:r>
+          </a:p>
+          <a:p>
+            <a:pPr algn="r" rtl="1"/>
+            <a:r>
+              <a:rPr lang="fa-IR" dirty="0"/>
+              <a:t>این موجودیت رابطه‌ی </a:t>
+            </a:r>
+            <a:r>
+              <a:rPr lang="en-US" dirty="0"/>
+              <a:t>M:N </a:t>
+            </a:r>
+            <a:r>
+              <a:rPr lang="fa-IR" dirty="0"/>
+              <a:t>را به دو رابطه‌ی </a:t>
+            </a:r>
+            <a:r>
+              <a:rPr lang="fa-IR" b="1" dirty="0"/>
+              <a:t>۱ به چند (1:</a:t>
+            </a:r>
+            <a:r>
+              <a:rPr lang="en-US" b="1" dirty="0"/>
+              <a:t>M)</a:t>
+            </a:r>
+            <a:r>
+              <a:rPr lang="en-US" dirty="0"/>
+              <a:t> </a:t>
+            </a:r>
+            <a:r>
+              <a:rPr lang="fa-IR" dirty="0"/>
+              <a:t>تبدیل می‌کند.</a:t>
+            </a:r>
+          </a:p>
+          <a:p>
+            <a:pPr algn="r" rtl="1"/>
+            <a:r>
+              <a:rPr lang="fa-IR" dirty="0"/>
+              <a:t>یعنی:</a:t>
+            </a:r>
+          </a:p>
+          <a:p>
+            <a:pPr lvl="1" algn="r" rtl="1"/>
+            <a:r>
+              <a:rPr lang="fa-IR" dirty="0"/>
+              <a:t>هر دانشجو می‌تواند چند رکورد ثبت‌نام داشته باشد.</a:t>
+            </a:r>
+          </a:p>
+          <a:p>
+            <a:pPr lvl="1" algn="r" rtl="1"/>
+            <a:r>
+              <a:rPr lang="fa-IR" dirty="0"/>
+              <a:t>هر کلاس نیز می‌تواند چند ثبت‌نام داشته باشد.</a:t>
+            </a:r>
+          </a:p>
+          <a:p>
+            <a:pPr algn="r" rtl="1"/>
+            <a:r>
+              <a:rPr lang="fa-IR" dirty="0"/>
+              <a:t>موجودیت </a:t>
+            </a:r>
+            <a:r>
+              <a:rPr lang="en-US" dirty="0"/>
+              <a:t>ENROLL </a:t>
+            </a:r>
+            <a:r>
+              <a:rPr lang="fa-IR" dirty="0"/>
+              <a:t>می‌تواند </a:t>
+            </a:r>
+            <a:r>
+              <a:rPr lang="fa-IR" b="1" dirty="0"/>
+              <a:t>اطلاعات اضافی</a:t>
+            </a:r>
+            <a:r>
+              <a:rPr lang="fa-IR" dirty="0"/>
+              <a:t> مثل تاریخ ثبت‌نام یا نمره را نگهداری کند.</a:t>
+            </a:r>
+          </a:p>
+          <a:p>
+            <a:pPr algn="r" rtl="1"/>
+            <a:endParaRPr lang="en-US" dirty="0"/>
           </a:p>
         </p:txBody>
       </p:sp>
     </p:spTree>
     <p:extLst>
       <p:ext uri="{BB962C8B-B14F-4D97-AF65-F5344CB8AC3E}">
-        <p14:creationId xmlns:p14="http://schemas.microsoft.com/office/powerpoint/2010/main" val="239988261"/>
+        <p14:creationId xmlns:p14="http://schemas.microsoft.com/office/powerpoint/2010/main" val="81698274"/>
       </p:ext>
     </p:extLst>
   </p:cSld>
@@ -4950,7 +6485,7 @@
                 <a:latin typeface="Comic Sans MS" panose="030F0702030302020204" pitchFamily="66" charset="0"/>
               </a:rPr>
               <a:pPr/>
-              <a:t>33</a:t>
+              <a:t>32</a:t>
             </a:fld>
             <a:endParaRPr lang="en-US" altLang="en-US" sz="1200">
               <a:solidFill>
@@ -5016,14 +6551,14 @@
           <a:bodyPr/>
           <a:lstStyle/>
           <a:p>
-            <a:endParaRPr lang="en-US" altLang="en-US" dirty="0"/>
+            <a:endParaRPr lang="en-US" altLang="en-US"/>
           </a:p>
         </p:txBody>
       </p:sp>
     </p:spTree>
     <p:extLst>
       <p:ext uri="{BB962C8B-B14F-4D97-AF65-F5344CB8AC3E}">
-        <p14:creationId xmlns:p14="http://schemas.microsoft.com/office/powerpoint/2010/main" val="1595051773"/>
+        <p14:creationId xmlns:p14="http://schemas.microsoft.com/office/powerpoint/2010/main" val="2479259379"/>
       </p:ext>
     </p:extLst>
   </p:cSld>
@@ -5201,7 +6736,7 @@
                 <a:latin typeface="Comic Sans MS" panose="030F0702030302020204" pitchFamily="66" charset="0"/>
               </a:rPr>
               <a:pPr/>
-              <a:t>34</a:t>
+              <a:t>33</a:t>
             </a:fld>
             <a:endParaRPr lang="en-US" altLang="en-US" sz="1200">
               <a:solidFill>
@@ -5274,7 +6809,7 @@
     </p:spTree>
     <p:extLst>
       <p:ext uri="{BB962C8B-B14F-4D97-AF65-F5344CB8AC3E}">
-        <p14:creationId xmlns:p14="http://schemas.microsoft.com/office/powerpoint/2010/main" val="626375725"/>
+        <p14:creationId xmlns:p14="http://schemas.microsoft.com/office/powerpoint/2010/main" val="239988261"/>
       </p:ext>
     </p:extLst>
   </p:cSld>
@@ -5452,7 +6987,7 @@
                 <a:latin typeface="Comic Sans MS" panose="030F0702030302020204" pitchFamily="66" charset="0"/>
               </a:rPr>
               <a:pPr/>
-              <a:t>35</a:t>
+              <a:t>34</a:t>
             </a:fld>
             <a:endParaRPr lang="en-US" altLang="en-US" sz="1200">
               <a:solidFill>
@@ -5518,6 +7053,1290 @@
           <a:bodyPr/>
           <a:lstStyle/>
           <a:p>
+            <a:endParaRPr lang="en-US" altLang="en-US" dirty="0"/>
+          </a:p>
+        </p:txBody>
+      </p:sp>
+    </p:spTree>
+    <p:extLst>
+      <p:ext uri="{BB962C8B-B14F-4D97-AF65-F5344CB8AC3E}">
+        <p14:creationId xmlns:p14="http://schemas.microsoft.com/office/powerpoint/2010/main" val="1595051773"/>
+      </p:ext>
+    </p:extLst>
+  </p:cSld>
+  <p:clrMapOvr>
+    <a:masterClrMapping/>
+  </p:clrMapOvr>
+</p:notes>
+</file>
+
+<file path=ppt/notesSlides/notesSlide24.xml><?xml version="1.0" encoding="utf-8"?>
+<p:notes xmlns:a="http://schemas.openxmlformats.org/drawingml/2006/main" xmlns:r="http://schemas.openxmlformats.org/officeDocument/2006/relationships" xmlns:p="http://schemas.openxmlformats.org/presentationml/2006/main">
+  <p:cSld>
+    <p:spTree>
+      <p:nvGrpSpPr>
+        <p:cNvPr id="1" name=""/>
+        <p:cNvGrpSpPr/>
+        <p:nvPr/>
+      </p:nvGrpSpPr>
+      <p:grpSpPr>
+        <a:xfrm>
+          <a:off x="0" y="0"/>
+          <a:ext cx="0" cy="0"/>
+          <a:chOff x="0" y="0"/>
+          <a:chExt cx="0" cy="0"/>
+        </a:xfrm>
+      </p:grpSpPr>
+      <p:sp>
+        <p:nvSpPr>
+          <p:cNvPr id="28674" name="Rectangle 7"/>
+          <p:cNvSpPr>
+            <a:spLocks noGrp="1" noChangeArrowheads="1"/>
+          </p:cNvSpPr>
+          <p:nvPr>
+            <p:ph type="sldNum" sz="quarter" idx="5"/>
+          </p:nvPr>
+        </p:nvSpPr>
+        <p:spPr>
+          <a:noFill/>
+          <a:ln/>
+          <a:extLst>
+            <a:ext uri="{909E8E84-426E-40DD-AFC4-6F175D3DCCD1}">
+              <a14:hiddenFill xmlns:a14="http://schemas.microsoft.com/office/drawing/2010/main">
+                <a:solidFill>
+                  <a:srgbClr val="FFFFFF"/>
+                </a:solidFill>
+              </a14:hiddenFill>
+            </a:ext>
+            <a:ext uri="{91240B29-F687-4F45-9708-019B960494DF}">
+              <a14:hiddenLine xmlns:a14="http://schemas.microsoft.com/office/drawing/2010/main" w="9525">
+                <a:solidFill>
+                  <a:srgbClr val="000000"/>
+                </a:solidFill>
+                <a:miter lim="800000"/>
+                <a:headEnd/>
+                <a:tailEnd/>
+              </a14:hiddenLine>
+            </a:ext>
+          </a:extLst>
+        </p:spPr>
+        <p:txBody>
+          <a:bodyPr/>
+          <a:lstStyle>
+            <a:lvl1pPr defTabSz="922338">
+              <a:defRPr sz="2000">
+                <a:solidFill>
+                  <a:schemeClr val="tx1"/>
+                </a:solidFill>
+                <a:latin typeface="Arial" panose="020B0604020202020204" pitchFamily="34" charset="0"/>
+                <a:cs typeface="Times New Roman" panose="02020603050405020304" pitchFamily="18" charset="0"/>
+              </a:defRPr>
+            </a:lvl1pPr>
+            <a:lvl2pPr marL="742950" indent="-285750" defTabSz="922338">
+              <a:defRPr sz="2000">
+                <a:solidFill>
+                  <a:schemeClr val="tx1"/>
+                </a:solidFill>
+                <a:latin typeface="Arial" panose="020B0604020202020204" pitchFamily="34" charset="0"/>
+                <a:cs typeface="Times New Roman" panose="02020603050405020304" pitchFamily="18" charset="0"/>
+              </a:defRPr>
+            </a:lvl2pPr>
+            <a:lvl3pPr marL="1143000" indent="-228600" defTabSz="922338">
+              <a:defRPr sz="2000">
+                <a:solidFill>
+                  <a:schemeClr val="tx1"/>
+                </a:solidFill>
+                <a:latin typeface="Arial" panose="020B0604020202020204" pitchFamily="34" charset="0"/>
+                <a:cs typeface="Times New Roman" panose="02020603050405020304" pitchFamily="18" charset="0"/>
+              </a:defRPr>
+            </a:lvl3pPr>
+            <a:lvl4pPr marL="1600200" indent="-228600" defTabSz="922338">
+              <a:defRPr sz="2000">
+                <a:solidFill>
+                  <a:schemeClr val="tx1"/>
+                </a:solidFill>
+                <a:latin typeface="Arial" panose="020B0604020202020204" pitchFamily="34" charset="0"/>
+                <a:cs typeface="Times New Roman" panose="02020603050405020304" pitchFamily="18" charset="0"/>
+              </a:defRPr>
+            </a:lvl4pPr>
+            <a:lvl5pPr marL="2057400" indent="-228600" defTabSz="922338">
+              <a:defRPr sz="2000">
+                <a:solidFill>
+                  <a:schemeClr val="tx1"/>
+                </a:solidFill>
+                <a:latin typeface="Arial" panose="020B0604020202020204" pitchFamily="34" charset="0"/>
+                <a:cs typeface="Times New Roman" panose="02020603050405020304" pitchFamily="18" charset="0"/>
+              </a:defRPr>
+            </a:lvl5pPr>
+            <a:lvl6pPr marL="2514600" indent="-228600" defTabSz="922338" eaLnBrk="0" fontAlgn="base" hangingPunct="0">
+              <a:spcBef>
+                <a:spcPct val="0"/>
+              </a:spcBef>
+              <a:spcAft>
+                <a:spcPct val="0"/>
+              </a:spcAft>
+              <a:defRPr sz="2000">
+                <a:solidFill>
+                  <a:schemeClr val="tx1"/>
+                </a:solidFill>
+                <a:latin typeface="Arial" panose="020B0604020202020204" pitchFamily="34" charset="0"/>
+                <a:cs typeface="Times New Roman" panose="02020603050405020304" pitchFamily="18" charset="0"/>
+              </a:defRPr>
+            </a:lvl6pPr>
+            <a:lvl7pPr marL="2971800" indent="-228600" defTabSz="922338" eaLnBrk="0" fontAlgn="base" hangingPunct="0">
+              <a:spcBef>
+                <a:spcPct val="0"/>
+              </a:spcBef>
+              <a:spcAft>
+                <a:spcPct val="0"/>
+              </a:spcAft>
+              <a:defRPr sz="2000">
+                <a:solidFill>
+                  <a:schemeClr val="tx1"/>
+                </a:solidFill>
+                <a:latin typeface="Arial" panose="020B0604020202020204" pitchFamily="34" charset="0"/>
+                <a:cs typeface="Times New Roman" panose="02020603050405020304" pitchFamily="18" charset="0"/>
+              </a:defRPr>
+            </a:lvl7pPr>
+            <a:lvl8pPr marL="3429000" indent="-228600" defTabSz="922338" eaLnBrk="0" fontAlgn="base" hangingPunct="0">
+              <a:spcBef>
+                <a:spcPct val="0"/>
+              </a:spcBef>
+              <a:spcAft>
+                <a:spcPct val="0"/>
+              </a:spcAft>
+              <a:defRPr sz="2000">
+                <a:solidFill>
+                  <a:schemeClr val="tx1"/>
+                </a:solidFill>
+                <a:latin typeface="Arial" panose="020B0604020202020204" pitchFamily="34" charset="0"/>
+                <a:cs typeface="Times New Roman" panose="02020603050405020304" pitchFamily="18" charset="0"/>
+              </a:defRPr>
+            </a:lvl8pPr>
+            <a:lvl9pPr marL="3886200" indent="-228600" defTabSz="922338" eaLnBrk="0" fontAlgn="base" hangingPunct="0">
+              <a:spcBef>
+                <a:spcPct val="0"/>
+              </a:spcBef>
+              <a:spcAft>
+                <a:spcPct val="0"/>
+              </a:spcAft>
+              <a:defRPr sz="2000">
+                <a:solidFill>
+                  <a:schemeClr val="tx1"/>
+                </a:solidFill>
+                <a:latin typeface="Arial" panose="020B0604020202020204" pitchFamily="34" charset="0"/>
+                <a:cs typeface="Times New Roman" panose="02020603050405020304" pitchFamily="18" charset="0"/>
+              </a:defRPr>
+            </a:lvl9pPr>
+          </a:lstStyle>
+          <a:p>
+            <a:fld id="{E11CB97E-4DDB-40C9-99D3-40702FD9A0FF}" type="slidenum">
+              <a:rPr lang="en-US" altLang="en-US" sz="1200" smtClean="0">
+                <a:solidFill>
+                  <a:schemeClr val="bg1"/>
+                </a:solidFill>
+                <a:latin typeface="Comic Sans MS" panose="030F0702030302020204" pitchFamily="66" charset="0"/>
+              </a:rPr>
+              <a:pPr/>
+              <a:t>35</a:t>
+            </a:fld>
+            <a:endParaRPr lang="en-US" altLang="en-US" sz="1200">
+              <a:solidFill>
+                <a:schemeClr val="bg1"/>
+              </a:solidFill>
+              <a:latin typeface="Comic Sans MS" panose="030F0702030302020204" pitchFamily="66" charset="0"/>
+            </a:endParaRPr>
+          </a:p>
+        </p:txBody>
+      </p:sp>
+      <p:sp>
+        <p:nvSpPr>
+          <p:cNvPr id="28675" name="Rectangle 2"/>
+          <p:cNvSpPr>
+            <a:spLocks noGrp="1" noRot="1" noChangeAspect="1" noChangeArrowheads="1" noTextEdit="1"/>
+          </p:cNvSpPr>
+          <p:nvPr>
+            <p:ph type="sldImg"/>
+          </p:nvPr>
+        </p:nvSpPr>
+        <p:spPr>
+          <a:xfrm>
+            <a:off x="747713" y="841375"/>
+            <a:ext cx="5608637" cy="4206875"/>
+          </a:xfrm>
+          <a:ln/>
+        </p:spPr>
+      </p:sp>
+      <p:sp>
+        <p:nvSpPr>
+          <p:cNvPr id="28676" name="Rectangle 3"/>
+          <p:cNvSpPr>
+            <a:spLocks noGrp="1" noChangeArrowheads="1"/>
+          </p:cNvSpPr>
+          <p:nvPr>
+            <p:ph type="body" idx="1"/>
+          </p:nvPr>
+        </p:nvSpPr>
+        <p:spPr>
+          <a:noFill/>
+          <a:ln/>
+          <a:extLst>
+            <a:ext uri="{909E8E84-426E-40DD-AFC4-6F175D3DCCD1}">
+              <a14:hiddenFill xmlns:a14="http://schemas.microsoft.com/office/drawing/2010/main">
+                <a:solidFill>
+                  <a:srgbClr val="FFFFFF"/>
+                </a:solidFill>
+              </a14:hiddenFill>
+            </a:ext>
+            <a:ext uri="{91240B29-F687-4F45-9708-019B960494DF}">
+              <a14:hiddenLine xmlns:a14="http://schemas.microsoft.com/office/drawing/2010/main" w="9525">
+                <a:solidFill>
+                  <a:srgbClr val="000000"/>
+                </a:solidFill>
+                <a:miter lim="800000"/>
+                <a:headEnd/>
+                <a:tailEnd/>
+              </a14:hiddenLine>
+            </a:ext>
+          </a:extLst>
+        </p:spPr>
+        <p:txBody>
+          <a:bodyPr/>
+          <a:lstStyle/>
+          <a:p>
+            <a:pPr marL="0" marR="0" algn="r" rtl="1">
+              <a:lnSpc>
+                <a:spcPct val="115000"/>
+              </a:lnSpc>
+              <a:spcAft>
+                <a:spcPts val="800"/>
+              </a:spcAft>
+              <a:buNone/>
+            </a:pPr>
+            <a:r>
+              <a:rPr lang="ar-SA" sz="1100" b="1" kern="100" dirty="0">
+                <a:effectLst/>
+                <a:latin typeface="Aptos" panose="020B0004020202020204" pitchFamily="34" charset="0"/>
+                <a:ea typeface="Aptos" panose="020B0004020202020204" pitchFamily="34" charset="0"/>
+                <a:cs typeface="+mn-cs"/>
+              </a:rPr>
+              <a:t>ابطه</a:t>
+            </a:r>
+            <a:r>
+              <a:rPr lang="ar-SA" sz="1100" b="1" kern="100" dirty="0">
+                <a:effectLst/>
+                <a:latin typeface="Aptos" panose="020B0004020202020204" pitchFamily="34" charset="0"/>
+                <a:ea typeface="Aptos" panose="020B0004020202020204" pitchFamily="34" charset="0"/>
+                <a:cs typeface="Segoe UI Emoji" panose="020B0502040204020203" pitchFamily="34" charset="0"/>
+              </a:rPr>
+              <a:t> </a:t>
+            </a:r>
+            <a:r>
+              <a:rPr lang="ar-SA" sz="1100" b="1" kern="100" dirty="0">
+                <a:effectLst/>
+                <a:latin typeface="Aptos" panose="020B0004020202020204" pitchFamily="34" charset="0"/>
+                <a:ea typeface="Aptos" panose="020B0004020202020204" pitchFamily="34" charset="0"/>
+                <a:cs typeface="+mn-cs"/>
+              </a:rPr>
+              <a:t>بین</a:t>
+            </a:r>
+            <a:r>
+              <a:rPr lang="ar-SA" sz="1100" b="1" kern="100" dirty="0">
+                <a:effectLst/>
+                <a:latin typeface="Aptos" panose="020B0004020202020204" pitchFamily="34" charset="0"/>
+                <a:ea typeface="Aptos" panose="020B0004020202020204" pitchFamily="34" charset="0"/>
+                <a:cs typeface="Segoe UI Emoji" panose="020B0502040204020203" pitchFamily="34" charset="0"/>
+              </a:rPr>
+              <a:t> </a:t>
+            </a:r>
+            <a:r>
+              <a:rPr lang="en-US" sz="1100" b="1" kern="100" dirty="0">
+                <a:effectLst/>
+                <a:latin typeface="Segoe UI Emoji" panose="020B0502040204020203" pitchFamily="34" charset="0"/>
+                <a:ea typeface="Aptos" panose="020B0004020202020204" pitchFamily="34" charset="0"/>
+                <a:cs typeface="Segoe UI Emoji" panose="020B0502040204020203" pitchFamily="34" charset="0"/>
+              </a:rPr>
+              <a:t>PAINTER </a:t>
+            </a:r>
+            <a:r>
+              <a:rPr lang="ar-SA" sz="1100" b="1" kern="100" dirty="0">
+                <a:effectLst/>
+                <a:latin typeface="Aptos" panose="020B0004020202020204" pitchFamily="34" charset="0"/>
+                <a:ea typeface="Aptos" panose="020B0004020202020204" pitchFamily="34" charset="0"/>
+                <a:cs typeface="+mn-cs"/>
+              </a:rPr>
+              <a:t>و</a:t>
+            </a:r>
+            <a:r>
+              <a:rPr lang="ar-SA" sz="1100" b="1" kern="100" dirty="0">
+                <a:effectLst/>
+                <a:latin typeface="Aptos" panose="020B0004020202020204" pitchFamily="34" charset="0"/>
+                <a:ea typeface="Aptos" panose="020B0004020202020204" pitchFamily="34" charset="0"/>
+                <a:cs typeface="Segoe UI Emoji" panose="020B0502040204020203" pitchFamily="34" charset="0"/>
+              </a:rPr>
+              <a:t> </a:t>
+            </a:r>
+            <a:r>
+              <a:rPr lang="en-US" sz="1100" b="1" kern="100" dirty="0">
+                <a:effectLst/>
+                <a:latin typeface="Segoe UI Emoji" panose="020B0502040204020203" pitchFamily="34" charset="0"/>
+                <a:ea typeface="Aptos" panose="020B0004020202020204" pitchFamily="34" charset="0"/>
+                <a:cs typeface="Segoe UI Emoji" panose="020B0502040204020203" pitchFamily="34" charset="0"/>
+              </a:rPr>
+              <a:t>PAINTING </a:t>
+            </a:r>
+            <a:r>
+              <a:rPr lang="ar-SA" sz="1100" b="1" kern="100" dirty="0">
+                <a:effectLst/>
+                <a:latin typeface="Aptos" panose="020B0004020202020204" pitchFamily="34" charset="0"/>
+                <a:ea typeface="Aptos" panose="020B0004020202020204" pitchFamily="34" charset="0"/>
+                <a:cs typeface="+mn-cs"/>
+              </a:rPr>
+              <a:t>یک</a:t>
+            </a:r>
+            <a:r>
+              <a:rPr lang="ar-SA" sz="1100" b="1" kern="100" dirty="0">
+                <a:effectLst/>
+                <a:latin typeface="Aptos" panose="020B0004020202020204" pitchFamily="34" charset="0"/>
+                <a:ea typeface="Aptos" panose="020B0004020202020204" pitchFamily="34" charset="0"/>
+                <a:cs typeface="Segoe UI Emoji" panose="020B0502040204020203" pitchFamily="34" charset="0"/>
+              </a:rPr>
+              <a:t> </a:t>
+            </a:r>
+            <a:r>
+              <a:rPr lang="ar-SA" sz="1100" b="1" kern="100" dirty="0">
+                <a:effectLst/>
+                <a:latin typeface="Aptos" panose="020B0004020202020204" pitchFamily="34" charset="0"/>
+                <a:ea typeface="Aptos" panose="020B0004020202020204" pitchFamily="34" charset="0"/>
+                <a:cs typeface="+mn-cs"/>
+              </a:rPr>
+              <a:t>رابطه</a:t>
+            </a:r>
+            <a:r>
+              <a:rPr lang="ar-SA" sz="1100" b="1" kern="100" dirty="0">
+                <a:effectLst/>
+                <a:latin typeface="Aptos" panose="020B0004020202020204" pitchFamily="34" charset="0"/>
+                <a:ea typeface="Aptos" panose="020B0004020202020204" pitchFamily="34" charset="0"/>
+                <a:cs typeface="Segoe UI Emoji" panose="020B0502040204020203" pitchFamily="34" charset="0"/>
+              </a:rPr>
+              <a:t> </a:t>
+            </a:r>
+            <a:r>
+              <a:rPr lang="ar-SA" sz="1100" b="1" kern="100" dirty="0">
+                <a:effectLst/>
+                <a:latin typeface="Aptos" panose="020B0004020202020204" pitchFamily="34" charset="0"/>
+                <a:ea typeface="Aptos" panose="020B0004020202020204" pitchFamily="34" charset="0"/>
+                <a:cs typeface="+mn-cs"/>
+              </a:rPr>
+              <a:t>یک</a:t>
+            </a:r>
+            <a:r>
+              <a:rPr lang="ar-SA" sz="1100" b="1" kern="100" dirty="0">
+                <a:effectLst/>
+                <a:latin typeface="Aptos" panose="020B0004020202020204" pitchFamily="34" charset="0"/>
+                <a:ea typeface="Aptos" panose="020B0004020202020204" pitchFamily="34" charset="0"/>
+                <a:cs typeface="Segoe UI Emoji" panose="020B0502040204020203" pitchFamily="34" charset="0"/>
+              </a:rPr>
+              <a:t> </a:t>
+            </a:r>
+            <a:r>
+              <a:rPr lang="ar-SA" sz="1100" b="1" kern="100" dirty="0">
+                <a:effectLst/>
+                <a:latin typeface="Aptos" panose="020B0004020202020204" pitchFamily="34" charset="0"/>
+                <a:ea typeface="Aptos" panose="020B0004020202020204" pitchFamily="34" charset="0"/>
+                <a:cs typeface="+mn-cs"/>
+              </a:rPr>
+              <a:t>به</a:t>
+            </a:r>
+            <a:r>
+              <a:rPr lang="ar-SA" sz="1100" b="1" kern="100" dirty="0">
+                <a:effectLst/>
+                <a:latin typeface="Aptos" panose="020B0004020202020204" pitchFamily="34" charset="0"/>
+                <a:ea typeface="Aptos" panose="020B0004020202020204" pitchFamily="34" charset="0"/>
+                <a:cs typeface="Segoe UI Emoji" panose="020B0502040204020203" pitchFamily="34" charset="0"/>
+              </a:rPr>
+              <a:t> </a:t>
+            </a:r>
+            <a:r>
+              <a:rPr lang="ar-SA" sz="1100" b="1" kern="100" dirty="0">
+                <a:effectLst/>
+                <a:latin typeface="Aptos" panose="020B0004020202020204" pitchFamily="34" charset="0"/>
+                <a:ea typeface="Aptos" panose="020B0004020202020204" pitchFamily="34" charset="0"/>
+                <a:cs typeface="+mn-cs"/>
+              </a:rPr>
+              <a:t>چند</a:t>
+            </a:r>
+            <a:r>
+              <a:rPr lang="en-US" sz="1100" b="1" kern="100" dirty="0">
+                <a:effectLst/>
+                <a:latin typeface="Segoe UI Emoji" panose="020B0502040204020203" pitchFamily="34" charset="0"/>
+                <a:ea typeface="Aptos" panose="020B0004020202020204" pitchFamily="34" charset="0"/>
+                <a:cs typeface="Segoe UI Emoji" panose="020B0502040204020203" pitchFamily="34" charset="0"/>
+              </a:rPr>
+              <a:t> (1:M) </a:t>
+            </a:r>
+            <a:r>
+              <a:rPr lang="ar-SA" sz="1100" b="1" kern="100" dirty="0">
+                <a:effectLst/>
+                <a:latin typeface="Aptos" panose="020B0004020202020204" pitchFamily="34" charset="0"/>
+                <a:ea typeface="Aptos" panose="020B0004020202020204" pitchFamily="34" charset="0"/>
+                <a:cs typeface="+mn-cs"/>
+              </a:rPr>
+              <a:t>است</a:t>
+            </a:r>
+            <a:r>
+              <a:rPr lang="en-US" sz="1100" b="1" kern="100" dirty="0">
+                <a:effectLst/>
+                <a:latin typeface="Segoe UI Emoji" panose="020B0502040204020203" pitchFamily="34" charset="0"/>
+                <a:ea typeface="Aptos" panose="020B0004020202020204" pitchFamily="34" charset="0"/>
+                <a:cs typeface="Segoe UI Emoji" panose="020B0502040204020203" pitchFamily="34" charset="0"/>
+              </a:rPr>
+              <a:t>:</a:t>
+            </a:r>
+            <a:endParaRPr lang="en-US" sz="1100" kern="100" dirty="0">
+              <a:effectLst/>
+              <a:latin typeface="Aptos" panose="020B0004020202020204" pitchFamily="34" charset="0"/>
+              <a:ea typeface="Aptos" panose="020B0004020202020204" pitchFamily="34" charset="0"/>
+              <a:cs typeface="Arial" panose="020B0604020202020204" pitchFamily="34" charset="0"/>
+            </a:endParaRPr>
+          </a:p>
+          <a:p>
+            <a:pPr marL="342900" marR="0" lvl="0" indent="-342900" algn="r" rtl="1">
+              <a:lnSpc>
+                <a:spcPct val="115000"/>
+              </a:lnSpc>
+              <a:spcAft>
+                <a:spcPts val="800"/>
+              </a:spcAft>
+              <a:buSzPts val="1000"/>
+              <a:buFont typeface="Symbol" panose="05050102010706020507" pitchFamily="18" charset="2"/>
+              <a:buChar char=""/>
+              <a:tabLst>
+                <a:tab pos="457200" algn="l"/>
+              </a:tabLst>
+            </a:pPr>
+            <a:r>
+              <a:rPr lang="ar-SA" sz="1100" b="1" kern="100" dirty="0">
+                <a:effectLst/>
+                <a:latin typeface="Aptos" panose="020B0004020202020204" pitchFamily="34" charset="0"/>
+                <a:ea typeface="Aptos" panose="020B0004020202020204" pitchFamily="34" charset="0"/>
+                <a:cs typeface="+mn-cs"/>
+              </a:rPr>
+              <a:t>هر</a:t>
+            </a:r>
+            <a:r>
+              <a:rPr lang="ar-SA" sz="1100" b="1" kern="100" dirty="0">
+                <a:effectLst/>
+                <a:latin typeface="Aptos" panose="020B0004020202020204" pitchFamily="34" charset="0"/>
+                <a:ea typeface="Aptos" panose="020B0004020202020204" pitchFamily="34" charset="0"/>
+                <a:cs typeface="Segoe UI Emoji" panose="020B0502040204020203" pitchFamily="34" charset="0"/>
+              </a:rPr>
+              <a:t> </a:t>
+            </a:r>
+            <a:r>
+              <a:rPr lang="ar-SA" sz="1100" b="1" kern="100" dirty="0">
+                <a:effectLst/>
+                <a:latin typeface="Aptos" panose="020B0004020202020204" pitchFamily="34" charset="0"/>
+                <a:ea typeface="Aptos" panose="020B0004020202020204" pitchFamily="34" charset="0"/>
+                <a:cs typeface="+mn-cs"/>
+              </a:rPr>
+              <a:t>نقاش</a:t>
+            </a:r>
+            <a:r>
+              <a:rPr lang="ar-SA" sz="1100" b="1" kern="100" dirty="0">
+                <a:effectLst/>
+                <a:latin typeface="Aptos" panose="020B0004020202020204" pitchFamily="34" charset="0"/>
+                <a:ea typeface="Aptos" panose="020B0004020202020204" pitchFamily="34" charset="0"/>
+                <a:cs typeface="Segoe UI Emoji" panose="020B0502040204020203" pitchFamily="34" charset="0"/>
+              </a:rPr>
+              <a:t> </a:t>
+            </a:r>
+            <a:r>
+              <a:rPr lang="ar-SA" sz="1100" b="1" kern="100" dirty="0">
+                <a:effectLst/>
+                <a:latin typeface="Aptos" panose="020B0004020202020204" pitchFamily="34" charset="0"/>
+                <a:ea typeface="Aptos" panose="020B0004020202020204" pitchFamily="34" charset="0"/>
+                <a:cs typeface="+mn-cs"/>
+              </a:rPr>
+              <a:t>می‌تواند</a:t>
+            </a:r>
+            <a:r>
+              <a:rPr lang="ar-SA" sz="1100" b="1" kern="100" dirty="0">
+                <a:effectLst/>
+                <a:latin typeface="Aptos" panose="020B0004020202020204" pitchFamily="34" charset="0"/>
+                <a:ea typeface="Aptos" panose="020B0004020202020204" pitchFamily="34" charset="0"/>
+                <a:cs typeface="Segoe UI Emoji" panose="020B0502040204020203" pitchFamily="34" charset="0"/>
+              </a:rPr>
+              <a:t> </a:t>
+            </a:r>
+            <a:r>
+              <a:rPr lang="ar-SA" sz="1100" b="1" kern="100" dirty="0">
+                <a:effectLst/>
+                <a:latin typeface="Aptos" panose="020B0004020202020204" pitchFamily="34" charset="0"/>
+                <a:ea typeface="Aptos" panose="020B0004020202020204" pitchFamily="34" charset="0"/>
+                <a:cs typeface="+mn-cs"/>
+              </a:rPr>
+              <a:t>چندین</a:t>
+            </a:r>
+            <a:r>
+              <a:rPr lang="ar-SA" sz="1100" b="1" kern="100" dirty="0">
+                <a:effectLst/>
+                <a:latin typeface="Aptos" panose="020B0004020202020204" pitchFamily="34" charset="0"/>
+                <a:ea typeface="Aptos" panose="020B0004020202020204" pitchFamily="34" charset="0"/>
+                <a:cs typeface="Segoe UI Emoji" panose="020B0502040204020203" pitchFamily="34" charset="0"/>
+              </a:rPr>
+              <a:t> </a:t>
+            </a:r>
+            <a:r>
+              <a:rPr lang="ar-SA" sz="1100" b="1" kern="100" dirty="0">
+                <a:effectLst/>
+                <a:latin typeface="Aptos" panose="020B0004020202020204" pitchFamily="34" charset="0"/>
+                <a:ea typeface="Aptos" panose="020B0004020202020204" pitchFamily="34" charset="0"/>
+                <a:cs typeface="+mn-cs"/>
+              </a:rPr>
+              <a:t>تابلوی</a:t>
+            </a:r>
+            <a:r>
+              <a:rPr lang="ar-SA" sz="1100" b="1" kern="100" dirty="0">
+                <a:effectLst/>
+                <a:latin typeface="Aptos" panose="020B0004020202020204" pitchFamily="34" charset="0"/>
+                <a:ea typeface="Aptos" panose="020B0004020202020204" pitchFamily="34" charset="0"/>
+                <a:cs typeface="Segoe UI Emoji" panose="020B0502040204020203" pitchFamily="34" charset="0"/>
+              </a:rPr>
+              <a:t> </a:t>
+            </a:r>
+            <a:r>
+              <a:rPr lang="ar-SA" sz="1100" b="1" kern="100" dirty="0">
+                <a:effectLst/>
+                <a:latin typeface="Aptos" panose="020B0004020202020204" pitchFamily="34" charset="0"/>
+                <a:ea typeface="Aptos" panose="020B0004020202020204" pitchFamily="34" charset="0"/>
+                <a:cs typeface="+mn-cs"/>
+              </a:rPr>
+              <a:t>نقاشی</a:t>
+            </a:r>
+            <a:r>
+              <a:rPr lang="ar-SA" sz="1100" b="1" kern="100" dirty="0">
+                <a:effectLst/>
+                <a:latin typeface="Aptos" panose="020B0004020202020204" pitchFamily="34" charset="0"/>
+                <a:ea typeface="Aptos" panose="020B0004020202020204" pitchFamily="34" charset="0"/>
+                <a:cs typeface="Segoe UI Emoji" panose="020B0502040204020203" pitchFamily="34" charset="0"/>
+              </a:rPr>
+              <a:t> </a:t>
+            </a:r>
+            <a:r>
+              <a:rPr lang="ar-SA" sz="1100" b="1" kern="100" dirty="0">
+                <a:effectLst/>
+                <a:latin typeface="Aptos" panose="020B0004020202020204" pitchFamily="34" charset="0"/>
+                <a:ea typeface="Aptos" panose="020B0004020202020204" pitchFamily="34" charset="0"/>
+                <a:cs typeface="+mn-cs"/>
+              </a:rPr>
+              <a:t>داشته</a:t>
+            </a:r>
+            <a:r>
+              <a:rPr lang="ar-SA" sz="1100" b="1" kern="100" dirty="0">
+                <a:effectLst/>
+                <a:latin typeface="Aptos" panose="020B0004020202020204" pitchFamily="34" charset="0"/>
+                <a:ea typeface="Aptos" panose="020B0004020202020204" pitchFamily="34" charset="0"/>
+                <a:cs typeface="Segoe UI Emoji" panose="020B0502040204020203" pitchFamily="34" charset="0"/>
+              </a:rPr>
+              <a:t> </a:t>
+            </a:r>
+            <a:r>
+              <a:rPr lang="ar-SA" sz="1100" b="1" kern="100" dirty="0">
+                <a:effectLst/>
+                <a:latin typeface="Aptos" panose="020B0004020202020204" pitchFamily="34" charset="0"/>
+                <a:ea typeface="Aptos" panose="020B0004020202020204" pitchFamily="34" charset="0"/>
+                <a:cs typeface="+mn-cs"/>
+              </a:rPr>
+              <a:t>باشد</a:t>
+            </a:r>
+            <a:r>
+              <a:rPr lang="en-US" sz="1100" b="1" kern="100" dirty="0">
+                <a:effectLst/>
+                <a:latin typeface="Segoe UI Emoji" panose="020B0502040204020203" pitchFamily="34" charset="0"/>
+                <a:ea typeface="Aptos" panose="020B0004020202020204" pitchFamily="34" charset="0"/>
+                <a:cs typeface="Segoe UI Emoji" panose="020B0502040204020203" pitchFamily="34" charset="0"/>
+              </a:rPr>
+              <a:t>.</a:t>
+            </a:r>
+            <a:endParaRPr lang="en-US" sz="1100" kern="100" dirty="0">
+              <a:effectLst/>
+              <a:latin typeface="Aptos" panose="020B0004020202020204" pitchFamily="34" charset="0"/>
+              <a:ea typeface="Aptos" panose="020B0004020202020204" pitchFamily="34" charset="0"/>
+              <a:cs typeface="Arial" panose="020B0604020202020204" pitchFamily="34" charset="0"/>
+            </a:endParaRPr>
+          </a:p>
+          <a:p>
+            <a:pPr marL="342900" marR="0" lvl="0" indent="-342900" algn="r" rtl="1">
+              <a:lnSpc>
+                <a:spcPct val="115000"/>
+              </a:lnSpc>
+              <a:spcAft>
+                <a:spcPts val="800"/>
+              </a:spcAft>
+              <a:buSzPts val="1000"/>
+              <a:buFont typeface="Symbol" panose="05050102010706020507" pitchFamily="18" charset="2"/>
+              <a:buChar char=""/>
+              <a:tabLst>
+                <a:tab pos="457200" algn="l"/>
+              </a:tabLst>
+            </a:pPr>
+            <a:r>
+              <a:rPr lang="ar-SA" sz="1100" b="1" kern="100" dirty="0">
+                <a:effectLst/>
+                <a:latin typeface="Aptos" panose="020B0004020202020204" pitchFamily="34" charset="0"/>
+                <a:ea typeface="Aptos" panose="020B0004020202020204" pitchFamily="34" charset="0"/>
+                <a:cs typeface="+mn-cs"/>
+              </a:rPr>
+              <a:t>اما</a:t>
+            </a:r>
+            <a:r>
+              <a:rPr lang="ar-SA" sz="1100" b="1" kern="100" dirty="0">
+                <a:effectLst/>
+                <a:latin typeface="Aptos" panose="020B0004020202020204" pitchFamily="34" charset="0"/>
+                <a:ea typeface="Aptos" panose="020B0004020202020204" pitchFamily="34" charset="0"/>
+                <a:cs typeface="Segoe UI Emoji" panose="020B0502040204020203" pitchFamily="34" charset="0"/>
+              </a:rPr>
+              <a:t> </a:t>
+            </a:r>
+            <a:r>
+              <a:rPr lang="ar-SA" sz="1100" b="1" kern="100" dirty="0">
+                <a:effectLst/>
+                <a:latin typeface="Aptos" panose="020B0004020202020204" pitchFamily="34" charset="0"/>
+                <a:ea typeface="Aptos" panose="020B0004020202020204" pitchFamily="34" charset="0"/>
+                <a:cs typeface="+mn-cs"/>
+              </a:rPr>
+              <a:t>هر</a:t>
+            </a:r>
+            <a:r>
+              <a:rPr lang="ar-SA" sz="1100" b="1" kern="100" dirty="0">
+                <a:effectLst/>
+                <a:latin typeface="Aptos" panose="020B0004020202020204" pitchFamily="34" charset="0"/>
+                <a:ea typeface="Aptos" panose="020B0004020202020204" pitchFamily="34" charset="0"/>
+                <a:cs typeface="Segoe UI Emoji" panose="020B0502040204020203" pitchFamily="34" charset="0"/>
+              </a:rPr>
+              <a:t> </a:t>
+            </a:r>
+            <a:r>
+              <a:rPr lang="ar-SA" sz="1100" b="1" kern="100" dirty="0">
+                <a:effectLst/>
+                <a:latin typeface="Aptos" panose="020B0004020202020204" pitchFamily="34" charset="0"/>
+                <a:ea typeface="Aptos" panose="020B0004020202020204" pitchFamily="34" charset="0"/>
+                <a:cs typeface="+mn-cs"/>
+              </a:rPr>
+              <a:t>تابلو</a:t>
+            </a:r>
+            <a:r>
+              <a:rPr lang="ar-SA" sz="1100" b="1" kern="100" dirty="0">
+                <a:effectLst/>
+                <a:latin typeface="Aptos" panose="020B0004020202020204" pitchFamily="34" charset="0"/>
+                <a:ea typeface="Aptos" panose="020B0004020202020204" pitchFamily="34" charset="0"/>
+                <a:cs typeface="Segoe UI Emoji" panose="020B0502040204020203" pitchFamily="34" charset="0"/>
+              </a:rPr>
+              <a:t> </a:t>
+            </a:r>
+            <a:r>
+              <a:rPr lang="ar-SA" sz="1100" b="1" kern="100" dirty="0">
+                <a:effectLst/>
+                <a:latin typeface="Aptos" panose="020B0004020202020204" pitchFamily="34" charset="0"/>
+                <a:ea typeface="Aptos" panose="020B0004020202020204" pitchFamily="34" charset="0"/>
+                <a:cs typeface="+mn-cs"/>
+              </a:rPr>
+              <a:t>فقط</a:t>
+            </a:r>
+            <a:r>
+              <a:rPr lang="ar-SA" sz="1100" b="1" kern="100" dirty="0">
+                <a:effectLst/>
+                <a:latin typeface="Aptos" panose="020B0004020202020204" pitchFamily="34" charset="0"/>
+                <a:ea typeface="Aptos" panose="020B0004020202020204" pitchFamily="34" charset="0"/>
+                <a:cs typeface="Segoe UI Emoji" panose="020B0502040204020203" pitchFamily="34" charset="0"/>
+              </a:rPr>
+              <a:t> </a:t>
+            </a:r>
+            <a:r>
+              <a:rPr lang="ar-SA" sz="1100" b="1" kern="100" dirty="0">
+                <a:effectLst/>
+                <a:latin typeface="Aptos" panose="020B0004020202020204" pitchFamily="34" charset="0"/>
+                <a:ea typeface="Aptos" panose="020B0004020202020204" pitchFamily="34" charset="0"/>
+                <a:cs typeface="+mn-cs"/>
+              </a:rPr>
+              <a:t>متعلق</a:t>
+            </a:r>
+            <a:r>
+              <a:rPr lang="ar-SA" sz="1100" b="1" kern="100" dirty="0">
+                <a:effectLst/>
+                <a:latin typeface="Aptos" panose="020B0004020202020204" pitchFamily="34" charset="0"/>
+                <a:ea typeface="Aptos" panose="020B0004020202020204" pitchFamily="34" charset="0"/>
+                <a:cs typeface="Segoe UI Emoji" panose="020B0502040204020203" pitchFamily="34" charset="0"/>
+              </a:rPr>
+              <a:t> </a:t>
+            </a:r>
+            <a:r>
+              <a:rPr lang="ar-SA" sz="1100" b="1" kern="100" dirty="0">
+                <a:effectLst/>
+                <a:latin typeface="Aptos" panose="020B0004020202020204" pitchFamily="34" charset="0"/>
+                <a:ea typeface="Aptos" panose="020B0004020202020204" pitchFamily="34" charset="0"/>
+                <a:cs typeface="+mn-cs"/>
+              </a:rPr>
+              <a:t>به</a:t>
+            </a:r>
+            <a:r>
+              <a:rPr lang="ar-SA" sz="1100" b="1" kern="100" dirty="0">
+                <a:effectLst/>
+                <a:latin typeface="Aptos" panose="020B0004020202020204" pitchFamily="34" charset="0"/>
+                <a:ea typeface="Aptos" panose="020B0004020202020204" pitchFamily="34" charset="0"/>
+                <a:cs typeface="Segoe UI Emoji" panose="020B0502040204020203" pitchFamily="34" charset="0"/>
+              </a:rPr>
+              <a:t> </a:t>
+            </a:r>
+            <a:r>
+              <a:rPr lang="ar-SA" sz="1100" b="1" kern="100" dirty="0">
+                <a:effectLst/>
+                <a:latin typeface="Aptos" panose="020B0004020202020204" pitchFamily="34" charset="0"/>
+                <a:ea typeface="Aptos" panose="020B0004020202020204" pitchFamily="34" charset="0"/>
+                <a:cs typeface="+mn-cs"/>
+              </a:rPr>
+              <a:t>یک</a:t>
+            </a:r>
+            <a:r>
+              <a:rPr lang="ar-SA" sz="1100" b="1" kern="100" dirty="0">
+                <a:effectLst/>
+                <a:latin typeface="Aptos" panose="020B0004020202020204" pitchFamily="34" charset="0"/>
+                <a:ea typeface="Aptos" panose="020B0004020202020204" pitchFamily="34" charset="0"/>
+                <a:cs typeface="Segoe UI Emoji" panose="020B0502040204020203" pitchFamily="34" charset="0"/>
+              </a:rPr>
+              <a:t> </a:t>
+            </a:r>
+            <a:r>
+              <a:rPr lang="ar-SA" sz="1100" b="1" kern="100" dirty="0">
+                <a:effectLst/>
+                <a:latin typeface="Aptos" panose="020B0004020202020204" pitchFamily="34" charset="0"/>
+                <a:ea typeface="Aptos" panose="020B0004020202020204" pitchFamily="34" charset="0"/>
+                <a:cs typeface="+mn-cs"/>
+              </a:rPr>
+              <a:t>نقاش</a:t>
+            </a:r>
+            <a:r>
+              <a:rPr lang="ar-SA" sz="1100" b="1" kern="100" dirty="0">
+                <a:effectLst/>
+                <a:latin typeface="Aptos" panose="020B0004020202020204" pitchFamily="34" charset="0"/>
+                <a:ea typeface="Aptos" panose="020B0004020202020204" pitchFamily="34" charset="0"/>
+                <a:cs typeface="Segoe UI Emoji" panose="020B0502040204020203" pitchFamily="34" charset="0"/>
+              </a:rPr>
+              <a:t> </a:t>
+            </a:r>
+            <a:r>
+              <a:rPr lang="ar-SA" sz="1100" b="1" kern="100" dirty="0">
+                <a:effectLst/>
+                <a:latin typeface="Aptos" panose="020B0004020202020204" pitchFamily="34" charset="0"/>
+                <a:ea typeface="Aptos" panose="020B0004020202020204" pitchFamily="34" charset="0"/>
+                <a:cs typeface="+mn-cs"/>
+              </a:rPr>
+              <a:t>است</a:t>
+            </a:r>
+            <a:r>
+              <a:rPr lang="en-US" sz="1100" b="1" kern="100" dirty="0">
+                <a:effectLst/>
+                <a:latin typeface="Segoe UI Emoji" panose="020B0502040204020203" pitchFamily="34" charset="0"/>
+                <a:ea typeface="Aptos" panose="020B0004020202020204" pitchFamily="34" charset="0"/>
+                <a:cs typeface="Segoe UI Emoji" panose="020B0502040204020203" pitchFamily="34" charset="0"/>
+              </a:rPr>
+              <a:t>.</a:t>
+            </a:r>
+            <a:endParaRPr lang="en-US" sz="1100" kern="100" dirty="0">
+              <a:effectLst/>
+              <a:latin typeface="Aptos" panose="020B0004020202020204" pitchFamily="34" charset="0"/>
+              <a:ea typeface="Aptos" panose="020B0004020202020204" pitchFamily="34" charset="0"/>
+              <a:cs typeface="Arial" panose="020B0604020202020204" pitchFamily="34" charset="0"/>
+            </a:endParaRPr>
+          </a:p>
+          <a:p>
+            <a:pPr marL="0" marR="0" algn="r" rtl="1">
+              <a:lnSpc>
+                <a:spcPct val="115000"/>
+              </a:lnSpc>
+              <a:spcAft>
+                <a:spcPts val="800"/>
+              </a:spcAft>
+              <a:buNone/>
+            </a:pPr>
+            <a:r>
+              <a:rPr lang="ar-SA" sz="1100" b="1" kern="100" dirty="0">
+                <a:effectLst/>
+                <a:latin typeface="Aptos" panose="020B0004020202020204" pitchFamily="34" charset="0"/>
+                <a:ea typeface="Aptos" panose="020B0004020202020204" pitchFamily="34" charset="0"/>
+                <a:cs typeface="+mn-cs"/>
+              </a:rPr>
+              <a:t>این</a:t>
+            </a:r>
+            <a:r>
+              <a:rPr lang="ar-SA" sz="1100" b="1" kern="100" dirty="0">
+                <a:effectLst/>
+                <a:latin typeface="Aptos" panose="020B0004020202020204" pitchFamily="34" charset="0"/>
+                <a:ea typeface="Aptos" panose="020B0004020202020204" pitchFamily="34" charset="0"/>
+                <a:cs typeface="Segoe UI Emoji" panose="020B0502040204020203" pitchFamily="34" charset="0"/>
+              </a:rPr>
+              <a:t> </a:t>
+            </a:r>
+            <a:r>
+              <a:rPr lang="ar-SA" sz="1100" b="1" kern="100" dirty="0">
+                <a:effectLst/>
+                <a:latin typeface="Aptos" panose="020B0004020202020204" pitchFamily="34" charset="0"/>
+                <a:ea typeface="Aptos" panose="020B0004020202020204" pitchFamily="34" charset="0"/>
+                <a:cs typeface="+mn-cs"/>
+              </a:rPr>
+              <a:t>رابطه</a:t>
+            </a:r>
+            <a:r>
+              <a:rPr lang="ar-SA" sz="1100" b="1" kern="100" dirty="0">
+                <a:effectLst/>
+                <a:latin typeface="Aptos" panose="020B0004020202020204" pitchFamily="34" charset="0"/>
+                <a:ea typeface="Aptos" panose="020B0004020202020204" pitchFamily="34" charset="0"/>
+                <a:cs typeface="Segoe UI Emoji" panose="020B0502040204020203" pitchFamily="34" charset="0"/>
+              </a:rPr>
+              <a:t> </a:t>
+            </a:r>
+            <a:r>
+              <a:rPr lang="ar-SA" sz="1100" b="1" kern="100" dirty="0">
+                <a:effectLst/>
+                <a:latin typeface="Aptos" panose="020B0004020202020204" pitchFamily="34" charset="0"/>
+                <a:ea typeface="Aptos" panose="020B0004020202020204" pitchFamily="34" charset="0"/>
+                <a:cs typeface="+mn-cs"/>
+              </a:rPr>
+              <a:t>از</a:t>
+            </a:r>
+            <a:r>
+              <a:rPr lang="ar-SA" sz="1100" b="1" kern="100" dirty="0">
+                <a:effectLst/>
+                <a:latin typeface="Aptos" panose="020B0004020202020204" pitchFamily="34" charset="0"/>
+                <a:ea typeface="Aptos" panose="020B0004020202020204" pitchFamily="34" charset="0"/>
+                <a:cs typeface="Segoe UI Emoji" panose="020B0502040204020203" pitchFamily="34" charset="0"/>
+              </a:rPr>
+              <a:t> </a:t>
+            </a:r>
+            <a:r>
+              <a:rPr lang="ar-SA" sz="1100" b="1" kern="100" dirty="0">
+                <a:effectLst/>
+                <a:latin typeface="Aptos" panose="020B0004020202020204" pitchFamily="34" charset="0"/>
+                <a:ea typeface="Aptos" panose="020B0004020202020204" pitchFamily="34" charset="0"/>
+                <a:cs typeface="+mn-cs"/>
+              </a:rPr>
+              <a:t>طریق</a:t>
+            </a:r>
+            <a:r>
+              <a:rPr lang="ar-SA" sz="1100" b="1" kern="100" dirty="0">
+                <a:effectLst/>
+                <a:latin typeface="Aptos" panose="020B0004020202020204" pitchFamily="34" charset="0"/>
+                <a:ea typeface="Aptos" panose="020B0004020202020204" pitchFamily="34" charset="0"/>
+                <a:cs typeface="Segoe UI Emoji" panose="020B0502040204020203" pitchFamily="34" charset="0"/>
+              </a:rPr>
+              <a:t> </a:t>
+            </a:r>
+            <a:r>
+              <a:rPr lang="ar-SA" sz="1100" b="1" kern="100" dirty="0">
+                <a:effectLst/>
+                <a:latin typeface="Aptos" panose="020B0004020202020204" pitchFamily="34" charset="0"/>
+                <a:ea typeface="Aptos" panose="020B0004020202020204" pitchFamily="34" charset="0"/>
+                <a:cs typeface="+mn-cs"/>
+              </a:rPr>
+              <a:t>کلید</a:t>
+            </a:r>
+            <a:r>
+              <a:rPr lang="ar-SA" sz="1100" b="1" kern="100" dirty="0">
+                <a:effectLst/>
+                <a:latin typeface="Aptos" panose="020B0004020202020204" pitchFamily="34" charset="0"/>
+                <a:ea typeface="Aptos" panose="020B0004020202020204" pitchFamily="34" charset="0"/>
+                <a:cs typeface="Segoe UI Emoji" panose="020B0502040204020203" pitchFamily="34" charset="0"/>
+              </a:rPr>
+              <a:t> </a:t>
+            </a:r>
+            <a:r>
+              <a:rPr lang="ar-SA" sz="1100" b="1" kern="100" dirty="0">
+                <a:effectLst/>
+                <a:latin typeface="Aptos" panose="020B0004020202020204" pitchFamily="34" charset="0"/>
+                <a:ea typeface="Aptos" panose="020B0004020202020204" pitchFamily="34" charset="0"/>
+                <a:cs typeface="+mn-cs"/>
+              </a:rPr>
+              <a:t>خارجی</a:t>
+            </a:r>
+            <a:r>
+              <a:rPr lang="en-US" sz="1100" b="1" kern="100" dirty="0">
+                <a:effectLst/>
+                <a:latin typeface="Segoe UI Emoji" panose="020B0502040204020203" pitchFamily="34" charset="0"/>
+                <a:ea typeface="Aptos" panose="020B0004020202020204" pitchFamily="34" charset="0"/>
+                <a:cs typeface="Segoe UI Emoji" panose="020B0502040204020203" pitchFamily="34" charset="0"/>
+              </a:rPr>
+              <a:t> PAINTER_NUM </a:t>
+            </a:r>
+            <a:r>
+              <a:rPr lang="ar-SA" sz="1100" b="1" kern="100" dirty="0">
+                <a:effectLst/>
+                <a:latin typeface="Aptos" panose="020B0004020202020204" pitchFamily="34" charset="0"/>
+                <a:ea typeface="Aptos" panose="020B0004020202020204" pitchFamily="34" charset="0"/>
+                <a:cs typeface="+mn-cs"/>
+              </a:rPr>
+              <a:t>در</a:t>
+            </a:r>
+            <a:r>
+              <a:rPr lang="ar-SA" sz="1100" b="1" kern="100" dirty="0">
+                <a:effectLst/>
+                <a:latin typeface="Aptos" panose="020B0004020202020204" pitchFamily="34" charset="0"/>
+                <a:ea typeface="Aptos" panose="020B0004020202020204" pitchFamily="34" charset="0"/>
+                <a:cs typeface="Segoe UI Emoji" panose="020B0502040204020203" pitchFamily="34" charset="0"/>
+              </a:rPr>
+              <a:t> </a:t>
+            </a:r>
+            <a:r>
+              <a:rPr lang="ar-SA" sz="1100" b="1" kern="100" dirty="0">
+                <a:effectLst/>
+                <a:latin typeface="Aptos" panose="020B0004020202020204" pitchFamily="34" charset="0"/>
+                <a:ea typeface="Aptos" panose="020B0004020202020204" pitchFamily="34" charset="0"/>
+                <a:cs typeface="+mn-cs"/>
+              </a:rPr>
+              <a:t>جدول</a:t>
+            </a:r>
+            <a:r>
+              <a:rPr lang="en-US" sz="1100" b="1" kern="100" dirty="0">
+                <a:effectLst/>
+                <a:latin typeface="Segoe UI Emoji" panose="020B0502040204020203" pitchFamily="34" charset="0"/>
+                <a:ea typeface="Aptos" panose="020B0004020202020204" pitchFamily="34" charset="0"/>
+                <a:cs typeface="Segoe UI Emoji" panose="020B0502040204020203" pitchFamily="34" charset="0"/>
+              </a:rPr>
+              <a:t> PAINTING </a:t>
+            </a:r>
+            <a:r>
+              <a:rPr lang="ar-SA" sz="1100" b="1" kern="100" dirty="0">
+                <a:effectLst/>
+                <a:latin typeface="Aptos" panose="020B0004020202020204" pitchFamily="34" charset="0"/>
+                <a:ea typeface="Aptos" panose="020B0004020202020204" pitchFamily="34" charset="0"/>
+                <a:cs typeface="+mn-cs"/>
+              </a:rPr>
+              <a:t>پیاده‌سازی</a:t>
+            </a:r>
+            <a:r>
+              <a:rPr lang="ar-SA" sz="1100" b="1" kern="100" dirty="0">
+                <a:effectLst/>
+                <a:latin typeface="Aptos" panose="020B0004020202020204" pitchFamily="34" charset="0"/>
+                <a:ea typeface="Aptos" panose="020B0004020202020204" pitchFamily="34" charset="0"/>
+                <a:cs typeface="Segoe UI Emoji" panose="020B0502040204020203" pitchFamily="34" charset="0"/>
+              </a:rPr>
+              <a:t> </a:t>
+            </a:r>
+            <a:r>
+              <a:rPr lang="ar-SA" sz="1100" b="1" kern="100" dirty="0">
+                <a:effectLst/>
+                <a:latin typeface="Aptos" panose="020B0004020202020204" pitchFamily="34" charset="0"/>
+                <a:ea typeface="Aptos" panose="020B0004020202020204" pitchFamily="34" charset="0"/>
+                <a:cs typeface="+mn-cs"/>
+              </a:rPr>
+              <a:t>شده</a:t>
+            </a:r>
+            <a:r>
+              <a:rPr lang="ar-SA" sz="1100" b="1" kern="100" dirty="0">
+                <a:effectLst/>
+                <a:latin typeface="Aptos" panose="020B0004020202020204" pitchFamily="34" charset="0"/>
+                <a:ea typeface="Aptos" panose="020B0004020202020204" pitchFamily="34" charset="0"/>
+                <a:cs typeface="Segoe UI Emoji" panose="020B0502040204020203" pitchFamily="34" charset="0"/>
+              </a:rPr>
+              <a:t> </a:t>
+            </a:r>
+            <a:r>
+              <a:rPr lang="ar-SA" sz="1100" b="1" kern="100" dirty="0">
+                <a:effectLst/>
+                <a:latin typeface="Aptos" panose="020B0004020202020204" pitchFamily="34" charset="0"/>
+                <a:ea typeface="Aptos" panose="020B0004020202020204" pitchFamily="34" charset="0"/>
+                <a:cs typeface="+mn-cs"/>
+              </a:rPr>
+              <a:t>است</a:t>
+            </a:r>
+            <a:r>
+              <a:rPr lang="en-US" sz="1100" b="1" kern="100" dirty="0">
+                <a:effectLst/>
+                <a:latin typeface="Segoe UI Emoji" panose="020B0502040204020203" pitchFamily="34" charset="0"/>
+                <a:ea typeface="Aptos" panose="020B0004020202020204" pitchFamily="34" charset="0"/>
+                <a:cs typeface="Segoe UI Emoji" panose="020B0502040204020203" pitchFamily="34" charset="0"/>
+              </a:rPr>
+              <a:t>.</a:t>
+            </a:r>
+            <a:endParaRPr lang="en-US" sz="1100" kern="100" dirty="0">
+              <a:effectLst/>
+              <a:latin typeface="Aptos" panose="020B0004020202020204" pitchFamily="34" charset="0"/>
+              <a:ea typeface="Aptos" panose="020B0004020202020204" pitchFamily="34" charset="0"/>
+              <a:cs typeface="Arial" panose="020B0604020202020204" pitchFamily="34" charset="0"/>
+            </a:endParaRPr>
+          </a:p>
+          <a:p>
+            <a:pPr marL="0" marR="0" algn="r" rtl="1">
+              <a:lnSpc>
+                <a:spcPct val="115000"/>
+              </a:lnSpc>
+              <a:spcAft>
+                <a:spcPts val="800"/>
+              </a:spcAft>
+              <a:buNone/>
+            </a:pPr>
+            <a:r>
+              <a:rPr lang="en-US" sz="1100" kern="100" dirty="0">
+                <a:effectLst/>
+                <a:latin typeface="Aptos" panose="020B0004020202020204" pitchFamily="34" charset="0"/>
+                <a:ea typeface="Aptos" panose="020B0004020202020204" pitchFamily="34" charset="0"/>
+                <a:cs typeface="Arial" panose="020B0604020202020204" pitchFamily="34" charset="0"/>
+              </a:rPr>
+              <a:t> </a:t>
+            </a:r>
+          </a:p>
+          <a:p>
+            <a:endParaRPr lang="en-US" altLang="en-US" dirty="0"/>
+          </a:p>
+        </p:txBody>
+      </p:sp>
+    </p:spTree>
+    <p:extLst>
+      <p:ext uri="{BB962C8B-B14F-4D97-AF65-F5344CB8AC3E}">
+        <p14:creationId xmlns:p14="http://schemas.microsoft.com/office/powerpoint/2010/main" val="626375725"/>
+      </p:ext>
+    </p:extLst>
+  </p:cSld>
+  <p:clrMapOvr>
+    <a:masterClrMapping/>
+  </p:clrMapOvr>
+</p:notes>
+</file>
+
+<file path=ppt/notesSlides/notesSlide25.xml><?xml version="1.0" encoding="utf-8"?>
+<p:notes xmlns:a="http://schemas.openxmlformats.org/drawingml/2006/main" xmlns:r="http://schemas.openxmlformats.org/officeDocument/2006/relationships" xmlns:p="http://schemas.openxmlformats.org/presentationml/2006/main">
+  <p:cSld>
+    <p:spTree>
+      <p:nvGrpSpPr>
+        <p:cNvPr id="1" name=""/>
+        <p:cNvGrpSpPr/>
+        <p:nvPr/>
+      </p:nvGrpSpPr>
+      <p:grpSpPr>
+        <a:xfrm>
+          <a:off x="0" y="0"/>
+          <a:ext cx="0" cy="0"/>
+          <a:chOff x="0" y="0"/>
+          <a:chExt cx="0" cy="0"/>
+        </a:xfrm>
+      </p:grpSpPr>
+      <p:sp>
+        <p:nvSpPr>
+          <p:cNvPr id="28674" name="Rectangle 7"/>
+          <p:cNvSpPr>
+            <a:spLocks noGrp="1" noChangeArrowheads="1"/>
+          </p:cNvSpPr>
+          <p:nvPr>
+            <p:ph type="sldNum" sz="quarter" idx="5"/>
+          </p:nvPr>
+        </p:nvSpPr>
+        <p:spPr>
+          <a:noFill/>
+          <a:ln/>
+          <a:extLst>
+            <a:ext uri="{909E8E84-426E-40DD-AFC4-6F175D3DCCD1}">
+              <a14:hiddenFill xmlns:a14="http://schemas.microsoft.com/office/drawing/2010/main">
+                <a:solidFill>
+                  <a:srgbClr val="FFFFFF"/>
+                </a:solidFill>
+              </a14:hiddenFill>
+            </a:ext>
+            <a:ext uri="{91240B29-F687-4F45-9708-019B960494DF}">
+              <a14:hiddenLine xmlns:a14="http://schemas.microsoft.com/office/drawing/2010/main" w="9525">
+                <a:solidFill>
+                  <a:srgbClr val="000000"/>
+                </a:solidFill>
+                <a:miter lim="800000"/>
+                <a:headEnd/>
+                <a:tailEnd/>
+              </a14:hiddenLine>
+            </a:ext>
+          </a:extLst>
+        </p:spPr>
+        <p:txBody>
+          <a:bodyPr/>
+          <a:lstStyle>
+            <a:lvl1pPr defTabSz="922338">
+              <a:defRPr sz="2000">
+                <a:solidFill>
+                  <a:schemeClr val="tx1"/>
+                </a:solidFill>
+                <a:latin typeface="Arial" panose="020B0604020202020204" pitchFamily="34" charset="0"/>
+                <a:cs typeface="Times New Roman" panose="02020603050405020304" pitchFamily="18" charset="0"/>
+              </a:defRPr>
+            </a:lvl1pPr>
+            <a:lvl2pPr marL="742950" indent="-285750" defTabSz="922338">
+              <a:defRPr sz="2000">
+                <a:solidFill>
+                  <a:schemeClr val="tx1"/>
+                </a:solidFill>
+                <a:latin typeface="Arial" panose="020B0604020202020204" pitchFamily="34" charset="0"/>
+                <a:cs typeface="Times New Roman" panose="02020603050405020304" pitchFamily="18" charset="0"/>
+              </a:defRPr>
+            </a:lvl2pPr>
+            <a:lvl3pPr marL="1143000" indent="-228600" defTabSz="922338">
+              <a:defRPr sz="2000">
+                <a:solidFill>
+                  <a:schemeClr val="tx1"/>
+                </a:solidFill>
+                <a:latin typeface="Arial" panose="020B0604020202020204" pitchFamily="34" charset="0"/>
+                <a:cs typeface="Times New Roman" panose="02020603050405020304" pitchFamily="18" charset="0"/>
+              </a:defRPr>
+            </a:lvl3pPr>
+            <a:lvl4pPr marL="1600200" indent="-228600" defTabSz="922338">
+              <a:defRPr sz="2000">
+                <a:solidFill>
+                  <a:schemeClr val="tx1"/>
+                </a:solidFill>
+                <a:latin typeface="Arial" panose="020B0604020202020204" pitchFamily="34" charset="0"/>
+                <a:cs typeface="Times New Roman" panose="02020603050405020304" pitchFamily="18" charset="0"/>
+              </a:defRPr>
+            </a:lvl4pPr>
+            <a:lvl5pPr marL="2057400" indent="-228600" defTabSz="922338">
+              <a:defRPr sz="2000">
+                <a:solidFill>
+                  <a:schemeClr val="tx1"/>
+                </a:solidFill>
+                <a:latin typeface="Arial" panose="020B0604020202020204" pitchFamily="34" charset="0"/>
+                <a:cs typeface="Times New Roman" panose="02020603050405020304" pitchFamily="18" charset="0"/>
+              </a:defRPr>
+            </a:lvl5pPr>
+            <a:lvl6pPr marL="2514600" indent="-228600" defTabSz="922338" eaLnBrk="0" fontAlgn="base" hangingPunct="0">
+              <a:spcBef>
+                <a:spcPct val="0"/>
+              </a:spcBef>
+              <a:spcAft>
+                <a:spcPct val="0"/>
+              </a:spcAft>
+              <a:defRPr sz="2000">
+                <a:solidFill>
+                  <a:schemeClr val="tx1"/>
+                </a:solidFill>
+                <a:latin typeface="Arial" panose="020B0604020202020204" pitchFamily="34" charset="0"/>
+                <a:cs typeface="Times New Roman" panose="02020603050405020304" pitchFamily="18" charset="0"/>
+              </a:defRPr>
+            </a:lvl6pPr>
+            <a:lvl7pPr marL="2971800" indent="-228600" defTabSz="922338" eaLnBrk="0" fontAlgn="base" hangingPunct="0">
+              <a:spcBef>
+                <a:spcPct val="0"/>
+              </a:spcBef>
+              <a:spcAft>
+                <a:spcPct val="0"/>
+              </a:spcAft>
+              <a:defRPr sz="2000">
+                <a:solidFill>
+                  <a:schemeClr val="tx1"/>
+                </a:solidFill>
+                <a:latin typeface="Arial" panose="020B0604020202020204" pitchFamily="34" charset="0"/>
+                <a:cs typeface="Times New Roman" panose="02020603050405020304" pitchFamily="18" charset="0"/>
+              </a:defRPr>
+            </a:lvl7pPr>
+            <a:lvl8pPr marL="3429000" indent="-228600" defTabSz="922338" eaLnBrk="0" fontAlgn="base" hangingPunct="0">
+              <a:spcBef>
+                <a:spcPct val="0"/>
+              </a:spcBef>
+              <a:spcAft>
+                <a:spcPct val="0"/>
+              </a:spcAft>
+              <a:defRPr sz="2000">
+                <a:solidFill>
+                  <a:schemeClr val="tx1"/>
+                </a:solidFill>
+                <a:latin typeface="Arial" panose="020B0604020202020204" pitchFamily="34" charset="0"/>
+                <a:cs typeface="Times New Roman" panose="02020603050405020304" pitchFamily="18" charset="0"/>
+              </a:defRPr>
+            </a:lvl8pPr>
+            <a:lvl9pPr marL="3886200" indent="-228600" defTabSz="922338" eaLnBrk="0" fontAlgn="base" hangingPunct="0">
+              <a:spcBef>
+                <a:spcPct val="0"/>
+              </a:spcBef>
+              <a:spcAft>
+                <a:spcPct val="0"/>
+              </a:spcAft>
+              <a:defRPr sz="2000">
+                <a:solidFill>
+                  <a:schemeClr val="tx1"/>
+                </a:solidFill>
+                <a:latin typeface="Arial" panose="020B0604020202020204" pitchFamily="34" charset="0"/>
+                <a:cs typeface="Times New Roman" panose="02020603050405020304" pitchFamily="18" charset="0"/>
+              </a:defRPr>
+            </a:lvl9pPr>
+          </a:lstStyle>
+          <a:p>
+            <a:fld id="{E11CB97E-4DDB-40C9-99D3-40702FD9A0FF}" type="slidenum">
+              <a:rPr lang="en-US" altLang="en-US" sz="1200" smtClean="0">
+                <a:solidFill>
+                  <a:schemeClr val="bg1"/>
+                </a:solidFill>
+                <a:latin typeface="Comic Sans MS" panose="030F0702030302020204" pitchFamily="66" charset="0"/>
+              </a:rPr>
+              <a:pPr/>
+              <a:t>36</a:t>
+            </a:fld>
+            <a:endParaRPr lang="en-US" altLang="en-US" sz="1200">
+              <a:solidFill>
+                <a:schemeClr val="bg1"/>
+              </a:solidFill>
+              <a:latin typeface="Comic Sans MS" panose="030F0702030302020204" pitchFamily="66" charset="0"/>
+            </a:endParaRPr>
+          </a:p>
+        </p:txBody>
+      </p:sp>
+      <p:sp>
+        <p:nvSpPr>
+          <p:cNvPr id="28675" name="Rectangle 2"/>
+          <p:cNvSpPr>
+            <a:spLocks noGrp="1" noRot="1" noChangeAspect="1" noChangeArrowheads="1" noTextEdit="1"/>
+          </p:cNvSpPr>
+          <p:nvPr>
+            <p:ph type="sldImg"/>
+          </p:nvPr>
+        </p:nvSpPr>
+        <p:spPr>
+          <a:xfrm>
+            <a:off x="747713" y="841375"/>
+            <a:ext cx="5608637" cy="4206875"/>
+          </a:xfrm>
+          <a:ln/>
+        </p:spPr>
+      </p:sp>
+      <p:sp>
+        <p:nvSpPr>
+          <p:cNvPr id="28676" name="Rectangle 3"/>
+          <p:cNvSpPr>
+            <a:spLocks noGrp="1" noChangeArrowheads="1"/>
+          </p:cNvSpPr>
+          <p:nvPr>
+            <p:ph type="body" idx="1"/>
+          </p:nvPr>
+        </p:nvSpPr>
+        <p:spPr>
+          <a:noFill/>
+          <a:ln/>
+          <a:extLst>
+            <a:ext uri="{909E8E84-426E-40DD-AFC4-6F175D3DCCD1}">
+              <a14:hiddenFill xmlns:a14="http://schemas.microsoft.com/office/drawing/2010/main">
+                <a:solidFill>
+                  <a:srgbClr val="FFFFFF"/>
+                </a:solidFill>
+              </a14:hiddenFill>
+            </a:ext>
+            <a:ext uri="{91240B29-F687-4F45-9708-019B960494DF}">
+              <a14:hiddenLine xmlns:a14="http://schemas.microsoft.com/office/drawing/2010/main" w="9525">
+                <a:solidFill>
+                  <a:srgbClr val="000000"/>
+                </a:solidFill>
+                <a:miter lim="800000"/>
+                <a:headEnd/>
+                <a:tailEnd/>
+              </a14:hiddenLine>
+            </a:ext>
+          </a:extLst>
+        </p:spPr>
+        <p:txBody>
+          <a:bodyPr/>
+          <a:lstStyle/>
+          <a:p>
             <a:endParaRPr lang="en-US" altLang="en-US"/>
           </a:p>
         </p:txBody>
@@ -5535,7 +8354,7 @@
 </p:notes>
 </file>
 
-<file path=ppt/notesSlides/notesSlide24.xml><?xml version="1.0" encoding="utf-8"?>
+<file path=ppt/notesSlides/notesSlide26.xml><?xml version="1.0" encoding="utf-8"?>
 <p:notes xmlns:a="http://schemas.openxmlformats.org/drawingml/2006/main" xmlns:r="http://schemas.openxmlformats.org/officeDocument/2006/relationships" xmlns:p="http://schemas.openxmlformats.org/presentationml/2006/main">
   <p:cSld>
     <p:spTree>
@@ -5713,7 +8532,7 @@
                   <a:spcPct val="0"/>
                 </a:spcBef>
               </a:pPr>
-              <a:t>38</a:t>
+              <a:t>39</a:t>
             </a:fld>
             <a:endParaRPr lang="en-US" altLang="en-US"/>
           </a:p>
@@ -5792,7 +8611,7 @@
 </p:notes>
 </file>
 
-<file path=ppt/notesSlides/notesSlide25.xml><?xml version="1.0" encoding="utf-8"?>
+<file path=ppt/notesSlides/notesSlide27.xml><?xml version="1.0" encoding="utf-8"?>
 <p:notes xmlns:a="http://schemas.openxmlformats.org/drawingml/2006/main" xmlns:r="http://schemas.openxmlformats.org/officeDocument/2006/relationships" xmlns:p="http://schemas.openxmlformats.org/presentationml/2006/main">
   <p:cSld>
     <p:spTree>
@@ -5960,7 +8779,7 @@
                 <a:latin typeface="Comic Sans MS" panose="030F0702030302020204" pitchFamily="66" charset="0"/>
               </a:rPr>
               <a:pPr/>
-              <a:t>40</a:t>
+              <a:t>41</a:t>
             </a:fld>
             <a:endParaRPr lang="en-US" altLang="en-US" sz="1200">
               <a:solidFill>
@@ -6034,508 +8853,6 @@
     <p:extLst>
       <p:ext uri="{BB962C8B-B14F-4D97-AF65-F5344CB8AC3E}">
         <p14:creationId xmlns:p14="http://schemas.microsoft.com/office/powerpoint/2010/main" val="3400967236"/>
-      </p:ext>
-    </p:extLst>
-  </p:cSld>
-  <p:clrMapOvr>
-    <a:masterClrMapping/>
-  </p:clrMapOvr>
-</p:notes>
-</file>
-
-<file path=ppt/notesSlides/notesSlide26.xml><?xml version="1.0" encoding="utf-8"?>
-<p:notes xmlns:a="http://schemas.openxmlformats.org/drawingml/2006/main" xmlns:r="http://schemas.openxmlformats.org/officeDocument/2006/relationships" xmlns:p="http://schemas.openxmlformats.org/presentationml/2006/main">
-  <p:cSld>
-    <p:spTree>
-      <p:nvGrpSpPr>
-        <p:cNvPr id="1" name=""/>
-        <p:cNvGrpSpPr/>
-        <p:nvPr/>
-      </p:nvGrpSpPr>
-      <p:grpSpPr>
-        <a:xfrm>
-          <a:off x="0" y="0"/>
-          <a:ext cx="0" cy="0"/>
-          <a:chOff x="0" y="0"/>
-          <a:chExt cx="0" cy="0"/>
-        </a:xfrm>
-      </p:grpSpPr>
-      <p:sp>
-        <p:nvSpPr>
-          <p:cNvPr id="39938" name="Rectangle 7"/>
-          <p:cNvSpPr>
-            <a:spLocks noGrp="1" noChangeArrowheads="1"/>
-          </p:cNvSpPr>
-          <p:nvPr>
-            <p:ph type="sldNum" sz="quarter" idx="5"/>
-          </p:nvPr>
-        </p:nvSpPr>
-        <p:spPr>
-          <a:noFill/>
-          <a:ln/>
-          <a:extLst>
-            <a:ext uri="{909E8E84-426E-40DD-AFC4-6F175D3DCCD1}">
-              <a14:hiddenFill xmlns:a14="http://schemas.microsoft.com/office/drawing/2010/main">
-                <a:solidFill>
-                  <a:srgbClr val="FFFFFF"/>
-                </a:solidFill>
-              </a14:hiddenFill>
-            </a:ext>
-            <a:ext uri="{91240B29-F687-4F45-9708-019B960494DF}">
-              <a14:hiddenLine xmlns:a14="http://schemas.microsoft.com/office/drawing/2010/main" w="9525">
-                <a:solidFill>
-                  <a:srgbClr val="000000"/>
-                </a:solidFill>
-                <a:miter lim="800000"/>
-                <a:headEnd/>
-                <a:tailEnd/>
-              </a14:hiddenLine>
-            </a:ext>
-          </a:extLst>
-        </p:spPr>
-        <p:txBody>
-          <a:bodyPr/>
-          <a:lstStyle>
-            <a:lvl1pPr defTabSz="922338">
-              <a:defRPr sz="2000">
-                <a:solidFill>
-                  <a:schemeClr val="tx1"/>
-                </a:solidFill>
-                <a:latin typeface="Arial" panose="020B0604020202020204" pitchFamily="34" charset="0"/>
-                <a:cs typeface="Times New Roman" panose="02020603050405020304" pitchFamily="18" charset="0"/>
-              </a:defRPr>
-            </a:lvl1pPr>
-            <a:lvl2pPr marL="742950" indent="-285750" defTabSz="922338">
-              <a:defRPr sz="2000">
-                <a:solidFill>
-                  <a:schemeClr val="tx1"/>
-                </a:solidFill>
-                <a:latin typeface="Arial" panose="020B0604020202020204" pitchFamily="34" charset="0"/>
-                <a:cs typeface="Times New Roman" panose="02020603050405020304" pitchFamily="18" charset="0"/>
-              </a:defRPr>
-            </a:lvl2pPr>
-            <a:lvl3pPr marL="1143000" indent="-228600" defTabSz="922338">
-              <a:defRPr sz="2000">
-                <a:solidFill>
-                  <a:schemeClr val="tx1"/>
-                </a:solidFill>
-                <a:latin typeface="Arial" panose="020B0604020202020204" pitchFamily="34" charset="0"/>
-                <a:cs typeface="Times New Roman" panose="02020603050405020304" pitchFamily="18" charset="0"/>
-              </a:defRPr>
-            </a:lvl3pPr>
-            <a:lvl4pPr marL="1600200" indent="-228600" defTabSz="922338">
-              <a:defRPr sz="2000">
-                <a:solidFill>
-                  <a:schemeClr val="tx1"/>
-                </a:solidFill>
-                <a:latin typeface="Arial" panose="020B0604020202020204" pitchFamily="34" charset="0"/>
-                <a:cs typeface="Times New Roman" panose="02020603050405020304" pitchFamily="18" charset="0"/>
-              </a:defRPr>
-            </a:lvl4pPr>
-            <a:lvl5pPr marL="2057400" indent="-228600" defTabSz="922338">
-              <a:defRPr sz="2000">
-                <a:solidFill>
-                  <a:schemeClr val="tx1"/>
-                </a:solidFill>
-                <a:latin typeface="Arial" panose="020B0604020202020204" pitchFamily="34" charset="0"/>
-                <a:cs typeface="Times New Roman" panose="02020603050405020304" pitchFamily="18" charset="0"/>
-              </a:defRPr>
-            </a:lvl5pPr>
-            <a:lvl6pPr marL="2514600" indent="-228600" defTabSz="922338" eaLnBrk="0" fontAlgn="base" hangingPunct="0">
-              <a:spcBef>
-                <a:spcPct val="0"/>
-              </a:spcBef>
-              <a:spcAft>
-                <a:spcPct val="0"/>
-              </a:spcAft>
-              <a:defRPr sz="2000">
-                <a:solidFill>
-                  <a:schemeClr val="tx1"/>
-                </a:solidFill>
-                <a:latin typeface="Arial" panose="020B0604020202020204" pitchFamily="34" charset="0"/>
-                <a:cs typeface="Times New Roman" panose="02020603050405020304" pitchFamily="18" charset="0"/>
-              </a:defRPr>
-            </a:lvl6pPr>
-            <a:lvl7pPr marL="2971800" indent="-228600" defTabSz="922338" eaLnBrk="0" fontAlgn="base" hangingPunct="0">
-              <a:spcBef>
-                <a:spcPct val="0"/>
-              </a:spcBef>
-              <a:spcAft>
-                <a:spcPct val="0"/>
-              </a:spcAft>
-              <a:defRPr sz="2000">
-                <a:solidFill>
-                  <a:schemeClr val="tx1"/>
-                </a:solidFill>
-                <a:latin typeface="Arial" panose="020B0604020202020204" pitchFamily="34" charset="0"/>
-                <a:cs typeface="Times New Roman" panose="02020603050405020304" pitchFamily="18" charset="0"/>
-              </a:defRPr>
-            </a:lvl7pPr>
-            <a:lvl8pPr marL="3429000" indent="-228600" defTabSz="922338" eaLnBrk="0" fontAlgn="base" hangingPunct="0">
-              <a:spcBef>
-                <a:spcPct val="0"/>
-              </a:spcBef>
-              <a:spcAft>
-                <a:spcPct val="0"/>
-              </a:spcAft>
-              <a:defRPr sz="2000">
-                <a:solidFill>
-                  <a:schemeClr val="tx1"/>
-                </a:solidFill>
-                <a:latin typeface="Arial" panose="020B0604020202020204" pitchFamily="34" charset="0"/>
-                <a:cs typeface="Times New Roman" panose="02020603050405020304" pitchFamily="18" charset="0"/>
-              </a:defRPr>
-            </a:lvl8pPr>
-            <a:lvl9pPr marL="3886200" indent="-228600" defTabSz="922338" eaLnBrk="0" fontAlgn="base" hangingPunct="0">
-              <a:spcBef>
-                <a:spcPct val="0"/>
-              </a:spcBef>
-              <a:spcAft>
-                <a:spcPct val="0"/>
-              </a:spcAft>
-              <a:defRPr sz="2000">
-                <a:solidFill>
-                  <a:schemeClr val="tx1"/>
-                </a:solidFill>
-                <a:latin typeface="Arial" panose="020B0604020202020204" pitchFamily="34" charset="0"/>
-                <a:cs typeface="Times New Roman" panose="02020603050405020304" pitchFamily="18" charset="0"/>
-              </a:defRPr>
-            </a:lvl9pPr>
-          </a:lstStyle>
-          <a:p>
-            <a:fld id="{6DE7DCCB-4E89-4E98-9F7D-C8D1CDD364EC}" type="slidenum">
-              <a:rPr lang="en-US" altLang="en-US" sz="1200" smtClean="0">
-                <a:solidFill>
-                  <a:schemeClr val="bg1"/>
-                </a:solidFill>
-                <a:latin typeface="Comic Sans MS" panose="030F0702030302020204" pitchFamily="66" charset="0"/>
-              </a:rPr>
-              <a:pPr/>
-              <a:t>41</a:t>
-            </a:fld>
-            <a:endParaRPr lang="en-US" altLang="en-US" sz="1200">
-              <a:solidFill>
-                <a:schemeClr val="bg1"/>
-              </a:solidFill>
-              <a:latin typeface="Comic Sans MS" panose="030F0702030302020204" pitchFamily="66" charset="0"/>
-            </a:endParaRPr>
-          </a:p>
-        </p:txBody>
-      </p:sp>
-      <p:sp>
-        <p:nvSpPr>
-          <p:cNvPr id="39939" name="Rectangle 2"/>
-          <p:cNvSpPr>
-            <a:spLocks noGrp="1" noRot="1" noChangeAspect="1" noChangeArrowheads="1" noTextEdit="1"/>
-          </p:cNvSpPr>
-          <p:nvPr>
-            <p:ph type="sldImg"/>
-          </p:nvPr>
-        </p:nvSpPr>
-        <p:spPr>
-          <a:xfrm>
-            <a:off x="747713" y="841375"/>
-            <a:ext cx="5608637" cy="4206875"/>
-          </a:xfrm>
-          <a:ln/>
-        </p:spPr>
-      </p:sp>
-      <p:sp>
-        <p:nvSpPr>
-          <p:cNvPr id="39940" name="Rectangle 3"/>
-          <p:cNvSpPr>
-            <a:spLocks noGrp="1" noChangeArrowheads="1"/>
-          </p:cNvSpPr>
-          <p:nvPr>
-            <p:ph type="body" idx="1"/>
-          </p:nvPr>
-        </p:nvSpPr>
-        <p:spPr>
-          <a:noFill/>
-          <a:ln/>
-          <a:extLst>
-            <a:ext uri="{909E8E84-426E-40DD-AFC4-6F175D3DCCD1}">
-              <a14:hiddenFill xmlns:a14="http://schemas.microsoft.com/office/drawing/2010/main">
-                <a:solidFill>
-                  <a:srgbClr val="FFFFFF"/>
-                </a:solidFill>
-              </a14:hiddenFill>
-            </a:ext>
-            <a:ext uri="{91240B29-F687-4F45-9708-019B960494DF}">
-              <a14:hiddenLine xmlns:a14="http://schemas.microsoft.com/office/drawing/2010/main" w="9525">
-                <a:solidFill>
-                  <a:srgbClr val="000000"/>
-                </a:solidFill>
-                <a:miter lim="800000"/>
-                <a:headEnd/>
-                <a:tailEnd/>
-              </a14:hiddenLine>
-            </a:ext>
-          </a:extLst>
-        </p:spPr>
-        <p:txBody>
-          <a:bodyPr/>
-          <a:lstStyle/>
-          <a:p>
-            <a:endParaRPr lang="en-US" altLang="en-US"/>
-          </a:p>
-        </p:txBody>
-      </p:sp>
-    </p:spTree>
-    <p:extLst>
-      <p:ext uri="{BB962C8B-B14F-4D97-AF65-F5344CB8AC3E}">
-        <p14:creationId xmlns:p14="http://schemas.microsoft.com/office/powerpoint/2010/main" val="2046306147"/>
-      </p:ext>
-    </p:extLst>
-  </p:cSld>
-  <p:clrMapOvr>
-    <a:masterClrMapping/>
-  </p:clrMapOvr>
-</p:notes>
-</file>
-
-<file path=ppt/notesSlides/notesSlide27.xml><?xml version="1.0" encoding="utf-8"?>
-<p:notes xmlns:a="http://schemas.openxmlformats.org/drawingml/2006/main" xmlns:r="http://schemas.openxmlformats.org/officeDocument/2006/relationships" xmlns:p="http://schemas.openxmlformats.org/presentationml/2006/main">
-  <p:cSld>
-    <p:spTree>
-      <p:nvGrpSpPr>
-        <p:cNvPr id="1" name=""/>
-        <p:cNvGrpSpPr/>
-        <p:nvPr/>
-      </p:nvGrpSpPr>
-      <p:grpSpPr>
-        <a:xfrm>
-          <a:off x="0" y="0"/>
-          <a:ext cx="0" cy="0"/>
-          <a:chOff x="0" y="0"/>
-          <a:chExt cx="0" cy="0"/>
-        </a:xfrm>
-      </p:grpSpPr>
-      <p:sp>
-        <p:nvSpPr>
-          <p:cNvPr id="39938" name="Rectangle 7"/>
-          <p:cNvSpPr>
-            <a:spLocks noGrp="1" noChangeArrowheads="1"/>
-          </p:cNvSpPr>
-          <p:nvPr>
-            <p:ph type="sldNum" sz="quarter" idx="5"/>
-          </p:nvPr>
-        </p:nvSpPr>
-        <p:spPr>
-          <a:noFill/>
-          <a:ln/>
-          <a:extLst>
-            <a:ext uri="{909E8E84-426E-40DD-AFC4-6F175D3DCCD1}">
-              <a14:hiddenFill xmlns:a14="http://schemas.microsoft.com/office/drawing/2010/main">
-                <a:solidFill>
-                  <a:srgbClr val="FFFFFF"/>
-                </a:solidFill>
-              </a14:hiddenFill>
-            </a:ext>
-            <a:ext uri="{91240B29-F687-4F45-9708-019B960494DF}">
-              <a14:hiddenLine xmlns:a14="http://schemas.microsoft.com/office/drawing/2010/main" w="9525">
-                <a:solidFill>
-                  <a:srgbClr val="000000"/>
-                </a:solidFill>
-                <a:miter lim="800000"/>
-                <a:headEnd/>
-                <a:tailEnd/>
-              </a14:hiddenLine>
-            </a:ext>
-          </a:extLst>
-        </p:spPr>
-        <p:txBody>
-          <a:bodyPr/>
-          <a:lstStyle>
-            <a:lvl1pPr defTabSz="922338">
-              <a:defRPr sz="2000">
-                <a:solidFill>
-                  <a:schemeClr val="tx1"/>
-                </a:solidFill>
-                <a:latin typeface="Arial" panose="020B0604020202020204" pitchFamily="34" charset="0"/>
-                <a:cs typeface="Times New Roman" panose="02020603050405020304" pitchFamily="18" charset="0"/>
-              </a:defRPr>
-            </a:lvl1pPr>
-            <a:lvl2pPr marL="742950" indent="-285750" defTabSz="922338">
-              <a:defRPr sz="2000">
-                <a:solidFill>
-                  <a:schemeClr val="tx1"/>
-                </a:solidFill>
-                <a:latin typeface="Arial" panose="020B0604020202020204" pitchFamily="34" charset="0"/>
-                <a:cs typeface="Times New Roman" panose="02020603050405020304" pitchFamily="18" charset="0"/>
-              </a:defRPr>
-            </a:lvl2pPr>
-            <a:lvl3pPr marL="1143000" indent="-228600" defTabSz="922338">
-              <a:defRPr sz="2000">
-                <a:solidFill>
-                  <a:schemeClr val="tx1"/>
-                </a:solidFill>
-                <a:latin typeface="Arial" panose="020B0604020202020204" pitchFamily="34" charset="0"/>
-                <a:cs typeface="Times New Roman" panose="02020603050405020304" pitchFamily="18" charset="0"/>
-              </a:defRPr>
-            </a:lvl3pPr>
-            <a:lvl4pPr marL="1600200" indent="-228600" defTabSz="922338">
-              <a:defRPr sz="2000">
-                <a:solidFill>
-                  <a:schemeClr val="tx1"/>
-                </a:solidFill>
-                <a:latin typeface="Arial" panose="020B0604020202020204" pitchFamily="34" charset="0"/>
-                <a:cs typeface="Times New Roman" panose="02020603050405020304" pitchFamily="18" charset="0"/>
-              </a:defRPr>
-            </a:lvl4pPr>
-            <a:lvl5pPr marL="2057400" indent="-228600" defTabSz="922338">
-              <a:defRPr sz="2000">
-                <a:solidFill>
-                  <a:schemeClr val="tx1"/>
-                </a:solidFill>
-                <a:latin typeface="Arial" panose="020B0604020202020204" pitchFamily="34" charset="0"/>
-                <a:cs typeface="Times New Roman" panose="02020603050405020304" pitchFamily="18" charset="0"/>
-              </a:defRPr>
-            </a:lvl5pPr>
-            <a:lvl6pPr marL="2514600" indent="-228600" defTabSz="922338" eaLnBrk="0" fontAlgn="base" hangingPunct="0">
-              <a:spcBef>
-                <a:spcPct val="0"/>
-              </a:spcBef>
-              <a:spcAft>
-                <a:spcPct val="0"/>
-              </a:spcAft>
-              <a:defRPr sz="2000">
-                <a:solidFill>
-                  <a:schemeClr val="tx1"/>
-                </a:solidFill>
-                <a:latin typeface="Arial" panose="020B0604020202020204" pitchFamily="34" charset="0"/>
-                <a:cs typeface="Times New Roman" panose="02020603050405020304" pitchFamily="18" charset="0"/>
-              </a:defRPr>
-            </a:lvl6pPr>
-            <a:lvl7pPr marL="2971800" indent="-228600" defTabSz="922338" eaLnBrk="0" fontAlgn="base" hangingPunct="0">
-              <a:spcBef>
-                <a:spcPct val="0"/>
-              </a:spcBef>
-              <a:spcAft>
-                <a:spcPct val="0"/>
-              </a:spcAft>
-              <a:defRPr sz="2000">
-                <a:solidFill>
-                  <a:schemeClr val="tx1"/>
-                </a:solidFill>
-                <a:latin typeface="Arial" panose="020B0604020202020204" pitchFamily="34" charset="0"/>
-                <a:cs typeface="Times New Roman" panose="02020603050405020304" pitchFamily="18" charset="0"/>
-              </a:defRPr>
-            </a:lvl7pPr>
-            <a:lvl8pPr marL="3429000" indent="-228600" defTabSz="922338" eaLnBrk="0" fontAlgn="base" hangingPunct="0">
-              <a:spcBef>
-                <a:spcPct val="0"/>
-              </a:spcBef>
-              <a:spcAft>
-                <a:spcPct val="0"/>
-              </a:spcAft>
-              <a:defRPr sz="2000">
-                <a:solidFill>
-                  <a:schemeClr val="tx1"/>
-                </a:solidFill>
-                <a:latin typeface="Arial" panose="020B0604020202020204" pitchFamily="34" charset="0"/>
-                <a:cs typeface="Times New Roman" panose="02020603050405020304" pitchFamily="18" charset="0"/>
-              </a:defRPr>
-            </a:lvl8pPr>
-            <a:lvl9pPr marL="3886200" indent="-228600" defTabSz="922338" eaLnBrk="0" fontAlgn="base" hangingPunct="0">
-              <a:spcBef>
-                <a:spcPct val="0"/>
-              </a:spcBef>
-              <a:spcAft>
-                <a:spcPct val="0"/>
-              </a:spcAft>
-              <a:defRPr sz="2000">
-                <a:solidFill>
-                  <a:schemeClr val="tx1"/>
-                </a:solidFill>
-                <a:latin typeface="Arial" panose="020B0604020202020204" pitchFamily="34" charset="0"/>
-                <a:cs typeface="Times New Roman" panose="02020603050405020304" pitchFamily="18" charset="0"/>
-              </a:defRPr>
-            </a:lvl9pPr>
-          </a:lstStyle>
-          <a:p>
-            <a:fld id="{6DE7DCCB-4E89-4E98-9F7D-C8D1CDD364EC}" type="slidenum">
-              <a:rPr lang="en-US" altLang="en-US" sz="1200" smtClean="0">
-                <a:solidFill>
-                  <a:schemeClr val="bg1"/>
-                </a:solidFill>
-                <a:latin typeface="Comic Sans MS" panose="030F0702030302020204" pitchFamily="66" charset="0"/>
-              </a:rPr>
-              <a:pPr/>
-              <a:t>42</a:t>
-            </a:fld>
-            <a:endParaRPr lang="en-US" altLang="en-US" sz="1200">
-              <a:solidFill>
-                <a:schemeClr val="bg1"/>
-              </a:solidFill>
-              <a:latin typeface="Comic Sans MS" panose="030F0702030302020204" pitchFamily="66" charset="0"/>
-            </a:endParaRPr>
-          </a:p>
-        </p:txBody>
-      </p:sp>
-      <p:sp>
-        <p:nvSpPr>
-          <p:cNvPr id="39939" name="Rectangle 2"/>
-          <p:cNvSpPr>
-            <a:spLocks noGrp="1" noRot="1" noChangeAspect="1" noChangeArrowheads="1" noTextEdit="1"/>
-          </p:cNvSpPr>
-          <p:nvPr>
-            <p:ph type="sldImg"/>
-          </p:nvPr>
-        </p:nvSpPr>
-        <p:spPr>
-          <a:xfrm>
-            <a:off x="747713" y="841375"/>
-            <a:ext cx="5608637" cy="4206875"/>
-          </a:xfrm>
-          <a:ln/>
-        </p:spPr>
-      </p:sp>
-      <p:sp>
-        <p:nvSpPr>
-          <p:cNvPr id="39940" name="Rectangle 3"/>
-          <p:cNvSpPr>
-            <a:spLocks noGrp="1" noChangeArrowheads="1"/>
-          </p:cNvSpPr>
-          <p:nvPr>
-            <p:ph type="body" idx="1"/>
-          </p:nvPr>
-        </p:nvSpPr>
-        <p:spPr>
-          <a:noFill/>
-          <a:ln/>
-          <a:extLst>
-            <a:ext uri="{909E8E84-426E-40DD-AFC4-6F175D3DCCD1}">
-              <a14:hiddenFill xmlns:a14="http://schemas.microsoft.com/office/drawing/2010/main">
-                <a:solidFill>
-                  <a:srgbClr val="FFFFFF"/>
-                </a:solidFill>
-              </a14:hiddenFill>
-            </a:ext>
-            <a:ext uri="{91240B29-F687-4F45-9708-019B960494DF}">
-              <a14:hiddenLine xmlns:a14="http://schemas.microsoft.com/office/drawing/2010/main" w="9525">
-                <a:solidFill>
-                  <a:srgbClr val="000000"/>
-                </a:solidFill>
-                <a:miter lim="800000"/>
-                <a:headEnd/>
-                <a:tailEnd/>
-              </a14:hiddenLine>
-            </a:ext>
-          </a:extLst>
-        </p:spPr>
-        <p:txBody>
-          <a:bodyPr/>
-          <a:lstStyle/>
-          <a:p>
-            <a:endParaRPr lang="en-US" altLang="en-US"/>
-          </a:p>
-        </p:txBody>
-      </p:sp>
-    </p:spTree>
-    <p:extLst>
-      <p:ext uri="{BB962C8B-B14F-4D97-AF65-F5344CB8AC3E}">
-        <p14:creationId xmlns:p14="http://schemas.microsoft.com/office/powerpoint/2010/main" val="2073875629"/>
       </p:ext>
     </p:extLst>
   </p:cSld>
@@ -6713,7 +9030,7 @@
                 <a:latin typeface="Comic Sans MS" panose="030F0702030302020204" pitchFamily="66" charset="0"/>
               </a:rPr>
               <a:pPr/>
-              <a:t>43</a:t>
+              <a:t>42</a:t>
             </a:fld>
             <a:endParaRPr lang="en-US" altLang="en-US" sz="1200">
               <a:solidFill>
@@ -6786,7 +9103,7 @@
     </p:spTree>
     <p:extLst>
       <p:ext uri="{BB962C8B-B14F-4D97-AF65-F5344CB8AC3E}">
-        <p14:creationId xmlns:p14="http://schemas.microsoft.com/office/powerpoint/2010/main" val="3228272120"/>
+        <p14:creationId xmlns:p14="http://schemas.microsoft.com/office/powerpoint/2010/main" val="2046306147"/>
       </p:ext>
     </p:extLst>
   </p:cSld>
@@ -6964,7 +9281,7 @@
                 <a:latin typeface="Comic Sans MS" panose="030F0702030302020204" pitchFamily="66" charset="0"/>
               </a:rPr>
               <a:pPr/>
-              <a:t>44</a:t>
+              <a:t>43</a:t>
             </a:fld>
             <a:endParaRPr lang="en-US" altLang="en-US" sz="1200">
               <a:solidFill>
@@ -7037,7 +9354,7 @@
     </p:spTree>
     <p:extLst>
       <p:ext uri="{BB962C8B-B14F-4D97-AF65-F5344CB8AC3E}">
-        <p14:creationId xmlns:p14="http://schemas.microsoft.com/office/powerpoint/2010/main" val="321121385"/>
+        <p14:creationId xmlns:p14="http://schemas.microsoft.com/office/powerpoint/2010/main" val="2073875629"/>
       </p:ext>
     </p:extLst>
   </p:cSld>
@@ -7276,7 +9593,509 @@
                 <a:latin typeface="Comic Sans MS" panose="030F0702030302020204" pitchFamily="66" charset="0"/>
               </a:rPr>
               <a:pPr/>
+              <a:t>44</a:t>
+            </a:fld>
+            <a:endParaRPr lang="en-US" altLang="en-US" sz="1200">
+              <a:solidFill>
+                <a:schemeClr val="bg1"/>
+              </a:solidFill>
+              <a:latin typeface="Comic Sans MS" panose="030F0702030302020204" pitchFamily="66" charset="0"/>
+            </a:endParaRPr>
+          </a:p>
+        </p:txBody>
+      </p:sp>
+      <p:sp>
+        <p:nvSpPr>
+          <p:cNvPr id="39939" name="Rectangle 2"/>
+          <p:cNvSpPr>
+            <a:spLocks noGrp="1" noRot="1" noChangeAspect="1" noChangeArrowheads="1" noTextEdit="1"/>
+          </p:cNvSpPr>
+          <p:nvPr>
+            <p:ph type="sldImg"/>
+          </p:nvPr>
+        </p:nvSpPr>
+        <p:spPr>
+          <a:xfrm>
+            <a:off x="747713" y="841375"/>
+            <a:ext cx="5608637" cy="4206875"/>
+          </a:xfrm>
+          <a:ln/>
+        </p:spPr>
+      </p:sp>
+      <p:sp>
+        <p:nvSpPr>
+          <p:cNvPr id="39940" name="Rectangle 3"/>
+          <p:cNvSpPr>
+            <a:spLocks noGrp="1" noChangeArrowheads="1"/>
+          </p:cNvSpPr>
+          <p:nvPr>
+            <p:ph type="body" idx="1"/>
+          </p:nvPr>
+        </p:nvSpPr>
+        <p:spPr>
+          <a:noFill/>
+          <a:ln/>
+          <a:extLst>
+            <a:ext uri="{909E8E84-426E-40DD-AFC4-6F175D3DCCD1}">
+              <a14:hiddenFill xmlns:a14="http://schemas.microsoft.com/office/drawing/2010/main">
+                <a:solidFill>
+                  <a:srgbClr val="FFFFFF"/>
+                </a:solidFill>
+              </a14:hiddenFill>
+            </a:ext>
+            <a:ext uri="{91240B29-F687-4F45-9708-019B960494DF}">
+              <a14:hiddenLine xmlns:a14="http://schemas.microsoft.com/office/drawing/2010/main" w="9525">
+                <a:solidFill>
+                  <a:srgbClr val="000000"/>
+                </a:solidFill>
+                <a:miter lim="800000"/>
+                <a:headEnd/>
+                <a:tailEnd/>
+              </a14:hiddenLine>
+            </a:ext>
+          </a:extLst>
+        </p:spPr>
+        <p:txBody>
+          <a:bodyPr/>
+          <a:lstStyle/>
+          <a:p>
+            <a:endParaRPr lang="en-US" altLang="en-US"/>
+          </a:p>
+        </p:txBody>
+      </p:sp>
+    </p:spTree>
+    <p:extLst>
+      <p:ext uri="{BB962C8B-B14F-4D97-AF65-F5344CB8AC3E}">
+        <p14:creationId xmlns:p14="http://schemas.microsoft.com/office/powerpoint/2010/main" val="3228272120"/>
+      </p:ext>
+    </p:extLst>
+  </p:cSld>
+  <p:clrMapOvr>
+    <a:masterClrMapping/>
+  </p:clrMapOvr>
+</p:notes>
+</file>
+
+<file path=ppt/notesSlides/notesSlide31.xml><?xml version="1.0" encoding="utf-8"?>
+<p:notes xmlns:a="http://schemas.openxmlformats.org/drawingml/2006/main" xmlns:r="http://schemas.openxmlformats.org/officeDocument/2006/relationships" xmlns:p="http://schemas.openxmlformats.org/presentationml/2006/main">
+  <p:cSld>
+    <p:spTree>
+      <p:nvGrpSpPr>
+        <p:cNvPr id="1" name=""/>
+        <p:cNvGrpSpPr/>
+        <p:nvPr/>
+      </p:nvGrpSpPr>
+      <p:grpSpPr>
+        <a:xfrm>
+          <a:off x="0" y="0"/>
+          <a:ext cx="0" cy="0"/>
+          <a:chOff x="0" y="0"/>
+          <a:chExt cx="0" cy="0"/>
+        </a:xfrm>
+      </p:grpSpPr>
+      <p:sp>
+        <p:nvSpPr>
+          <p:cNvPr id="39938" name="Rectangle 7"/>
+          <p:cNvSpPr>
+            <a:spLocks noGrp="1" noChangeArrowheads="1"/>
+          </p:cNvSpPr>
+          <p:nvPr>
+            <p:ph type="sldNum" sz="quarter" idx="5"/>
+          </p:nvPr>
+        </p:nvSpPr>
+        <p:spPr>
+          <a:noFill/>
+          <a:ln/>
+          <a:extLst>
+            <a:ext uri="{909E8E84-426E-40DD-AFC4-6F175D3DCCD1}">
+              <a14:hiddenFill xmlns:a14="http://schemas.microsoft.com/office/drawing/2010/main">
+                <a:solidFill>
+                  <a:srgbClr val="FFFFFF"/>
+                </a:solidFill>
+              </a14:hiddenFill>
+            </a:ext>
+            <a:ext uri="{91240B29-F687-4F45-9708-019B960494DF}">
+              <a14:hiddenLine xmlns:a14="http://schemas.microsoft.com/office/drawing/2010/main" w="9525">
+                <a:solidFill>
+                  <a:srgbClr val="000000"/>
+                </a:solidFill>
+                <a:miter lim="800000"/>
+                <a:headEnd/>
+                <a:tailEnd/>
+              </a14:hiddenLine>
+            </a:ext>
+          </a:extLst>
+        </p:spPr>
+        <p:txBody>
+          <a:bodyPr/>
+          <a:lstStyle>
+            <a:lvl1pPr defTabSz="922338">
+              <a:defRPr sz="2000">
+                <a:solidFill>
+                  <a:schemeClr val="tx1"/>
+                </a:solidFill>
+                <a:latin typeface="Arial" panose="020B0604020202020204" pitchFamily="34" charset="0"/>
+                <a:cs typeface="Times New Roman" panose="02020603050405020304" pitchFamily="18" charset="0"/>
+              </a:defRPr>
+            </a:lvl1pPr>
+            <a:lvl2pPr marL="742950" indent="-285750" defTabSz="922338">
+              <a:defRPr sz="2000">
+                <a:solidFill>
+                  <a:schemeClr val="tx1"/>
+                </a:solidFill>
+                <a:latin typeface="Arial" panose="020B0604020202020204" pitchFamily="34" charset="0"/>
+                <a:cs typeface="Times New Roman" panose="02020603050405020304" pitchFamily="18" charset="0"/>
+              </a:defRPr>
+            </a:lvl2pPr>
+            <a:lvl3pPr marL="1143000" indent="-228600" defTabSz="922338">
+              <a:defRPr sz="2000">
+                <a:solidFill>
+                  <a:schemeClr val="tx1"/>
+                </a:solidFill>
+                <a:latin typeface="Arial" panose="020B0604020202020204" pitchFamily="34" charset="0"/>
+                <a:cs typeface="Times New Roman" panose="02020603050405020304" pitchFamily="18" charset="0"/>
+              </a:defRPr>
+            </a:lvl3pPr>
+            <a:lvl4pPr marL="1600200" indent="-228600" defTabSz="922338">
+              <a:defRPr sz="2000">
+                <a:solidFill>
+                  <a:schemeClr val="tx1"/>
+                </a:solidFill>
+                <a:latin typeface="Arial" panose="020B0604020202020204" pitchFamily="34" charset="0"/>
+                <a:cs typeface="Times New Roman" panose="02020603050405020304" pitchFamily="18" charset="0"/>
+              </a:defRPr>
+            </a:lvl4pPr>
+            <a:lvl5pPr marL="2057400" indent="-228600" defTabSz="922338">
+              <a:defRPr sz="2000">
+                <a:solidFill>
+                  <a:schemeClr val="tx1"/>
+                </a:solidFill>
+                <a:latin typeface="Arial" panose="020B0604020202020204" pitchFamily="34" charset="0"/>
+                <a:cs typeface="Times New Roman" panose="02020603050405020304" pitchFamily="18" charset="0"/>
+              </a:defRPr>
+            </a:lvl5pPr>
+            <a:lvl6pPr marL="2514600" indent="-228600" defTabSz="922338" eaLnBrk="0" fontAlgn="base" hangingPunct="0">
+              <a:spcBef>
+                <a:spcPct val="0"/>
+              </a:spcBef>
+              <a:spcAft>
+                <a:spcPct val="0"/>
+              </a:spcAft>
+              <a:defRPr sz="2000">
+                <a:solidFill>
+                  <a:schemeClr val="tx1"/>
+                </a:solidFill>
+                <a:latin typeface="Arial" panose="020B0604020202020204" pitchFamily="34" charset="0"/>
+                <a:cs typeface="Times New Roman" panose="02020603050405020304" pitchFamily="18" charset="0"/>
+              </a:defRPr>
+            </a:lvl6pPr>
+            <a:lvl7pPr marL="2971800" indent="-228600" defTabSz="922338" eaLnBrk="0" fontAlgn="base" hangingPunct="0">
+              <a:spcBef>
+                <a:spcPct val="0"/>
+              </a:spcBef>
+              <a:spcAft>
+                <a:spcPct val="0"/>
+              </a:spcAft>
+              <a:defRPr sz="2000">
+                <a:solidFill>
+                  <a:schemeClr val="tx1"/>
+                </a:solidFill>
+                <a:latin typeface="Arial" panose="020B0604020202020204" pitchFamily="34" charset="0"/>
+                <a:cs typeface="Times New Roman" panose="02020603050405020304" pitchFamily="18" charset="0"/>
+              </a:defRPr>
+            </a:lvl7pPr>
+            <a:lvl8pPr marL="3429000" indent="-228600" defTabSz="922338" eaLnBrk="0" fontAlgn="base" hangingPunct="0">
+              <a:spcBef>
+                <a:spcPct val="0"/>
+              </a:spcBef>
+              <a:spcAft>
+                <a:spcPct val="0"/>
+              </a:spcAft>
+              <a:defRPr sz="2000">
+                <a:solidFill>
+                  <a:schemeClr val="tx1"/>
+                </a:solidFill>
+                <a:latin typeface="Arial" panose="020B0604020202020204" pitchFamily="34" charset="0"/>
+                <a:cs typeface="Times New Roman" panose="02020603050405020304" pitchFamily="18" charset="0"/>
+              </a:defRPr>
+            </a:lvl8pPr>
+            <a:lvl9pPr marL="3886200" indent="-228600" defTabSz="922338" eaLnBrk="0" fontAlgn="base" hangingPunct="0">
+              <a:spcBef>
+                <a:spcPct val="0"/>
+              </a:spcBef>
+              <a:spcAft>
+                <a:spcPct val="0"/>
+              </a:spcAft>
+              <a:defRPr sz="2000">
+                <a:solidFill>
+                  <a:schemeClr val="tx1"/>
+                </a:solidFill>
+                <a:latin typeface="Arial" panose="020B0604020202020204" pitchFamily="34" charset="0"/>
+                <a:cs typeface="Times New Roman" panose="02020603050405020304" pitchFamily="18" charset="0"/>
+              </a:defRPr>
+            </a:lvl9pPr>
+          </a:lstStyle>
+          <a:p>
+            <a:fld id="{6DE7DCCB-4E89-4E98-9F7D-C8D1CDD364EC}" type="slidenum">
+              <a:rPr lang="en-US" altLang="en-US" sz="1200" smtClean="0">
+                <a:solidFill>
+                  <a:schemeClr val="bg1"/>
+                </a:solidFill>
+                <a:latin typeface="Comic Sans MS" panose="030F0702030302020204" pitchFamily="66" charset="0"/>
+              </a:rPr>
+              <a:pPr/>
               <a:t>45</a:t>
+            </a:fld>
+            <a:endParaRPr lang="en-US" altLang="en-US" sz="1200">
+              <a:solidFill>
+                <a:schemeClr val="bg1"/>
+              </a:solidFill>
+              <a:latin typeface="Comic Sans MS" panose="030F0702030302020204" pitchFamily="66" charset="0"/>
+            </a:endParaRPr>
+          </a:p>
+        </p:txBody>
+      </p:sp>
+      <p:sp>
+        <p:nvSpPr>
+          <p:cNvPr id="39939" name="Rectangle 2"/>
+          <p:cNvSpPr>
+            <a:spLocks noGrp="1" noRot="1" noChangeAspect="1" noChangeArrowheads="1" noTextEdit="1"/>
+          </p:cNvSpPr>
+          <p:nvPr>
+            <p:ph type="sldImg"/>
+          </p:nvPr>
+        </p:nvSpPr>
+        <p:spPr>
+          <a:xfrm>
+            <a:off x="747713" y="841375"/>
+            <a:ext cx="5608637" cy="4206875"/>
+          </a:xfrm>
+          <a:ln/>
+        </p:spPr>
+      </p:sp>
+      <p:sp>
+        <p:nvSpPr>
+          <p:cNvPr id="39940" name="Rectangle 3"/>
+          <p:cNvSpPr>
+            <a:spLocks noGrp="1" noChangeArrowheads="1"/>
+          </p:cNvSpPr>
+          <p:nvPr>
+            <p:ph type="body" idx="1"/>
+          </p:nvPr>
+        </p:nvSpPr>
+        <p:spPr>
+          <a:noFill/>
+          <a:ln/>
+          <a:extLst>
+            <a:ext uri="{909E8E84-426E-40DD-AFC4-6F175D3DCCD1}">
+              <a14:hiddenFill xmlns:a14="http://schemas.microsoft.com/office/drawing/2010/main">
+                <a:solidFill>
+                  <a:srgbClr val="FFFFFF"/>
+                </a:solidFill>
+              </a14:hiddenFill>
+            </a:ext>
+            <a:ext uri="{91240B29-F687-4F45-9708-019B960494DF}">
+              <a14:hiddenLine xmlns:a14="http://schemas.microsoft.com/office/drawing/2010/main" w="9525">
+                <a:solidFill>
+                  <a:srgbClr val="000000"/>
+                </a:solidFill>
+                <a:miter lim="800000"/>
+                <a:headEnd/>
+                <a:tailEnd/>
+              </a14:hiddenLine>
+            </a:ext>
+          </a:extLst>
+        </p:spPr>
+        <p:txBody>
+          <a:bodyPr/>
+          <a:lstStyle/>
+          <a:p>
+            <a:endParaRPr lang="en-US" altLang="en-US"/>
+          </a:p>
+        </p:txBody>
+      </p:sp>
+    </p:spTree>
+    <p:extLst>
+      <p:ext uri="{BB962C8B-B14F-4D97-AF65-F5344CB8AC3E}">
+        <p14:creationId xmlns:p14="http://schemas.microsoft.com/office/powerpoint/2010/main" val="321121385"/>
+      </p:ext>
+    </p:extLst>
+  </p:cSld>
+  <p:clrMapOvr>
+    <a:masterClrMapping/>
+  </p:clrMapOvr>
+</p:notes>
+</file>
+
+<file path=ppt/notesSlides/notesSlide32.xml><?xml version="1.0" encoding="utf-8"?>
+<p:notes xmlns:a="http://schemas.openxmlformats.org/drawingml/2006/main" xmlns:r="http://schemas.openxmlformats.org/officeDocument/2006/relationships" xmlns:p="http://schemas.openxmlformats.org/presentationml/2006/main">
+  <p:cSld>
+    <p:spTree>
+      <p:nvGrpSpPr>
+        <p:cNvPr id="1" name=""/>
+        <p:cNvGrpSpPr/>
+        <p:nvPr/>
+      </p:nvGrpSpPr>
+      <p:grpSpPr>
+        <a:xfrm>
+          <a:off x="0" y="0"/>
+          <a:ext cx="0" cy="0"/>
+          <a:chOff x="0" y="0"/>
+          <a:chExt cx="0" cy="0"/>
+        </a:xfrm>
+      </p:grpSpPr>
+      <p:sp>
+        <p:nvSpPr>
+          <p:cNvPr id="39938" name="Rectangle 7"/>
+          <p:cNvSpPr>
+            <a:spLocks noGrp="1" noChangeArrowheads="1"/>
+          </p:cNvSpPr>
+          <p:nvPr>
+            <p:ph type="sldNum" sz="quarter" idx="5"/>
+          </p:nvPr>
+        </p:nvSpPr>
+        <p:spPr>
+          <a:noFill/>
+          <a:ln/>
+          <a:extLst>
+            <a:ext uri="{909E8E84-426E-40DD-AFC4-6F175D3DCCD1}">
+              <a14:hiddenFill xmlns:a14="http://schemas.microsoft.com/office/drawing/2010/main">
+                <a:solidFill>
+                  <a:srgbClr val="FFFFFF"/>
+                </a:solidFill>
+              </a14:hiddenFill>
+            </a:ext>
+            <a:ext uri="{91240B29-F687-4F45-9708-019B960494DF}">
+              <a14:hiddenLine xmlns:a14="http://schemas.microsoft.com/office/drawing/2010/main" w="9525">
+                <a:solidFill>
+                  <a:srgbClr val="000000"/>
+                </a:solidFill>
+                <a:miter lim="800000"/>
+                <a:headEnd/>
+                <a:tailEnd/>
+              </a14:hiddenLine>
+            </a:ext>
+          </a:extLst>
+        </p:spPr>
+        <p:txBody>
+          <a:bodyPr/>
+          <a:lstStyle>
+            <a:lvl1pPr defTabSz="922338">
+              <a:defRPr sz="2000">
+                <a:solidFill>
+                  <a:schemeClr val="tx1"/>
+                </a:solidFill>
+                <a:latin typeface="Arial" panose="020B0604020202020204" pitchFamily="34" charset="0"/>
+                <a:cs typeface="Times New Roman" panose="02020603050405020304" pitchFamily="18" charset="0"/>
+              </a:defRPr>
+            </a:lvl1pPr>
+            <a:lvl2pPr marL="742950" indent="-285750" defTabSz="922338">
+              <a:defRPr sz="2000">
+                <a:solidFill>
+                  <a:schemeClr val="tx1"/>
+                </a:solidFill>
+                <a:latin typeface="Arial" panose="020B0604020202020204" pitchFamily="34" charset="0"/>
+                <a:cs typeface="Times New Roman" panose="02020603050405020304" pitchFamily="18" charset="0"/>
+              </a:defRPr>
+            </a:lvl2pPr>
+            <a:lvl3pPr marL="1143000" indent="-228600" defTabSz="922338">
+              <a:defRPr sz="2000">
+                <a:solidFill>
+                  <a:schemeClr val="tx1"/>
+                </a:solidFill>
+                <a:latin typeface="Arial" panose="020B0604020202020204" pitchFamily="34" charset="0"/>
+                <a:cs typeface="Times New Roman" panose="02020603050405020304" pitchFamily="18" charset="0"/>
+              </a:defRPr>
+            </a:lvl3pPr>
+            <a:lvl4pPr marL="1600200" indent="-228600" defTabSz="922338">
+              <a:defRPr sz="2000">
+                <a:solidFill>
+                  <a:schemeClr val="tx1"/>
+                </a:solidFill>
+                <a:latin typeface="Arial" panose="020B0604020202020204" pitchFamily="34" charset="0"/>
+                <a:cs typeface="Times New Roman" panose="02020603050405020304" pitchFamily="18" charset="0"/>
+              </a:defRPr>
+            </a:lvl4pPr>
+            <a:lvl5pPr marL="2057400" indent="-228600" defTabSz="922338">
+              <a:defRPr sz="2000">
+                <a:solidFill>
+                  <a:schemeClr val="tx1"/>
+                </a:solidFill>
+                <a:latin typeface="Arial" panose="020B0604020202020204" pitchFamily="34" charset="0"/>
+                <a:cs typeface="Times New Roman" panose="02020603050405020304" pitchFamily="18" charset="0"/>
+              </a:defRPr>
+            </a:lvl5pPr>
+            <a:lvl6pPr marL="2514600" indent="-228600" defTabSz="922338" eaLnBrk="0" fontAlgn="base" hangingPunct="0">
+              <a:spcBef>
+                <a:spcPct val="0"/>
+              </a:spcBef>
+              <a:spcAft>
+                <a:spcPct val="0"/>
+              </a:spcAft>
+              <a:defRPr sz="2000">
+                <a:solidFill>
+                  <a:schemeClr val="tx1"/>
+                </a:solidFill>
+                <a:latin typeface="Arial" panose="020B0604020202020204" pitchFamily="34" charset="0"/>
+                <a:cs typeface="Times New Roman" panose="02020603050405020304" pitchFamily="18" charset="0"/>
+              </a:defRPr>
+            </a:lvl6pPr>
+            <a:lvl7pPr marL="2971800" indent="-228600" defTabSz="922338" eaLnBrk="0" fontAlgn="base" hangingPunct="0">
+              <a:spcBef>
+                <a:spcPct val="0"/>
+              </a:spcBef>
+              <a:spcAft>
+                <a:spcPct val="0"/>
+              </a:spcAft>
+              <a:defRPr sz="2000">
+                <a:solidFill>
+                  <a:schemeClr val="tx1"/>
+                </a:solidFill>
+                <a:latin typeface="Arial" panose="020B0604020202020204" pitchFamily="34" charset="0"/>
+                <a:cs typeface="Times New Roman" panose="02020603050405020304" pitchFamily="18" charset="0"/>
+              </a:defRPr>
+            </a:lvl7pPr>
+            <a:lvl8pPr marL="3429000" indent="-228600" defTabSz="922338" eaLnBrk="0" fontAlgn="base" hangingPunct="0">
+              <a:spcBef>
+                <a:spcPct val="0"/>
+              </a:spcBef>
+              <a:spcAft>
+                <a:spcPct val="0"/>
+              </a:spcAft>
+              <a:defRPr sz="2000">
+                <a:solidFill>
+                  <a:schemeClr val="tx1"/>
+                </a:solidFill>
+                <a:latin typeface="Arial" panose="020B0604020202020204" pitchFamily="34" charset="0"/>
+                <a:cs typeface="Times New Roman" panose="02020603050405020304" pitchFamily="18" charset="0"/>
+              </a:defRPr>
+            </a:lvl8pPr>
+            <a:lvl9pPr marL="3886200" indent="-228600" defTabSz="922338" eaLnBrk="0" fontAlgn="base" hangingPunct="0">
+              <a:spcBef>
+                <a:spcPct val="0"/>
+              </a:spcBef>
+              <a:spcAft>
+                <a:spcPct val="0"/>
+              </a:spcAft>
+              <a:defRPr sz="2000">
+                <a:solidFill>
+                  <a:schemeClr val="tx1"/>
+                </a:solidFill>
+                <a:latin typeface="Arial" panose="020B0604020202020204" pitchFamily="34" charset="0"/>
+                <a:cs typeface="Times New Roman" panose="02020603050405020304" pitchFamily="18" charset="0"/>
+              </a:defRPr>
+            </a:lvl9pPr>
+          </a:lstStyle>
+          <a:p>
+            <a:fld id="{6DE7DCCB-4E89-4E98-9F7D-C8D1CDD364EC}" type="slidenum">
+              <a:rPr lang="en-US" altLang="en-US" sz="1200" smtClean="0">
+                <a:solidFill>
+                  <a:schemeClr val="bg1"/>
+                </a:solidFill>
+                <a:latin typeface="Comic Sans MS" panose="030F0702030302020204" pitchFamily="66" charset="0"/>
+              </a:rPr>
+              <a:pPr/>
+              <a:t>46</a:t>
             </a:fld>
             <a:endParaRPr lang="en-US" altLang="en-US" sz="1200">
               <a:solidFill>
@@ -24808,8 +27627,8 @@
         </p:blipFill>
         <p:spPr>
           <a:xfrm>
-            <a:off x="83921" y="1604841"/>
-            <a:ext cx="6761502" cy="1685365"/>
+            <a:off x="83921" y="1836000"/>
+            <a:ext cx="6761502" cy="1454206"/>
           </a:xfrm>
           <a:prstGeom prst="rect">
             <a:avLst/>
@@ -26890,7 +29709,7 @@
           <p:nvPr/>
         </p:nvPicPr>
         <p:blipFill>
-          <a:blip r:embed="rId2">
+          <a:blip r:embed="rId3">
             <a:extLst>
               <a:ext uri="{28A0092B-C50C-407E-A947-70E740481C1C}">
                 <a14:useLocalDpi xmlns:a14="http://schemas.microsoft.com/office/drawing/2010/main" val="0"/>
@@ -27318,7 +30137,7 @@
           <p:nvPr/>
         </p:nvPicPr>
         <p:blipFill>
-          <a:blip r:embed="rId2">
+          <a:blip r:embed="rId3">
             <a:extLst>
               <a:ext uri="{28A0092B-C50C-407E-A947-70E740481C1C}">
                 <a14:useLocalDpi xmlns:a14="http://schemas.microsoft.com/office/drawing/2010/main" val="0"/>
@@ -27914,6 +30733,1578 @@
       </p:grpSpPr>
       <p:sp>
         <p:nvSpPr>
+          <p:cNvPr id="2" name="Title 1">
+            <a:extLst>
+              <a:ext uri="{FF2B5EF4-FFF2-40B4-BE49-F238E27FC236}">
+                <a16:creationId xmlns:a16="http://schemas.microsoft.com/office/drawing/2014/main" id="{5C5275E4-D3E6-FDCD-2FC6-6F2C7ED4F85B}"/>
+              </a:ext>
+            </a:extLst>
+          </p:cNvPr>
+          <p:cNvSpPr>
+            <a:spLocks noGrp="1"/>
+          </p:cNvSpPr>
+          <p:nvPr>
+            <p:ph type="title"/>
+          </p:nvPr>
+        </p:nvSpPr>
+        <p:spPr/>
+        <p:txBody>
+          <a:bodyPr/>
+          <a:lstStyle/>
+          <a:p>
+            <a:endParaRPr lang="en-US"/>
+          </a:p>
+        </p:txBody>
+      </p:sp>
+      <p:graphicFrame>
+        <p:nvGraphicFramePr>
+          <p:cNvPr id="16" name="Table 15">
+            <a:extLst>
+              <a:ext uri="{FF2B5EF4-FFF2-40B4-BE49-F238E27FC236}">
+                <a16:creationId xmlns:a16="http://schemas.microsoft.com/office/drawing/2014/main" id="{1F3CA409-69EA-1F53-412F-5CAC2ABC9526}"/>
+              </a:ext>
+            </a:extLst>
+          </p:cNvPr>
+          <p:cNvGraphicFramePr>
+            <a:graphicFrameLocks noGrp="1"/>
+          </p:cNvGraphicFramePr>
+          <p:nvPr>
+            <p:extLst>
+              <p:ext uri="{D42A27DB-BD31-4B8C-83A1-F6EECF244321}">
+                <p14:modId xmlns:p14="http://schemas.microsoft.com/office/powerpoint/2010/main" val="1833631658"/>
+              </p:ext>
+            </p:extLst>
+          </p:nvPr>
+        </p:nvGraphicFramePr>
+        <p:xfrm>
+          <a:off x="153897" y="979771"/>
+          <a:ext cx="6450012" cy="594741"/>
+        </p:xfrm>
+        <a:graphic>
+          <a:graphicData uri="http://schemas.openxmlformats.org/drawingml/2006/table">
+            <a:tbl>
+              <a:tblPr firstRow="1" firstCol="1" bandRow="1">
+                <a:tableStyleId>{9B39535F-9996-43B5-9DEC-D57096B5976E}</a:tableStyleId>
+              </a:tblPr>
+              <a:tblGrid>
+                <a:gridCol w="3225006">
+                  <a:extLst>
+                    <a:ext uri="{9D8B030D-6E8A-4147-A177-3AD203B41FA5}">
+                      <a16:colId xmlns:a16="http://schemas.microsoft.com/office/drawing/2014/main" val="714876854"/>
+                    </a:ext>
+                  </a:extLst>
+                </a:gridCol>
+                <a:gridCol w="3225006">
+                  <a:extLst>
+                    <a:ext uri="{9D8B030D-6E8A-4147-A177-3AD203B41FA5}">
+                      <a16:colId xmlns:a16="http://schemas.microsoft.com/office/drawing/2014/main" val="3777925226"/>
+                    </a:ext>
+                  </a:extLst>
+                </a:gridCol>
+              </a:tblGrid>
+              <a:tr h="198247">
+                <a:tc>
+                  <a:txBody>
+                    <a:bodyPr/>
+                    <a:lstStyle/>
+                    <a:p>
+                      <a:pPr marL="0" marR="0" algn="r" rtl="1">
+                        <a:lnSpc>
+                          <a:spcPct val="115000"/>
+                        </a:lnSpc>
+                        <a:spcAft>
+                          <a:spcPts val="800"/>
+                        </a:spcAft>
+                        <a:buNone/>
+                      </a:pPr>
+                      <a:r>
+                        <a:rPr lang="ar-SA" sz="1200" kern="100">
+                          <a:effectLst/>
+                        </a:rPr>
+                        <a:t>ستون</a:t>
+                      </a:r>
+                      <a:endParaRPr lang="en-US" sz="1200" kern="100">
+                        <a:effectLst/>
+                        <a:latin typeface="Aptos" panose="020B0004020202020204" pitchFamily="34" charset="0"/>
+                        <a:ea typeface="Aptos" panose="020B0004020202020204" pitchFamily="34" charset="0"/>
+                        <a:cs typeface="Arial" panose="020B0604020202020204" pitchFamily="34" charset="0"/>
+                      </a:endParaRPr>
+                    </a:p>
+                  </a:txBody>
+                  <a:tcPr marL="68580" marR="68580" marT="0" marB="0"/>
+                </a:tc>
+                <a:tc>
+                  <a:txBody>
+                    <a:bodyPr/>
+                    <a:lstStyle/>
+                    <a:p>
+                      <a:pPr marL="0" marR="0" algn="r" rtl="1">
+                        <a:lnSpc>
+                          <a:spcPct val="115000"/>
+                        </a:lnSpc>
+                        <a:spcAft>
+                          <a:spcPts val="800"/>
+                        </a:spcAft>
+                        <a:buNone/>
+                      </a:pPr>
+                      <a:r>
+                        <a:rPr lang="ar-SA" sz="1200" kern="100" dirty="0">
+                          <a:effectLst/>
+                        </a:rPr>
+                        <a:t>توضیح</a:t>
+                      </a:r>
+                      <a:endParaRPr lang="en-US" sz="1200" kern="100" dirty="0">
+                        <a:effectLst/>
+                        <a:latin typeface="Aptos" panose="020B0004020202020204" pitchFamily="34" charset="0"/>
+                        <a:ea typeface="Aptos" panose="020B0004020202020204" pitchFamily="34" charset="0"/>
+                        <a:cs typeface="Arial" panose="020B0604020202020204" pitchFamily="34" charset="0"/>
+                      </a:endParaRPr>
+                    </a:p>
+                  </a:txBody>
+                  <a:tcPr marL="68580" marR="68580" marT="0" marB="0"/>
+                </a:tc>
+                <a:extLst>
+                  <a:ext uri="{0D108BD9-81ED-4DB2-BD59-A6C34878D82A}">
+                    <a16:rowId xmlns:a16="http://schemas.microsoft.com/office/drawing/2014/main" val="2418176968"/>
+                  </a:ext>
+                </a:extLst>
+              </a:tr>
+              <a:tr h="198184">
+                <a:tc>
+                  <a:txBody>
+                    <a:bodyPr/>
+                    <a:lstStyle/>
+                    <a:p>
+                      <a:pPr marL="0" marR="0" algn="r" rtl="1">
+                        <a:lnSpc>
+                          <a:spcPct val="115000"/>
+                        </a:lnSpc>
+                        <a:spcAft>
+                          <a:spcPts val="800"/>
+                        </a:spcAft>
+                        <a:buNone/>
+                      </a:pPr>
+                      <a:r>
+                        <a:rPr lang="en-US" sz="1200" kern="100">
+                          <a:effectLst/>
+                        </a:rPr>
+                        <a:t>STU_NUM</a:t>
+                      </a:r>
+                      <a:endParaRPr lang="en-US" sz="1200" kern="100">
+                        <a:effectLst/>
+                        <a:latin typeface="Aptos" panose="020B0004020202020204" pitchFamily="34" charset="0"/>
+                        <a:ea typeface="Aptos" panose="020B0004020202020204" pitchFamily="34" charset="0"/>
+                        <a:cs typeface="Arial" panose="020B0604020202020204" pitchFamily="34" charset="0"/>
+                      </a:endParaRPr>
+                    </a:p>
+                  </a:txBody>
+                  <a:tcPr marL="68580" marR="68580" marT="0" marB="0"/>
+                </a:tc>
+                <a:tc>
+                  <a:txBody>
+                    <a:bodyPr/>
+                    <a:lstStyle/>
+                    <a:p>
+                      <a:pPr marL="0" marR="0" algn="r" rtl="1">
+                        <a:lnSpc>
+                          <a:spcPct val="115000"/>
+                        </a:lnSpc>
+                        <a:spcAft>
+                          <a:spcPts val="800"/>
+                        </a:spcAft>
+                        <a:buNone/>
+                      </a:pPr>
+                      <a:r>
+                        <a:rPr lang="ar-SA" sz="1200" kern="100">
+                          <a:effectLst/>
+                        </a:rPr>
+                        <a:t>کلید اصلی</a:t>
+                      </a:r>
+                      <a:r>
+                        <a:rPr lang="en-US" sz="1200" kern="100">
+                          <a:effectLst/>
+                        </a:rPr>
+                        <a:t> (Primary Key) – </a:t>
+                      </a:r>
+                      <a:r>
+                        <a:rPr lang="ar-SA" sz="1200" kern="100">
+                          <a:effectLst/>
+                        </a:rPr>
+                        <a:t>شماره دانشجو</a:t>
+                      </a:r>
+                      <a:endParaRPr lang="en-US" sz="1200" kern="100">
+                        <a:effectLst/>
+                        <a:latin typeface="Aptos" panose="020B0004020202020204" pitchFamily="34" charset="0"/>
+                        <a:ea typeface="Aptos" panose="020B0004020202020204" pitchFamily="34" charset="0"/>
+                        <a:cs typeface="Arial" panose="020B0604020202020204" pitchFamily="34" charset="0"/>
+                      </a:endParaRPr>
+                    </a:p>
+                  </a:txBody>
+                  <a:tcPr marL="68580" marR="68580" marT="0" marB="0"/>
+                </a:tc>
+                <a:extLst>
+                  <a:ext uri="{0D108BD9-81ED-4DB2-BD59-A6C34878D82A}">
+                    <a16:rowId xmlns:a16="http://schemas.microsoft.com/office/drawing/2014/main" val="1692921860"/>
+                  </a:ext>
+                </a:extLst>
+              </a:tr>
+              <a:tr h="198184">
+                <a:tc>
+                  <a:txBody>
+                    <a:bodyPr/>
+                    <a:lstStyle/>
+                    <a:p>
+                      <a:pPr marL="0" marR="0" algn="r" rtl="1">
+                        <a:lnSpc>
+                          <a:spcPct val="115000"/>
+                        </a:lnSpc>
+                        <a:spcAft>
+                          <a:spcPts val="800"/>
+                        </a:spcAft>
+                        <a:buNone/>
+                      </a:pPr>
+                      <a:r>
+                        <a:rPr lang="en-US" sz="1200" kern="100">
+                          <a:effectLst/>
+                        </a:rPr>
+                        <a:t>STU_LNAME</a:t>
+                      </a:r>
+                      <a:endParaRPr lang="en-US" sz="1200" kern="100">
+                        <a:effectLst/>
+                        <a:latin typeface="Aptos" panose="020B0004020202020204" pitchFamily="34" charset="0"/>
+                        <a:ea typeface="Aptos" panose="020B0004020202020204" pitchFamily="34" charset="0"/>
+                        <a:cs typeface="Arial" panose="020B0604020202020204" pitchFamily="34" charset="0"/>
+                      </a:endParaRPr>
+                    </a:p>
+                  </a:txBody>
+                  <a:tcPr marL="68580" marR="68580" marT="0" marB="0"/>
+                </a:tc>
+                <a:tc>
+                  <a:txBody>
+                    <a:bodyPr/>
+                    <a:lstStyle/>
+                    <a:p>
+                      <a:pPr marL="0" marR="0" algn="r" rtl="1">
+                        <a:lnSpc>
+                          <a:spcPct val="115000"/>
+                        </a:lnSpc>
+                        <a:spcAft>
+                          <a:spcPts val="800"/>
+                        </a:spcAft>
+                        <a:buNone/>
+                      </a:pPr>
+                      <a:r>
+                        <a:rPr lang="ar-SA" sz="1200" kern="100" dirty="0">
+                          <a:effectLst/>
+                        </a:rPr>
+                        <a:t>نام خانوادگی دانشجو</a:t>
+                      </a:r>
+                      <a:endParaRPr lang="en-US" sz="1200" kern="100" dirty="0">
+                        <a:effectLst/>
+                        <a:latin typeface="Aptos" panose="020B0004020202020204" pitchFamily="34" charset="0"/>
+                        <a:ea typeface="Aptos" panose="020B0004020202020204" pitchFamily="34" charset="0"/>
+                        <a:cs typeface="Arial" panose="020B0604020202020204" pitchFamily="34" charset="0"/>
+                      </a:endParaRPr>
+                    </a:p>
+                  </a:txBody>
+                  <a:tcPr marL="68580" marR="68580" marT="0" marB="0"/>
+                </a:tc>
+                <a:extLst>
+                  <a:ext uri="{0D108BD9-81ED-4DB2-BD59-A6C34878D82A}">
+                    <a16:rowId xmlns:a16="http://schemas.microsoft.com/office/drawing/2014/main" val="4192705489"/>
+                  </a:ext>
+                </a:extLst>
+              </a:tr>
+            </a:tbl>
+          </a:graphicData>
+        </a:graphic>
+      </p:graphicFrame>
+      <p:sp>
+        <p:nvSpPr>
+          <p:cNvPr id="17" name="Rectangle 7">
+            <a:extLst>
+              <a:ext uri="{FF2B5EF4-FFF2-40B4-BE49-F238E27FC236}">
+                <a16:creationId xmlns:a16="http://schemas.microsoft.com/office/drawing/2014/main" id="{FA43E6A9-3FA6-DA05-8CC8-1F9EFEE28220}"/>
+              </a:ext>
+            </a:extLst>
+          </p:cNvPr>
+          <p:cNvSpPr>
+            <a:spLocks noChangeArrowheads="1"/>
+          </p:cNvSpPr>
+          <p:nvPr/>
+        </p:nvSpPr>
+        <p:spPr bwMode="auto">
+          <a:xfrm>
+            <a:off x="3027942" y="478815"/>
+            <a:ext cx="3809055" cy="461665"/>
+          </a:xfrm>
+          <a:prstGeom prst="rect">
+            <a:avLst/>
+          </a:prstGeom>
+          <a:noFill/>
+          <a:ln>
+            <a:noFill/>
+          </a:ln>
+          <a:effectLst/>
+          <a:extLst>
+            <a:ext uri="{909E8E84-426E-40DD-AFC4-6F175D3DCCD1}">
+              <a14:hiddenFill xmlns:a14="http://schemas.microsoft.com/office/drawing/2010/main">
+                <a:solidFill>
+                  <a:schemeClr val="accent1"/>
+                </a:solidFill>
+              </a14:hiddenFill>
+            </a:ext>
+            <a:ext uri="{91240B29-F687-4F45-9708-019B960494DF}">
+              <a14:hiddenLine xmlns:a14="http://schemas.microsoft.com/office/drawing/2010/main" w="9525">
+                <a:solidFill>
+                  <a:schemeClr val="tx1"/>
+                </a:solidFill>
+                <a:miter lim="800000"/>
+                <a:headEnd/>
+                <a:tailEnd/>
+              </a14:hiddenLine>
+            </a:ext>
+            <a:ext uri="{AF507438-7753-43E0-B8FC-AC1667EBCBE1}">
+              <a14:hiddenEffects xmlns:a14="http://schemas.microsoft.com/office/drawing/2010/main">
+                <a:effectLst>
+                  <a:outerShdw dist="35921" dir="2700000" algn="ctr" rotWithShape="0">
+                    <a:schemeClr val="bg2"/>
+                  </a:outerShdw>
+                </a:effectLst>
+              </a14:hiddenEffects>
+            </a:ext>
+          </a:extLst>
+        </p:spPr>
+        <p:txBody>
+          <a:bodyPr vert="horz" wrap="none" lIns="91440" tIns="45720" rIns="91440" bIns="45720" numCol="1" anchor="ctr" anchorCtr="0" compatLnSpc="1">
+            <a:prstTxWarp prst="textNoShape">
+              <a:avLst/>
+            </a:prstTxWarp>
+            <a:spAutoFit/>
+          </a:bodyPr>
+          <a:lstStyle/>
+          <a:p>
+            <a:pPr marL="0" marR="0" lvl="0" indent="0" algn="r" defTabSz="914400" rtl="1" eaLnBrk="0" fontAlgn="base" latinLnBrk="0" hangingPunct="0">
+              <a:lnSpc>
+                <a:spcPct val="100000"/>
+              </a:lnSpc>
+              <a:spcBef>
+                <a:spcPct val="0"/>
+              </a:spcBef>
+              <a:spcAft>
+                <a:spcPct val="0"/>
+              </a:spcAft>
+              <a:buClrTx/>
+              <a:buSzTx/>
+              <a:buFontTx/>
+              <a:buNone/>
+              <a:tabLst/>
+            </a:pPr>
+            <a:r>
+              <a:rPr kumimoji="0" lang="ar-SA" altLang="en-US" sz="1200" b="1" i="0" u="none" strike="noStrike" cap="none" normalizeH="0" baseline="0" dirty="0">
+                <a:ln>
+                  <a:noFill/>
+                </a:ln>
+                <a:solidFill>
+                  <a:schemeClr val="tx1"/>
+                </a:solidFill>
+                <a:effectLst/>
+                <a:latin typeface="Arial" panose="020B0604020202020204" pitchFamily="34" charset="0"/>
+                <a:ea typeface="Aptos" panose="020B0004020202020204" pitchFamily="34" charset="0"/>
+                <a:cs typeface="B Nazanin" panose="00000400000000000000" pitchFamily="2" charset="-78"/>
+              </a:rPr>
+              <a:t>جدول</a:t>
+            </a:r>
+            <a:r>
+              <a:rPr kumimoji="0" lang="en-US" altLang="en-US" sz="1200" b="1" i="0" u="none" strike="noStrike" cap="none" normalizeH="0" baseline="0" dirty="0">
+                <a:ln>
+                  <a:noFill/>
+                </a:ln>
+                <a:solidFill>
+                  <a:schemeClr val="tx1"/>
+                </a:solidFill>
+                <a:effectLst/>
+                <a:latin typeface="Aptos" panose="020B0004020202020204" pitchFamily="34" charset="0"/>
+                <a:ea typeface="Aptos" panose="020B0004020202020204" pitchFamily="34" charset="0"/>
+                <a:cs typeface="B Nazanin" panose="00000400000000000000" pitchFamily="2" charset="-78"/>
+              </a:rPr>
+              <a:t> STUDENT</a:t>
+            </a:r>
+            <a:endParaRPr kumimoji="0" lang="en-US" altLang="en-US" sz="400" b="0" i="0" u="none" strike="noStrike" cap="none" normalizeH="0" baseline="0" dirty="0">
+              <a:ln>
+                <a:noFill/>
+              </a:ln>
+              <a:solidFill>
+                <a:schemeClr val="tx1"/>
+              </a:solidFill>
+              <a:effectLst/>
+              <a:cs typeface="B Nazanin" panose="00000400000000000000" pitchFamily="2" charset="-78"/>
+            </a:endParaRPr>
+          </a:p>
+          <a:p>
+            <a:pPr marL="0" marR="0" lvl="0" indent="0" algn="r" defTabSz="914400" rtl="1" eaLnBrk="0" fontAlgn="base" latinLnBrk="0" hangingPunct="0">
+              <a:lnSpc>
+                <a:spcPct val="100000"/>
+              </a:lnSpc>
+              <a:spcBef>
+                <a:spcPct val="0"/>
+              </a:spcBef>
+              <a:spcAft>
+                <a:spcPct val="0"/>
+              </a:spcAft>
+              <a:buClrTx/>
+              <a:buSzTx/>
+              <a:buFontTx/>
+              <a:buNone/>
+              <a:tabLst/>
+            </a:pPr>
+            <a:r>
+              <a:rPr kumimoji="0" lang="ar-SA" altLang="en-US" sz="1200" b="1" i="0" u="none" strike="noStrike" cap="none" normalizeH="0" baseline="0" dirty="0">
+                <a:ln>
+                  <a:noFill/>
+                </a:ln>
+                <a:solidFill>
+                  <a:schemeClr val="tx1"/>
+                </a:solidFill>
+                <a:effectLst/>
+                <a:latin typeface="Arial" panose="020B0604020202020204" pitchFamily="34" charset="0"/>
+                <a:ea typeface="Aptos" panose="020B0004020202020204" pitchFamily="34" charset="0"/>
+                <a:cs typeface="B Nazanin" panose="00000400000000000000" pitchFamily="2" charset="-78"/>
+              </a:rPr>
+              <a:t>هیچ</a:t>
+            </a:r>
+            <a:r>
+              <a:rPr kumimoji="0" lang="ar-SA" altLang="en-US" sz="1200" b="1" i="0" u="none" strike="noStrike" cap="none" normalizeH="0" baseline="0" dirty="0">
+                <a:ln>
+                  <a:noFill/>
+                </a:ln>
+                <a:solidFill>
+                  <a:schemeClr val="tx1"/>
+                </a:solidFill>
+                <a:effectLst/>
+                <a:latin typeface="Aptos" panose="020B0004020202020204" pitchFamily="34" charset="0"/>
+                <a:ea typeface="Aptos" panose="020B0004020202020204" pitchFamily="34" charset="0"/>
+                <a:cs typeface="B Nazanin" panose="00000400000000000000" pitchFamily="2" charset="-78"/>
+              </a:rPr>
+              <a:t> </a:t>
+            </a:r>
+            <a:r>
+              <a:rPr kumimoji="0" lang="ar-SA" altLang="en-US" sz="1200" b="1" i="0" u="none" strike="noStrike" cap="none" normalizeH="0" baseline="0" dirty="0">
+                <a:ln>
+                  <a:noFill/>
+                </a:ln>
+                <a:solidFill>
+                  <a:schemeClr val="tx1"/>
+                </a:solidFill>
+                <a:effectLst/>
+                <a:latin typeface="Arial" panose="020B0604020202020204" pitchFamily="34" charset="0"/>
+                <a:ea typeface="Aptos" panose="020B0004020202020204" pitchFamily="34" charset="0"/>
+                <a:cs typeface="B Nazanin" panose="00000400000000000000" pitchFamily="2" charset="-78"/>
+              </a:rPr>
+              <a:t>کلید</a:t>
+            </a:r>
+            <a:r>
+              <a:rPr kumimoji="0" lang="ar-SA" altLang="en-US" sz="1200" b="1" i="0" u="none" strike="noStrike" cap="none" normalizeH="0" baseline="0" dirty="0">
+                <a:ln>
+                  <a:noFill/>
+                </a:ln>
+                <a:solidFill>
+                  <a:schemeClr val="tx1"/>
+                </a:solidFill>
+                <a:effectLst/>
+                <a:latin typeface="Aptos" panose="020B0004020202020204" pitchFamily="34" charset="0"/>
+                <a:ea typeface="Aptos" panose="020B0004020202020204" pitchFamily="34" charset="0"/>
+                <a:cs typeface="B Nazanin" panose="00000400000000000000" pitchFamily="2" charset="-78"/>
+              </a:rPr>
+              <a:t> </a:t>
+            </a:r>
+            <a:r>
+              <a:rPr kumimoji="0" lang="ar-SA" altLang="en-US" sz="1200" b="1" i="0" u="none" strike="noStrike" cap="none" normalizeH="0" baseline="0" dirty="0">
+                <a:ln>
+                  <a:noFill/>
+                </a:ln>
+                <a:solidFill>
+                  <a:schemeClr val="tx1"/>
+                </a:solidFill>
+                <a:effectLst/>
+                <a:latin typeface="Arial" panose="020B0604020202020204" pitchFamily="34" charset="0"/>
+                <a:ea typeface="Aptos" panose="020B0004020202020204" pitchFamily="34" charset="0"/>
+                <a:cs typeface="B Nazanin" panose="00000400000000000000" pitchFamily="2" charset="-78"/>
+              </a:rPr>
+              <a:t>خارجی</a:t>
+            </a:r>
+            <a:r>
+              <a:rPr kumimoji="0" lang="ar-SA" altLang="en-US" sz="1200" b="1" i="0" u="none" strike="noStrike" cap="none" normalizeH="0" baseline="0" dirty="0">
+                <a:ln>
+                  <a:noFill/>
+                </a:ln>
+                <a:solidFill>
+                  <a:schemeClr val="tx1"/>
+                </a:solidFill>
+                <a:effectLst/>
+                <a:latin typeface="Aptos" panose="020B0004020202020204" pitchFamily="34" charset="0"/>
+                <a:ea typeface="Aptos" panose="020B0004020202020204" pitchFamily="34" charset="0"/>
+                <a:cs typeface="B Nazanin" panose="00000400000000000000" pitchFamily="2" charset="-78"/>
+              </a:rPr>
+              <a:t> </a:t>
+            </a:r>
+            <a:r>
+              <a:rPr kumimoji="0" lang="ar-SA" altLang="en-US" sz="1200" b="1" i="0" u="none" strike="noStrike" cap="none" normalizeH="0" baseline="0" dirty="0">
+                <a:ln>
+                  <a:noFill/>
+                </a:ln>
+                <a:solidFill>
+                  <a:schemeClr val="tx1"/>
+                </a:solidFill>
+                <a:effectLst/>
+                <a:latin typeface="Arial" panose="020B0604020202020204" pitchFamily="34" charset="0"/>
+                <a:ea typeface="Aptos" panose="020B0004020202020204" pitchFamily="34" charset="0"/>
+                <a:cs typeface="B Nazanin" panose="00000400000000000000" pitchFamily="2" charset="-78"/>
+              </a:rPr>
+              <a:t>در</a:t>
+            </a:r>
+            <a:r>
+              <a:rPr kumimoji="0" lang="ar-SA" altLang="en-US" sz="1200" b="1" i="0" u="none" strike="noStrike" cap="none" normalizeH="0" baseline="0" dirty="0">
+                <a:ln>
+                  <a:noFill/>
+                </a:ln>
+                <a:solidFill>
+                  <a:schemeClr val="tx1"/>
+                </a:solidFill>
+                <a:effectLst/>
+                <a:latin typeface="Aptos" panose="020B0004020202020204" pitchFamily="34" charset="0"/>
+                <a:ea typeface="Aptos" panose="020B0004020202020204" pitchFamily="34" charset="0"/>
+                <a:cs typeface="B Nazanin" panose="00000400000000000000" pitchFamily="2" charset="-78"/>
+              </a:rPr>
+              <a:t> </a:t>
+            </a:r>
+            <a:r>
+              <a:rPr kumimoji="0" lang="ar-SA" altLang="en-US" sz="1200" b="1" i="0" u="none" strike="noStrike" cap="none" normalizeH="0" baseline="0" dirty="0">
+                <a:ln>
+                  <a:noFill/>
+                </a:ln>
+                <a:solidFill>
+                  <a:schemeClr val="tx1"/>
+                </a:solidFill>
+                <a:effectLst/>
+                <a:latin typeface="Arial" panose="020B0604020202020204" pitchFamily="34" charset="0"/>
+                <a:ea typeface="Aptos" panose="020B0004020202020204" pitchFamily="34" charset="0"/>
+                <a:cs typeface="B Nazanin" panose="00000400000000000000" pitchFamily="2" charset="-78"/>
+              </a:rPr>
+              <a:t>این</a:t>
+            </a:r>
+            <a:r>
+              <a:rPr kumimoji="0" lang="ar-SA" altLang="en-US" sz="1200" b="1" i="0" u="none" strike="noStrike" cap="none" normalizeH="0" baseline="0" dirty="0">
+                <a:ln>
+                  <a:noFill/>
+                </a:ln>
+                <a:solidFill>
+                  <a:schemeClr val="tx1"/>
+                </a:solidFill>
+                <a:effectLst/>
+                <a:latin typeface="Aptos" panose="020B0004020202020204" pitchFamily="34" charset="0"/>
+                <a:ea typeface="Aptos" panose="020B0004020202020204" pitchFamily="34" charset="0"/>
+                <a:cs typeface="B Nazanin" panose="00000400000000000000" pitchFamily="2" charset="-78"/>
+              </a:rPr>
+              <a:t> </a:t>
+            </a:r>
+            <a:r>
+              <a:rPr kumimoji="0" lang="ar-SA" altLang="en-US" sz="1200" b="1" i="0" u="none" strike="noStrike" cap="none" normalizeH="0" baseline="0" dirty="0">
+                <a:ln>
+                  <a:noFill/>
+                </a:ln>
+                <a:solidFill>
+                  <a:schemeClr val="tx1"/>
+                </a:solidFill>
+                <a:effectLst/>
+                <a:latin typeface="Arial" panose="020B0604020202020204" pitchFamily="34" charset="0"/>
+                <a:ea typeface="Aptos" panose="020B0004020202020204" pitchFamily="34" charset="0"/>
+                <a:cs typeface="B Nazanin" panose="00000400000000000000" pitchFamily="2" charset="-78"/>
+              </a:rPr>
+              <a:t>جدول</a:t>
+            </a:r>
+            <a:r>
+              <a:rPr kumimoji="0" lang="ar-SA" altLang="en-US" sz="1200" b="1" i="0" u="none" strike="noStrike" cap="none" normalizeH="0" baseline="0" dirty="0">
+                <a:ln>
+                  <a:noFill/>
+                </a:ln>
+                <a:solidFill>
+                  <a:schemeClr val="tx1"/>
+                </a:solidFill>
+                <a:effectLst/>
+                <a:latin typeface="Aptos" panose="020B0004020202020204" pitchFamily="34" charset="0"/>
+                <a:ea typeface="Aptos" panose="020B0004020202020204" pitchFamily="34" charset="0"/>
+                <a:cs typeface="B Nazanin" panose="00000400000000000000" pitchFamily="2" charset="-78"/>
+              </a:rPr>
+              <a:t> </a:t>
+            </a:r>
+            <a:r>
+              <a:rPr kumimoji="0" lang="ar-SA" altLang="en-US" sz="1200" b="1" i="0" u="none" strike="noStrike" cap="none" normalizeH="0" baseline="0" dirty="0">
+                <a:ln>
+                  <a:noFill/>
+                </a:ln>
+                <a:solidFill>
+                  <a:schemeClr val="tx1"/>
+                </a:solidFill>
+                <a:effectLst/>
+                <a:latin typeface="Arial" panose="020B0604020202020204" pitchFamily="34" charset="0"/>
+                <a:ea typeface="Aptos" panose="020B0004020202020204" pitchFamily="34" charset="0"/>
+                <a:cs typeface="B Nazanin" panose="00000400000000000000" pitchFamily="2" charset="-78"/>
+              </a:rPr>
+              <a:t>وجود</a:t>
+            </a:r>
+            <a:r>
+              <a:rPr kumimoji="0" lang="ar-SA" altLang="en-US" sz="1200" b="1" i="0" u="none" strike="noStrike" cap="none" normalizeH="0" baseline="0" dirty="0">
+                <a:ln>
+                  <a:noFill/>
+                </a:ln>
+                <a:solidFill>
+                  <a:schemeClr val="tx1"/>
+                </a:solidFill>
+                <a:effectLst/>
+                <a:latin typeface="Aptos" panose="020B0004020202020204" pitchFamily="34" charset="0"/>
+                <a:ea typeface="Aptos" panose="020B0004020202020204" pitchFamily="34" charset="0"/>
+                <a:cs typeface="B Nazanin" panose="00000400000000000000" pitchFamily="2" charset="-78"/>
+              </a:rPr>
+              <a:t> </a:t>
+            </a:r>
+            <a:r>
+              <a:rPr kumimoji="0" lang="ar-SA" altLang="en-US" sz="1200" b="1" i="0" u="none" strike="noStrike" cap="none" normalizeH="0" baseline="0" dirty="0">
+                <a:ln>
+                  <a:noFill/>
+                </a:ln>
+                <a:solidFill>
+                  <a:schemeClr val="tx1"/>
+                </a:solidFill>
+                <a:effectLst/>
+                <a:latin typeface="Arial" panose="020B0604020202020204" pitchFamily="34" charset="0"/>
+                <a:ea typeface="Aptos" panose="020B0004020202020204" pitchFamily="34" charset="0"/>
+                <a:cs typeface="B Nazanin" panose="00000400000000000000" pitchFamily="2" charset="-78"/>
+              </a:rPr>
+              <a:t>ندارد</a:t>
+            </a:r>
+            <a:r>
+              <a:rPr kumimoji="0" lang="ar-SA" altLang="en-US" sz="1200" b="1" i="0" u="none" strike="noStrike" cap="none" normalizeH="0" baseline="0" dirty="0">
+                <a:ln>
+                  <a:noFill/>
+                </a:ln>
+                <a:solidFill>
+                  <a:schemeClr val="tx1"/>
+                </a:solidFill>
+                <a:effectLst/>
+                <a:latin typeface="Aptos" panose="020B0004020202020204" pitchFamily="34" charset="0"/>
+                <a:ea typeface="Aptos" panose="020B0004020202020204" pitchFamily="34" charset="0"/>
+                <a:cs typeface="B Nazanin" panose="00000400000000000000" pitchFamily="2" charset="-78"/>
+              </a:rPr>
+              <a:t> </a:t>
+            </a:r>
+            <a:r>
+              <a:rPr kumimoji="0" lang="ar-SA" altLang="en-US" sz="1200" b="1" i="0" u="none" strike="noStrike" cap="none" normalizeH="0" baseline="0" dirty="0">
+                <a:ln>
+                  <a:noFill/>
+                </a:ln>
+                <a:solidFill>
+                  <a:schemeClr val="tx1"/>
+                </a:solidFill>
+                <a:effectLst/>
+                <a:latin typeface="Arial" panose="020B0604020202020204" pitchFamily="34" charset="0"/>
+                <a:ea typeface="Aptos" panose="020B0004020202020204" pitchFamily="34" charset="0"/>
+                <a:cs typeface="B Nazanin" panose="00000400000000000000" pitchFamily="2" charset="-78"/>
+              </a:rPr>
+              <a:t>چون</a:t>
+            </a:r>
+            <a:r>
+              <a:rPr kumimoji="0" lang="ar-SA" altLang="en-US" sz="1200" b="1" i="0" u="none" strike="noStrike" cap="none" normalizeH="0" baseline="0" dirty="0">
+                <a:ln>
+                  <a:noFill/>
+                </a:ln>
+                <a:solidFill>
+                  <a:schemeClr val="tx1"/>
+                </a:solidFill>
+                <a:effectLst/>
+                <a:latin typeface="Aptos" panose="020B0004020202020204" pitchFamily="34" charset="0"/>
+                <a:ea typeface="Aptos" panose="020B0004020202020204" pitchFamily="34" charset="0"/>
+                <a:cs typeface="B Nazanin" panose="00000400000000000000" pitchFamily="2" charset="-78"/>
+              </a:rPr>
+              <a:t> </a:t>
+            </a:r>
+            <a:r>
+              <a:rPr kumimoji="0" lang="ar-SA" altLang="en-US" sz="1200" b="1" i="0" u="none" strike="noStrike" cap="none" normalizeH="0" baseline="0" dirty="0">
+                <a:ln>
+                  <a:noFill/>
+                </a:ln>
+                <a:solidFill>
+                  <a:schemeClr val="tx1"/>
+                </a:solidFill>
+                <a:effectLst/>
+                <a:latin typeface="Arial" panose="020B0604020202020204" pitchFamily="34" charset="0"/>
+                <a:ea typeface="Aptos" panose="020B0004020202020204" pitchFamily="34" charset="0"/>
+                <a:cs typeface="B Nazanin" panose="00000400000000000000" pitchFamily="2" charset="-78"/>
+              </a:rPr>
+              <a:t>جدول</a:t>
+            </a:r>
+            <a:r>
+              <a:rPr kumimoji="0" lang="ar-SA" altLang="en-US" sz="1200" b="1" i="0" u="none" strike="noStrike" cap="none" normalizeH="0" baseline="0" dirty="0">
+                <a:ln>
+                  <a:noFill/>
+                </a:ln>
+                <a:solidFill>
+                  <a:schemeClr val="tx1"/>
+                </a:solidFill>
+                <a:effectLst/>
+                <a:latin typeface="Aptos" panose="020B0004020202020204" pitchFamily="34" charset="0"/>
+                <a:ea typeface="Aptos" panose="020B0004020202020204" pitchFamily="34" charset="0"/>
+                <a:cs typeface="B Nazanin" panose="00000400000000000000" pitchFamily="2" charset="-78"/>
+              </a:rPr>
+              <a:t> </a:t>
+            </a:r>
+            <a:r>
+              <a:rPr kumimoji="0" lang="ar-SA" altLang="en-US" sz="1200" b="1" i="0" u="none" strike="noStrike" cap="none" normalizeH="0" baseline="0" dirty="0">
+                <a:ln>
+                  <a:noFill/>
+                </a:ln>
+                <a:solidFill>
+                  <a:schemeClr val="tx1"/>
+                </a:solidFill>
+                <a:effectLst/>
+                <a:latin typeface="Arial" panose="020B0604020202020204" pitchFamily="34" charset="0"/>
+                <a:ea typeface="Aptos" panose="020B0004020202020204" pitchFamily="34" charset="0"/>
+                <a:cs typeface="B Nazanin" panose="00000400000000000000" pitchFamily="2" charset="-78"/>
+              </a:rPr>
+              <a:t>مستقل</a:t>
+            </a:r>
+            <a:r>
+              <a:rPr kumimoji="0" lang="ar-SA" altLang="en-US" sz="1200" b="1" i="0" u="none" strike="noStrike" cap="none" normalizeH="0" baseline="0" dirty="0">
+                <a:ln>
+                  <a:noFill/>
+                </a:ln>
+                <a:solidFill>
+                  <a:schemeClr val="tx1"/>
+                </a:solidFill>
+                <a:effectLst/>
+                <a:latin typeface="Aptos" panose="020B0004020202020204" pitchFamily="34" charset="0"/>
+                <a:ea typeface="Aptos" panose="020B0004020202020204" pitchFamily="34" charset="0"/>
+                <a:cs typeface="B Nazanin" panose="00000400000000000000" pitchFamily="2" charset="-78"/>
+              </a:rPr>
+              <a:t> </a:t>
+            </a:r>
+            <a:r>
+              <a:rPr kumimoji="0" lang="ar-SA" altLang="en-US" sz="1200" b="1" i="0" u="none" strike="noStrike" cap="none" normalizeH="0" baseline="0" dirty="0">
+                <a:ln>
+                  <a:noFill/>
+                </a:ln>
+                <a:solidFill>
+                  <a:schemeClr val="tx1"/>
+                </a:solidFill>
+                <a:effectLst/>
+                <a:latin typeface="Arial" panose="020B0604020202020204" pitchFamily="34" charset="0"/>
+                <a:ea typeface="Aptos" panose="020B0004020202020204" pitchFamily="34" charset="0"/>
+                <a:cs typeface="B Nazanin" panose="00000400000000000000" pitchFamily="2" charset="-78"/>
+              </a:rPr>
+              <a:t>است</a:t>
+            </a:r>
+            <a:r>
+              <a:rPr kumimoji="0" lang="en-US" altLang="en-US" sz="1200" b="1" i="0" u="none" strike="noStrike" cap="none" normalizeH="0" baseline="0" dirty="0">
+                <a:ln>
+                  <a:noFill/>
+                </a:ln>
+                <a:solidFill>
+                  <a:schemeClr val="tx1"/>
+                </a:solidFill>
+                <a:effectLst/>
+                <a:latin typeface="Aptos" panose="020B0004020202020204" pitchFamily="34" charset="0"/>
+                <a:ea typeface="Aptos" panose="020B0004020202020204" pitchFamily="34" charset="0"/>
+                <a:cs typeface="B Nazanin" panose="00000400000000000000" pitchFamily="2" charset="-78"/>
+              </a:rPr>
+              <a:t>.</a:t>
+            </a:r>
+            <a:endParaRPr kumimoji="0" lang="en-US" altLang="en-US" sz="1800" b="0" i="0" u="none" strike="noStrike" cap="none" normalizeH="0" baseline="0" dirty="0">
+              <a:ln>
+                <a:noFill/>
+              </a:ln>
+              <a:solidFill>
+                <a:schemeClr val="tx1"/>
+              </a:solidFill>
+              <a:effectLst/>
+              <a:latin typeface="Arial" panose="020B0604020202020204" pitchFamily="34" charset="0"/>
+              <a:cs typeface="B Nazanin" panose="00000400000000000000" pitchFamily="2" charset="-78"/>
+            </a:endParaRPr>
+          </a:p>
+        </p:txBody>
+      </p:sp>
+      <p:graphicFrame>
+        <p:nvGraphicFramePr>
+          <p:cNvPr id="18" name="Table 17">
+            <a:extLst>
+              <a:ext uri="{FF2B5EF4-FFF2-40B4-BE49-F238E27FC236}">
+                <a16:creationId xmlns:a16="http://schemas.microsoft.com/office/drawing/2014/main" id="{38CB5A5F-949A-4895-8EB6-D585F3146A77}"/>
+              </a:ext>
+            </a:extLst>
+          </p:cNvPr>
+          <p:cNvGraphicFramePr>
+            <a:graphicFrameLocks noGrp="1"/>
+          </p:cNvGraphicFramePr>
+          <p:nvPr>
+            <p:extLst>
+              <p:ext uri="{D42A27DB-BD31-4B8C-83A1-F6EECF244321}">
+                <p14:modId xmlns:p14="http://schemas.microsoft.com/office/powerpoint/2010/main" val="1442397143"/>
+              </p:ext>
+            </p:extLst>
+          </p:nvPr>
+        </p:nvGraphicFramePr>
+        <p:xfrm>
+          <a:off x="203994" y="2402355"/>
+          <a:ext cx="6379686" cy="805053"/>
+        </p:xfrm>
+        <a:graphic>
+          <a:graphicData uri="http://schemas.openxmlformats.org/drawingml/2006/table">
+            <a:tbl>
+              <a:tblPr firstRow="1" firstCol="1" bandRow="1">
+                <a:tableStyleId>{9B39535F-9996-43B5-9DEC-D57096B5976E}</a:tableStyleId>
+              </a:tblPr>
+              <a:tblGrid>
+                <a:gridCol w="3225006">
+                  <a:extLst>
+                    <a:ext uri="{9D8B030D-6E8A-4147-A177-3AD203B41FA5}">
+                      <a16:colId xmlns:a16="http://schemas.microsoft.com/office/drawing/2014/main" val="1652151924"/>
+                    </a:ext>
+                  </a:extLst>
+                </a:gridCol>
+                <a:gridCol w="3154680">
+                  <a:extLst>
+                    <a:ext uri="{9D8B030D-6E8A-4147-A177-3AD203B41FA5}">
+                      <a16:colId xmlns:a16="http://schemas.microsoft.com/office/drawing/2014/main" val="2229920480"/>
+                    </a:ext>
+                  </a:extLst>
+                </a:gridCol>
+              </a:tblGrid>
+              <a:tr h="198247">
+                <a:tc>
+                  <a:txBody>
+                    <a:bodyPr/>
+                    <a:lstStyle/>
+                    <a:p>
+                      <a:pPr marL="0" marR="0" algn="r" rtl="1">
+                        <a:lnSpc>
+                          <a:spcPct val="115000"/>
+                        </a:lnSpc>
+                        <a:spcAft>
+                          <a:spcPts val="800"/>
+                        </a:spcAft>
+                        <a:buNone/>
+                      </a:pPr>
+                      <a:r>
+                        <a:rPr lang="ar-SA" sz="1200" kern="100">
+                          <a:effectLst/>
+                        </a:rPr>
+                        <a:t>ستون</a:t>
+                      </a:r>
+                      <a:endParaRPr lang="en-US" sz="1200" kern="100">
+                        <a:effectLst/>
+                        <a:latin typeface="Aptos" panose="020B0004020202020204" pitchFamily="34" charset="0"/>
+                        <a:ea typeface="Aptos" panose="020B0004020202020204" pitchFamily="34" charset="0"/>
+                        <a:cs typeface="Arial" panose="020B0604020202020204" pitchFamily="34" charset="0"/>
+                      </a:endParaRPr>
+                    </a:p>
+                  </a:txBody>
+                  <a:tcPr marL="68580" marR="68580" marT="0" marB="0"/>
+                </a:tc>
+                <a:tc>
+                  <a:txBody>
+                    <a:bodyPr/>
+                    <a:lstStyle/>
+                    <a:p>
+                      <a:pPr marL="0" marR="0" algn="r" rtl="1">
+                        <a:lnSpc>
+                          <a:spcPct val="115000"/>
+                        </a:lnSpc>
+                        <a:spcAft>
+                          <a:spcPts val="800"/>
+                        </a:spcAft>
+                        <a:buNone/>
+                      </a:pPr>
+                      <a:r>
+                        <a:rPr lang="ar-SA" sz="1200" kern="100" dirty="0">
+                          <a:effectLst/>
+                        </a:rPr>
+                        <a:t>توضیح</a:t>
+                      </a:r>
+                      <a:endParaRPr lang="en-US" sz="1200" kern="100" dirty="0">
+                        <a:effectLst/>
+                        <a:latin typeface="Aptos" panose="020B0004020202020204" pitchFamily="34" charset="0"/>
+                        <a:ea typeface="Aptos" panose="020B0004020202020204" pitchFamily="34" charset="0"/>
+                        <a:cs typeface="Arial" panose="020B0604020202020204" pitchFamily="34" charset="0"/>
+                      </a:endParaRPr>
+                    </a:p>
+                  </a:txBody>
+                  <a:tcPr marL="68580" marR="68580" marT="0" marB="0"/>
+                </a:tc>
+                <a:extLst>
+                  <a:ext uri="{0D108BD9-81ED-4DB2-BD59-A6C34878D82A}">
+                    <a16:rowId xmlns:a16="http://schemas.microsoft.com/office/drawing/2014/main" val="2369571238"/>
+                  </a:ext>
+                </a:extLst>
+              </a:tr>
+              <a:tr h="198184">
+                <a:tc>
+                  <a:txBody>
+                    <a:bodyPr/>
+                    <a:lstStyle/>
+                    <a:p>
+                      <a:pPr marL="0" marR="0" algn="r" rtl="1">
+                        <a:lnSpc>
+                          <a:spcPct val="115000"/>
+                        </a:lnSpc>
+                        <a:spcAft>
+                          <a:spcPts val="800"/>
+                        </a:spcAft>
+                        <a:buNone/>
+                      </a:pPr>
+                      <a:r>
+                        <a:rPr lang="en-US" sz="1200" kern="100" dirty="0">
+                          <a:effectLst/>
+                        </a:rPr>
+                        <a:t>CLASS_CODE</a:t>
+                      </a:r>
+                      <a:endParaRPr lang="en-US" sz="1200" kern="100" dirty="0">
+                        <a:effectLst/>
+                        <a:latin typeface="Aptos" panose="020B0004020202020204" pitchFamily="34" charset="0"/>
+                        <a:ea typeface="Aptos" panose="020B0004020202020204" pitchFamily="34" charset="0"/>
+                        <a:cs typeface="Arial" panose="020B0604020202020204" pitchFamily="34" charset="0"/>
+                      </a:endParaRPr>
+                    </a:p>
+                  </a:txBody>
+                  <a:tcPr marL="68580" marR="68580" marT="0" marB="0"/>
+                </a:tc>
+                <a:tc>
+                  <a:txBody>
+                    <a:bodyPr/>
+                    <a:lstStyle/>
+                    <a:p>
+                      <a:pPr marL="0" marR="0" algn="r" rtl="1">
+                        <a:lnSpc>
+                          <a:spcPct val="115000"/>
+                        </a:lnSpc>
+                        <a:spcAft>
+                          <a:spcPts val="800"/>
+                        </a:spcAft>
+                        <a:buNone/>
+                      </a:pPr>
+                      <a:r>
+                        <a:rPr lang="ar-SA" sz="1200" kern="100">
+                          <a:effectLst/>
+                        </a:rPr>
+                        <a:t>کلید اصلی</a:t>
+                      </a:r>
+                      <a:r>
+                        <a:rPr lang="en-US" sz="1200" kern="100">
+                          <a:effectLst/>
+                        </a:rPr>
+                        <a:t> (Primary Key) – </a:t>
+                      </a:r>
+                      <a:r>
+                        <a:rPr lang="ar-SA" sz="1200" kern="100">
+                          <a:effectLst/>
+                        </a:rPr>
+                        <a:t>کد کلاس</a:t>
+                      </a:r>
+                      <a:endParaRPr lang="en-US" sz="1200" kern="100">
+                        <a:effectLst/>
+                        <a:latin typeface="Aptos" panose="020B0004020202020204" pitchFamily="34" charset="0"/>
+                        <a:ea typeface="Aptos" panose="020B0004020202020204" pitchFamily="34" charset="0"/>
+                        <a:cs typeface="Arial" panose="020B0604020202020204" pitchFamily="34" charset="0"/>
+                      </a:endParaRPr>
+                    </a:p>
+                  </a:txBody>
+                  <a:tcPr marL="68580" marR="68580" marT="0" marB="0"/>
+                </a:tc>
+                <a:extLst>
+                  <a:ext uri="{0D108BD9-81ED-4DB2-BD59-A6C34878D82A}">
+                    <a16:rowId xmlns:a16="http://schemas.microsoft.com/office/drawing/2014/main" val="1682873798"/>
+                  </a:ext>
+                </a:extLst>
+              </a:tr>
+              <a:tr h="408496">
+                <a:tc>
+                  <a:txBody>
+                    <a:bodyPr/>
+                    <a:lstStyle/>
+                    <a:p>
+                      <a:pPr marL="0" marR="0" algn="r" rtl="1">
+                        <a:lnSpc>
+                          <a:spcPct val="115000"/>
+                        </a:lnSpc>
+                        <a:spcAft>
+                          <a:spcPts val="800"/>
+                        </a:spcAft>
+                        <a:buNone/>
+                      </a:pPr>
+                      <a:r>
+                        <a:rPr lang="en-US" sz="1200" kern="100">
+                          <a:effectLst/>
+                        </a:rPr>
+                        <a:t>CRS_CODE</a:t>
+                      </a:r>
+                      <a:endParaRPr lang="en-US" sz="1200" kern="100">
+                        <a:effectLst/>
+                        <a:latin typeface="Aptos" panose="020B0004020202020204" pitchFamily="34" charset="0"/>
+                        <a:ea typeface="Aptos" panose="020B0004020202020204" pitchFamily="34" charset="0"/>
+                        <a:cs typeface="Arial" panose="020B0604020202020204" pitchFamily="34" charset="0"/>
+                      </a:endParaRPr>
+                    </a:p>
+                  </a:txBody>
+                  <a:tcPr marL="68580" marR="68580" marT="0" marB="0"/>
+                </a:tc>
+                <a:tc>
+                  <a:txBody>
+                    <a:bodyPr/>
+                    <a:lstStyle/>
+                    <a:p>
+                      <a:pPr marL="0" marR="0" algn="r" rtl="1">
+                        <a:lnSpc>
+                          <a:spcPct val="115000"/>
+                        </a:lnSpc>
+                        <a:spcAft>
+                          <a:spcPts val="800"/>
+                        </a:spcAft>
+                        <a:buNone/>
+                      </a:pPr>
+                      <a:r>
+                        <a:rPr lang="ar-SA" sz="1200" kern="100" dirty="0">
+                          <a:effectLst/>
+                        </a:rPr>
+                        <a:t>کلید خارجی</a:t>
+                      </a:r>
+                      <a:r>
+                        <a:rPr lang="en-US" sz="1200" kern="100" dirty="0">
+                          <a:effectLst/>
+                        </a:rPr>
+                        <a:t> (Foreign Key) – </a:t>
+                      </a:r>
+                      <a:r>
+                        <a:rPr lang="ar-SA" sz="1200" kern="100" dirty="0">
+                          <a:effectLst/>
+                        </a:rPr>
+                        <a:t>ارتباط با جدول درس یا</a:t>
+                      </a:r>
+                      <a:r>
+                        <a:rPr lang="en-US" sz="1200" kern="100" dirty="0">
+                          <a:effectLst/>
+                        </a:rPr>
+                        <a:t> Course </a:t>
+                      </a:r>
+                      <a:r>
+                        <a:rPr lang="ar-SA" sz="1200" kern="100" dirty="0">
+                          <a:effectLst/>
+                        </a:rPr>
+                        <a:t>که در تصویر کامل نیست</a:t>
+                      </a:r>
+                      <a:endParaRPr lang="en-US" sz="1200" kern="100" dirty="0">
+                        <a:effectLst/>
+                        <a:latin typeface="Aptos" panose="020B0004020202020204" pitchFamily="34" charset="0"/>
+                        <a:ea typeface="Aptos" panose="020B0004020202020204" pitchFamily="34" charset="0"/>
+                        <a:cs typeface="Arial" panose="020B0604020202020204" pitchFamily="34" charset="0"/>
+                      </a:endParaRPr>
+                    </a:p>
+                  </a:txBody>
+                  <a:tcPr marL="68580" marR="68580" marT="0" marB="0"/>
+                </a:tc>
+                <a:extLst>
+                  <a:ext uri="{0D108BD9-81ED-4DB2-BD59-A6C34878D82A}">
+                    <a16:rowId xmlns:a16="http://schemas.microsoft.com/office/drawing/2014/main" val="2293650855"/>
+                  </a:ext>
+                </a:extLst>
+              </a:tr>
+            </a:tbl>
+          </a:graphicData>
+        </a:graphic>
+      </p:graphicFrame>
+      <p:sp>
+        <p:nvSpPr>
+          <p:cNvPr id="22" name="TextBox 21">
+            <a:extLst>
+              <a:ext uri="{FF2B5EF4-FFF2-40B4-BE49-F238E27FC236}">
+                <a16:creationId xmlns:a16="http://schemas.microsoft.com/office/drawing/2014/main" id="{80B69984-D504-F372-7E9F-96E9057977EE}"/>
+              </a:ext>
+            </a:extLst>
+          </p:cNvPr>
+          <p:cNvSpPr txBox="1"/>
+          <p:nvPr/>
+        </p:nvSpPr>
+        <p:spPr>
+          <a:xfrm>
+            <a:off x="3258258" y="1915769"/>
+            <a:ext cx="3453938" cy="340093"/>
+          </a:xfrm>
+          <a:prstGeom prst="rect">
+            <a:avLst/>
+          </a:prstGeom>
+          <a:noFill/>
+        </p:spPr>
+        <p:txBody>
+          <a:bodyPr wrap="square">
+            <a:spAutoFit/>
+          </a:bodyPr>
+          <a:lstStyle/>
+          <a:p>
+            <a:pPr marL="0" marR="0" algn="r" rtl="1">
+              <a:lnSpc>
+                <a:spcPct val="115000"/>
+              </a:lnSpc>
+              <a:spcAft>
+                <a:spcPts val="800"/>
+              </a:spcAft>
+              <a:buNone/>
+            </a:pPr>
+            <a:r>
+              <a:rPr lang="ar-SA" sz="1400" b="1" kern="100" dirty="0">
+                <a:effectLst/>
+                <a:latin typeface="Aptos" panose="020B0004020202020204" pitchFamily="34" charset="0"/>
+                <a:ea typeface="Aptos" panose="020B0004020202020204" pitchFamily="34" charset="0"/>
+                <a:cs typeface="B Nazanin" panose="00000400000000000000" pitchFamily="2" charset="-78"/>
+              </a:rPr>
+              <a:t>جدول</a:t>
+            </a:r>
+            <a:r>
+              <a:rPr lang="en-US" sz="1400" b="1" kern="100" dirty="0">
+                <a:effectLst/>
+                <a:latin typeface="Segoe UI Emoji" panose="020B0502040204020203" pitchFamily="34" charset="0"/>
+                <a:ea typeface="Aptos" panose="020B0004020202020204" pitchFamily="34" charset="0"/>
+                <a:cs typeface="B Nazanin" panose="00000400000000000000" pitchFamily="2" charset="-78"/>
+              </a:rPr>
+              <a:t> CLASS</a:t>
+            </a:r>
+            <a:endParaRPr lang="en-US" sz="1400" kern="100" dirty="0">
+              <a:effectLst/>
+              <a:latin typeface="Aptos" panose="020B0004020202020204" pitchFamily="34" charset="0"/>
+              <a:ea typeface="Aptos" panose="020B0004020202020204" pitchFamily="34" charset="0"/>
+              <a:cs typeface="B Nazanin" panose="00000400000000000000" pitchFamily="2" charset="-78"/>
+            </a:endParaRPr>
+          </a:p>
+        </p:txBody>
+      </p:sp>
+      <p:graphicFrame>
+        <p:nvGraphicFramePr>
+          <p:cNvPr id="23" name="Table 22">
+            <a:extLst>
+              <a:ext uri="{FF2B5EF4-FFF2-40B4-BE49-F238E27FC236}">
+                <a16:creationId xmlns:a16="http://schemas.microsoft.com/office/drawing/2014/main" id="{400E8A81-6821-B7AD-65D0-8F18C1CA7CE0}"/>
+              </a:ext>
+            </a:extLst>
+          </p:cNvPr>
+          <p:cNvGraphicFramePr>
+            <a:graphicFrameLocks noGrp="1"/>
+          </p:cNvGraphicFramePr>
+          <p:nvPr>
+            <p:extLst>
+              <p:ext uri="{D42A27DB-BD31-4B8C-83A1-F6EECF244321}">
+                <p14:modId xmlns:p14="http://schemas.microsoft.com/office/powerpoint/2010/main" val="3606809646"/>
+              </p:ext>
+            </p:extLst>
+          </p:nvPr>
+        </p:nvGraphicFramePr>
+        <p:xfrm>
+          <a:off x="-24938" y="4035251"/>
+          <a:ext cx="6450012" cy="792988"/>
+        </p:xfrm>
+        <a:graphic>
+          <a:graphicData uri="http://schemas.openxmlformats.org/drawingml/2006/table">
+            <a:tbl>
+              <a:tblPr firstRow="1" firstCol="1" bandRow="1">
+                <a:tableStyleId>{9B39535F-9996-43B5-9DEC-D57096B5976E}</a:tableStyleId>
+              </a:tblPr>
+              <a:tblGrid>
+                <a:gridCol w="3225006">
+                  <a:extLst>
+                    <a:ext uri="{9D8B030D-6E8A-4147-A177-3AD203B41FA5}">
+                      <a16:colId xmlns:a16="http://schemas.microsoft.com/office/drawing/2014/main" val="976260123"/>
+                    </a:ext>
+                  </a:extLst>
+                </a:gridCol>
+                <a:gridCol w="3225006">
+                  <a:extLst>
+                    <a:ext uri="{9D8B030D-6E8A-4147-A177-3AD203B41FA5}">
+                      <a16:colId xmlns:a16="http://schemas.microsoft.com/office/drawing/2014/main" val="3620938999"/>
+                    </a:ext>
+                  </a:extLst>
+                </a:gridCol>
+              </a:tblGrid>
+              <a:tr h="198247">
+                <a:tc>
+                  <a:txBody>
+                    <a:bodyPr/>
+                    <a:lstStyle/>
+                    <a:p>
+                      <a:pPr marL="0" marR="0" algn="r" rtl="1">
+                        <a:lnSpc>
+                          <a:spcPct val="115000"/>
+                        </a:lnSpc>
+                        <a:spcAft>
+                          <a:spcPts val="800"/>
+                        </a:spcAft>
+                        <a:buNone/>
+                      </a:pPr>
+                      <a:r>
+                        <a:rPr lang="ar-SA" sz="1200" kern="100">
+                          <a:effectLst/>
+                        </a:rPr>
+                        <a:t>ستون</a:t>
+                      </a:r>
+                      <a:endParaRPr lang="en-US" sz="1200" kern="100">
+                        <a:effectLst/>
+                        <a:latin typeface="Aptos" panose="020B0004020202020204" pitchFamily="34" charset="0"/>
+                        <a:ea typeface="Aptos" panose="020B0004020202020204" pitchFamily="34" charset="0"/>
+                        <a:cs typeface="Arial" panose="020B0604020202020204" pitchFamily="34" charset="0"/>
+                      </a:endParaRPr>
+                    </a:p>
+                  </a:txBody>
+                  <a:tcPr marL="68580" marR="68580" marT="0" marB="0"/>
+                </a:tc>
+                <a:tc>
+                  <a:txBody>
+                    <a:bodyPr/>
+                    <a:lstStyle/>
+                    <a:p>
+                      <a:pPr marL="0" marR="0" algn="r" rtl="1">
+                        <a:lnSpc>
+                          <a:spcPct val="115000"/>
+                        </a:lnSpc>
+                        <a:spcAft>
+                          <a:spcPts val="800"/>
+                        </a:spcAft>
+                        <a:buNone/>
+                      </a:pPr>
+                      <a:r>
+                        <a:rPr lang="ar-SA" sz="1200" kern="100">
+                          <a:effectLst/>
+                        </a:rPr>
+                        <a:t>توضیح</a:t>
+                      </a:r>
+                      <a:endParaRPr lang="en-US" sz="1200" kern="100">
+                        <a:effectLst/>
+                        <a:latin typeface="Aptos" panose="020B0004020202020204" pitchFamily="34" charset="0"/>
+                        <a:ea typeface="Aptos" panose="020B0004020202020204" pitchFamily="34" charset="0"/>
+                        <a:cs typeface="Arial" panose="020B0604020202020204" pitchFamily="34" charset="0"/>
+                      </a:endParaRPr>
+                    </a:p>
+                  </a:txBody>
+                  <a:tcPr marL="68580" marR="68580" marT="0" marB="0"/>
+                </a:tc>
+                <a:extLst>
+                  <a:ext uri="{0D108BD9-81ED-4DB2-BD59-A6C34878D82A}">
+                    <a16:rowId xmlns:a16="http://schemas.microsoft.com/office/drawing/2014/main" val="3095301283"/>
+                  </a:ext>
+                </a:extLst>
+              </a:tr>
+              <a:tr h="198184">
+                <a:tc>
+                  <a:txBody>
+                    <a:bodyPr/>
+                    <a:lstStyle/>
+                    <a:p>
+                      <a:pPr marL="0" marR="0" algn="r" rtl="1">
+                        <a:lnSpc>
+                          <a:spcPct val="115000"/>
+                        </a:lnSpc>
+                        <a:spcAft>
+                          <a:spcPts val="800"/>
+                        </a:spcAft>
+                        <a:buNone/>
+                      </a:pPr>
+                      <a:r>
+                        <a:rPr lang="en-US" sz="1200" kern="100">
+                          <a:effectLst/>
+                        </a:rPr>
+                        <a:t>CLASS_CODE</a:t>
+                      </a:r>
+                      <a:endParaRPr lang="en-US" sz="1200" kern="100">
+                        <a:effectLst/>
+                        <a:latin typeface="Aptos" panose="020B0004020202020204" pitchFamily="34" charset="0"/>
+                        <a:ea typeface="Aptos" panose="020B0004020202020204" pitchFamily="34" charset="0"/>
+                        <a:cs typeface="Arial" panose="020B0604020202020204" pitchFamily="34" charset="0"/>
+                      </a:endParaRPr>
+                    </a:p>
+                  </a:txBody>
+                  <a:tcPr marL="68580" marR="68580" marT="0" marB="0"/>
+                </a:tc>
+                <a:tc>
+                  <a:txBody>
+                    <a:bodyPr/>
+                    <a:lstStyle/>
+                    <a:p>
+                      <a:pPr marL="0" marR="0" algn="r" rtl="1">
+                        <a:lnSpc>
+                          <a:spcPct val="115000"/>
+                        </a:lnSpc>
+                        <a:spcAft>
+                          <a:spcPts val="800"/>
+                        </a:spcAft>
+                        <a:buNone/>
+                      </a:pPr>
+                      <a:r>
+                        <a:rPr lang="ar-SA" sz="1200" kern="100">
+                          <a:effectLst/>
+                        </a:rPr>
+                        <a:t>کلید خارجی → اشاره به جدول</a:t>
+                      </a:r>
+                      <a:r>
+                        <a:rPr lang="en-US" sz="1200" kern="100">
+                          <a:effectLst/>
+                        </a:rPr>
+                        <a:t> CLASS</a:t>
+                      </a:r>
+                      <a:endParaRPr lang="en-US" sz="1200" kern="100">
+                        <a:effectLst/>
+                        <a:latin typeface="Aptos" panose="020B0004020202020204" pitchFamily="34" charset="0"/>
+                        <a:ea typeface="Aptos" panose="020B0004020202020204" pitchFamily="34" charset="0"/>
+                        <a:cs typeface="Arial" panose="020B0604020202020204" pitchFamily="34" charset="0"/>
+                      </a:endParaRPr>
+                    </a:p>
+                  </a:txBody>
+                  <a:tcPr marL="68580" marR="68580" marT="0" marB="0"/>
+                </a:tc>
+                <a:extLst>
+                  <a:ext uri="{0D108BD9-81ED-4DB2-BD59-A6C34878D82A}">
+                    <a16:rowId xmlns:a16="http://schemas.microsoft.com/office/drawing/2014/main" val="1310519617"/>
+                  </a:ext>
+                </a:extLst>
+              </a:tr>
+              <a:tr h="198184">
+                <a:tc>
+                  <a:txBody>
+                    <a:bodyPr/>
+                    <a:lstStyle/>
+                    <a:p>
+                      <a:pPr marL="0" marR="0" algn="r" rtl="1">
+                        <a:lnSpc>
+                          <a:spcPct val="115000"/>
+                        </a:lnSpc>
+                        <a:spcAft>
+                          <a:spcPts val="800"/>
+                        </a:spcAft>
+                        <a:buNone/>
+                      </a:pPr>
+                      <a:r>
+                        <a:rPr lang="en-US" sz="1200" kern="100">
+                          <a:effectLst/>
+                        </a:rPr>
+                        <a:t>STU_NUM</a:t>
+                      </a:r>
+                      <a:endParaRPr lang="en-US" sz="1200" kern="100">
+                        <a:effectLst/>
+                        <a:latin typeface="Aptos" panose="020B0004020202020204" pitchFamily="34" charset="0"/>
+                        <a:ea typeface="Aptos" panose="020B0004020202020204" pitchFamily="34" charset="0"/>
+                        <a:cs typeface="Arial" panose="020B0604020202020204" pitchFamily="34" charset="0"/>
+                      </a:endParaRPr>
+                    </a:p>
+                  </a:txBody>
+                  <a:tcPr marL="68580" marR="68580" marT="0" marB="0"/>
+                </a:tc>
+                <a:tc>
+                  <a:txBody>
+                    <a:bodyPr/>
+                    <a:lstStyle/>
+                    <a:p>
+                      <a:pPr marL="0" marR="0" algn="r" rtl="1">
+                        <a:lnSpc>
+                          <a:spcPct val="115000"/>
+                        </a:lnSpc>
+                        <a:spcAft>
+                          <a:spcPts val="800"/>
+                        </a:spcAft>
+                        <a:buNone/>
+                      </a:pPr>
+                      <a:r>
+                        <a:rPr lang="ar-SA" sz="1200" kern="100">
+                          <a:effectLst/>
+                        </a:rPr>
+                        <a:t>کلید خارجی → اشاره به جدول</a:t>
+                      </a:r>
+                      <a:r>
+                        <a:rPr lang="en-US" sz="1200" kern="100">
+                          <a:effectLst/>
+                        </a:rPr>
+                        <a:t> STUDENT</a:t>
+                      </a:r>
+                      <a:endParaRPr lang="en-US" sz="1200" kern="100">
+                        <a:effectLst/>
+                        <a:latin typeface="Aptos" panose="020B0004020202020204" pitchFamily="34" charset="0"/>
+                        <a:ea typeface="Aptos" panose="020B0004020202020204" pitchFamily="34" charset="0"/>
+                        <a:cs typeface="Arial" panose="020B0604020202020204" pitchFamily="34" charset="0"/>
+                      </a:endParaRPr>
+                    </a:p>
+                  </a:txBody>
+                  <a:tcPr marL="68580" marR="68580" marT="0" marB="0"/>
+                </a:tc>
+                <a:extLst>
+                  <a:ext uri="{0D108BD9-81ED-4DB2-BD59-A6C34878D82A}">
+                    <a16:rowId xmlns:a16="http://schemas.microsoft.com/office/drawing/2014/main" val="1718249402"/>
+                  </a:ext>
+                </a:extLst>
+              </a:tr>
+              <a:tr h="198184">
+                <a:tc>
+                  <a:txBody>
+                    <a:bodyPr/>
+                    <a:lstStyle/>
+                    <a:p>
+                      <a:pPr marL="0" marR="0" algn="r" rtl="1">
+                        <a:lnSpc>
+                          <a:spcPct val="115000"/>
+                        </a:lnSpc>
+                        <a:spcAft>
+                          <a:spcPts val="800"/>
+                        </a:spcAft>
+                        <a:buNone/>
+                      </a:pPr>
+                      <a:r>
+                        <a:rPr lang="en-US" sz="1200" kern="100">
+                          <a:effectLst/>
+                        </a:rPr>
+                        <a:t>ENROLL_GRADE</a:t>
+                      </a:r>
+                      <a:endParaRPr lang="en-US" sz="1200" kern="100">
+                        <a:effectLst/>
+                        <a:latin typeface="Aptos" panose="020B0004020202020204" pitchFamily="34" charset="0"/>
+                        <a:ea typeface="Aptos" panose="020B0004020202020204" pitchFamily="34" charset="0"/>
+                        <a:cs typeface="Arial" panose="020B0604020202020204" pitchFamily="34" charset="0"/>
+                      </a:endParaRPr>
+                    </a:p>
+                  </a:txBody>
+                  <a:tcPr marL="68580" marR="68580" marT="0" marB="0"/>
+                </a:tc>
+                <a:tc>
+                  <a:txBody>
+                    <a:bodyPr/>
+                    <a:lstStyle/>
+                    <a:p>
+                      <a:pPr marL="0" marR="0" algn="r" rtl="1">
+                        <a:lnSpc>
+                          <a:spcPct val="115000"/>
+                        </a:lnSpc>
+                        <a:spcAft>
+                          <a:spcPts val="800"/>
+                        </a:spcAft>
+                        <a:buNone/>
+                      </a:pPr>
+                      <a:r>
+                        <a:rPr lang="ar-SA" sz="1200" kern="100" dirty="0">
+                          <a:effectLst/>
+                        </a:rPr>
+                        <a:t>نمره ثبت‌نام دانشجو در آن کلاس</a:t>
+                      </a:r>
+                      <a:endParaRPr lang="en-US" sz="1200" kern="100" dirty="0">
+                        <a:effectLst/>
+                        <a:latin typeface="Aptos" panose="020B0004020202020204" pitchFamily="34" charset="0"/>
+                        <a:ea typeface="Aptos" panose="020B0004020202020204" pitchFamily="34" charset="0"/>
+                        <a:cs typeface="Arial" panose="020B0604020202020204" pitchFamily="34" charset="0"/>
+                      </a:endParaRPr>
+                    </a:p>
+                  </a:txBody>
+                  <a:tcPr marL="68580" marR="68580" marT="0" marB="0"/>
+                </a:tc>
+                <a:extLst>
+                  <a:ext uri="{0D108BD9-81ED-4DB2-BD59-A6C34878D82A}">
+                    <a16:rowId xmlns:a16="http://schemas.microsoft.com/office/drawing/2014/main" val="1453749606"/>
+                  </a:ext>
+                </a:extLst>
+              </a:tr>
+            </a:tbl>
+          </a:graphicData>
+        </a:graphic>
+      </p:graphicFrame>
+      <p:sp>
+        <p:nvSpPr>
+          <p:cNvPr id="25" name="TextBox 24">
+            <a:extLst>
+              <a:ext uri="{FF2B5EF4-FFF2-40B4-BE49-F238E27FC236}">
+                <a16:creationId xmlns:a16="http://schemas.microsoft.com/office/drawing/2014/main" id="{92C7560E-70D4-1E24-A92C-49AD8174FCBB}"/>
+              </a:ext>
+            </a:extLst>
+          </p:cNvPr>
+          <p:cNvSpPr txBox="1"/>
+          <p:nvPr/>
+        </p:nvSpPr>
+        <p:spPr>
+          <a:xfrm>
+            <a:off x="3378903" y="3727474"/>
+            <a:ext cx="3458094" cy="307777"/>
+          </a:xfrm>
+          <a:prstGeom prst="rect">
+            <a:avLst/>
+          </a:prstGeom>
+          <a:noFill/>
+        </p:spPr>
+        <p:txBody>
+          <a:bodyPr wrap="square">
+            <a:spAutoFit/>
+          </a:bodyPr>
+          <a:lstStyle/>
+          <a:p>
+            <a:pPr algn="r" rtl="1"/>
+            <a:r>
+              <a:rPr lang="ar-SA" sz="1400" b="1" dirty="0">
+                <a:effectLst/>
+                <a:ea typeface="Aptos" panose="020B0004020202020204" pitchFamily="34" charset="0"/>
+                <a:cs typeface="B Nazanin" panose="00000400000000000000" pitchFamily="2" charset="-78"/>
+              </a:rPr>
+              <a:t>جدول</a:t>
+            </a:r>
+            <a:r>
+              <a:rPr lang="en-US" sz="1400" b="1" dirty="0">
+                <a:effectLst/>
+                <a:latin typeface="Segoe UI Emoji" panose="020B0502040204020203" pitchFamily="34" charset="0"/>
+                <a:ea typeface="Aptos" panose="020B0004020202020204" pitchFamily="34" charset="0"/>
+                <a:cs typeface="B Nazanin" panose="00000400000000000000" pitchFamily="2" charset="-78"/>
+              </a:rPr>
+              <a:t> ENROLL  </a:t>
+            </a:r>
+            <a:r>
+              <a:rPr lang="ar-SA" sz="1400" b="1" dirty="0">
+                <a:effectLst/>
+                <a:ea typeface="Aptos" panose="020B0004020202020204" pitchFamily="34" charset="0"/>
+                <a:cs typeface="B Nazanin" panose="00000400000000000000" pitchFamily="2" charset="-78"/>
+              </a:rPr>
+              <a:t>جدول واسط – ثبت‌نام</a:t>
+            </a:r>
+            <a:endParaRPr lang="en-US" dirty="0">
+              <a:cs typeface="B Nazanin" panose="00000400000000000000" pitchFamily="2" charset="-78"/>
+            </a:endParaRPr>
+          </a:p>
+        </p:txBody>
+      </p:sp>
+    </p:spTree>
+    <p:extLst>
+      <p:ext uri="{BB962C8B-B14F-4D97-AF65-F5344CB8AC3E}">
+        <p14:creationId xmlns:p14="http://schemas.microsoft.com/office/powerpoint/2010/main" val="797638670"/>
+      </p:ext>
+    </p:extLst>
+  </p:cSld>
+  <p:clrMapOvr>
+    <a:masterClrMapping/>
+  </p:clrMapOvr>
+</p:sld>
+</file>
+
+<file path=ppt/slides/slide32.xml><?xml version="1.0" encoding="utf-8"?>
+<p:sld xmlns:a="http://schemas.openxmlformats.org/drawingml/2006/main" xmlns:r="http://schemas.openxmlformats.org/officeDocument/2006/relationships" xmlns:p="http://schemas.openxmlformats.org/presentationml/2006/main">
+  <p:cSld>
+    <p:spTree>
+      <p:nvGrpSpPr>
+        <p:cNvPr id="1" name=""/>
+        <p:cNvGrpSpPr/>
+        <p:nvPr/>
+      </p:nvGrpSpPr>
+      <p:grpSpPr>
+        <a:xfrm>
+          <a:off x="0" y="0"/>
+          <a:ext cx="0" cy="0"/>
+          <a:chOff x="0" y="0"/>
+          <a:chExt cx="0" cy="0"/>
+        </a:xfrm>
+      </p:grpSpPr>
+      <p:sp>
+        <p:nvSpPr>
           <p:cNvPr id="27651" name="Rectangle 2"/>
           <p:cNvSpPr>
             <a:spLocks noGrp="1" noChangeArrowheads="1"/>
@@ -28097,7 +32488,7 @@
 </p:sld>
 </file>
 
-<file path=ppt/slides/slide32.xml><?xml version="1.0" encoding="utf-8"?>
+<file path=ppt/slides/slide33.xml><?xml version="1.0" encoding="utf-8"?>
 <p:sld xmlns:a="http://schemas.openxmlformats.org/drawingml/2006/main" xmlns:r="http://schemas.openxmlformats.org/officeDocument/2006/relationships" xmlns:p="http://schemas.openxmlformats.org/presentationml/2006/main">
   <p:cSld>
     <p:spTree>
@@ -28294,7 +32685,7 @@
 </p:sld>
 </file>
 
-<file path=ppt/slides/slide33.xml><?xml version="1.0" encoding="utf-8"?>
+<file path=ppt/slides/slide34.xml><?xml version="1.0" encoding="utf-8"?>
 <p:sld xmlns:a="http://schemas.openxmlformats.org/drawingml/2006/main" xmlns:r="http://schemas.openxmlformats.org/officeDocument/2006/relationships" xmlns:p="http://schemas.openxmlformats.org/presentationml/2006/main">
   <p:cSld>
     <p:spTree>
@@ -28503,7 +32894,7 @@
 </p:sld>
 </file>
 
-<file path=ppt/slides/slide34.xml><?xml version="1.0" encoding="utf-8"?>
+<file path=ppt/slides/slide35.xml><?xml version="1.0" encoding="utf-8"?>
 <p:sld xmlns:a="http://schemas.openxmlformats.org/drawingml/2006/main" xmlns:r="http://schemas.openxmlformats.org/officeDocument/2006/relationships" xmlns:p="http://schemas.openxmlformats.org/presentationml/2006/main">
   <p:cSld>
     <p:spTree>
@@ -28612,7 +33003,7 @@
         </p:nvSpPr>
         <p:spPr bwMode="auto">
           <a:xfrm>
-            <a:off x="543697" y="4161103"/>
+            <a:off x="1350032" y="4037657"/>
             <a:ext cx="5083382" cy="338554"/>
           </a:xfrm>
           <a:prstGeom prst="rect">
@@ -28660,29 +33051,420 @@
           <a:p>
             <a:pPr algn="r" rtl="1"/>
             <a:r>
-              <a:rPr lang="fa-IR" altLang="en-US" sz="1600" dirty="0"/>
+              <a:rPr lang="fa-IR" altLang="en-US" sz="1600" dirty="0">
+                <a:cs typeface="B Nazanin" panose="00000400000000000000" pitchFamily="2" charset="-78"/>
+              </a:rPr>
               <a:t>پیاده‌سازی رابطه‌ی یک‌ به‌ چند (</a:t>
             </a:r>
             <a:r>
-              <a:rPr lang="en-US" altLang="en-US" sz="1600" dirty="0"/>
+              <a:rPr lang="en-US" altLang="en-US" sz="1600" dirty="0">
+                <a:cs typeface="B Nazanin" panose="00000400000000000000" pitchFamily="2" charset="-78"/>
+              </a:rPr>
               <a:t>1:M</a:t>
             </a:r>
             <a:r>
-              <a:rPr lang="fa-IR" altLang="en-US" sz="1600" dirty="0"/>
+              <a:rPr lang="fa-IR" altLang="en-US" sz="1600" dirty="0">
+                <a:cs typeface="B Nazanin" panose="00000400000000000000" pitchFamily="2" charset="-78"/>
+              </a:rPr>
               <a:t>) بین</a:t>
             </a:r>
             <a:r>
-              <a:rPr lang="en-US" altLang="en-US" sz="1600" dirty="0"/>
+              <a:rPr lang="en-US" altLang="en-US" sz="1600" dirty="0">
+                <a:cs typeface="B Nazanin" panose="00000400000000000000" pitchFamily="2" charset="-78"/>
+              </a:rPr>
               <a:t>PAINTER </a:t>
             </a:r>
             <a:r>
-              <a:rPr lang="fa-IR" altLang="en-US" sz="1600" dirty="0"/>
+              <a:rPr lang="fa-IR" altLang="en-US" sz="1600" dirty="0">
+                <a:cs typeface="B Nazanin" panose="00000400000000000000" pitchFamily="2" charset="-78"/>
+              </a:rPr>
               <a:t>و </a:t>
             </a:r>
             <a:r>
-              <a:rPr lang="en-US" altLang="en-US" sz="1600" dirty="0"/>
+              <a:rPr lang="en-US" altLang="en-US" sz="1600" dirty="0">
+                <a:cs typeface="B Nazanin" panose="00000400000000000000" pitchFamily="2" charset="-78"/>
+              </a:rPr>
               <a:t>:PAINTING</a:t>
             </a:r>
+          </a:p>
+        </p:txBody>
+      </p:sp>
+      <p:sp>
+        <p:nvSpPr>
+          <p:cNvPr id="9" name="TextBox 8">
+            <a:extLst>
+              <a:ext uri="{FF2B5EF4-FFF2-40B4-BE49-F238E27FC236}">
+                <a16:creationId xmlns:a16="http://schemas.microsoft.com/office/drawing/2014/main" id="{DBC1E422-F3EE-41C2-D41D-CEFF17A8254C}"/>
+              </a:ext>
+            </a:extLst>
+          </p:cNvPr>
+          <p:cNvSpPr txBox="1"/>
+          <p:nvPr/>
+        </p:nvSpPr>
+        <p:spPr>
+          <a:xfrm>
+            <a:off x="0" y="4376211"/>
+            <a:ext cx="6068290" cy="676275"/>
+          </a:xfrm>
+          <a:prstGeom prst="rect">
+            <a:avLst/>
+          </a:prstGeom>
+          <a:noFill/>
+        </p:spPr>
+        <p:txBody>
+          <a:bodyPr wrap="square">
+            <a:spAutoFit/>
+          </a:bodyPr>
+          <a:lstStyle/>
+          <a:p>
+            <a:pPr marL="342900" marR="0" lvl="0" indent="-342900" algn="r" rtl="1">
+              <a:lnSpc>
+                <a:spcPct val="115000"/>
+              </a:lnSpc>
+              <a:spcAft>
+                <a:spcPts val="800"/>
+              </a:spcAft>
+              <a:buSzPts val="1000"/>
+              <a:buFont typeface="Symbol" panose="05050102010706020507" pitchFamily="18" charset="2"/>
+              <a:buChar char=""/>
+              <a:tabLst>
+                <a:tab pos="457200" algn="l"/>
+              </a:tabLst>
+            </a:pPr>
+            <a:r>
+              <a:rPr lang="ar-SA" sz="1400" b="1" kern="100" dirty="0">
+                <a:effectLst/>
+                <a:latin typeface="Aptos" panose="020B0004020202020204" pitchFamily="34" charset="0"/>
+                <a:ea typeface="Aptos" panose="020B0004020202020204" pitchFamily="34" charset="0"/>
+                <a:cs typeface="+mn-cs"/>
+              </a:rPr>
+              <a:t>هر</a:t>
+            </a:r>
+            <a:r>
+              <a:rPr lang="ar-SA" sz="1400" b="1" kern="100" dirty="0">
+                <a:effectLst/>
+                <a:latin typeface="Aptos" panose="020B0004020202020204" pitchFamily="34" charset="0"/>
+                <a:ea typeface="Aptos" panose="020B0004020202020204" pitchFamily="34" charset="0"/>
+                <a:cs typeface="Segoe UI Emoji" panose="020B0502040204020203" pitchFamily="34" charset="0"/>
+              </a:rPr>
+              <a:t> </a:t>
+            </a:r>
+            <a:r>
+              <a:rPr lang="ar-SA" sz="1400" b="1" kern="100" dirty="0">
+                <a:effectLst/>
+                <a:latin typeface="Aptos" panose="020B0004020202020204" pitchFamily="34" charset="0"/>
+                <a:ea typeface="Aptos" panose="020B0004020202020204" pitchFamily="34" charset="0"/>
+                <a:cs typeface="+mn-cs"/>
+              </a:rPr>
+              <a:t>نقاش</a:t>
+            </a:r>
+            <a:r>
+              <a:rPr lang="ar-SA" sz="1400" b="1" kern="100" dirty="0">
+                <a:effectLst/>
+                <a:latin typeface="Aptos" panose="020B0004020202020204" pitchFamily="34" charset="0"/>
+                <a:ea typeface="Aptos" panose="020B0004020202020204" pitchFamily="34" charset="0"/>
+                <a:cs typeface="Segoe UI Emoji" panose="020B0502040204020203" pitchFamily="34" charset="0"/>
+              </a:rPr>
+              <a:t> </a:t>
+            </a:r>
+            <a:r>
+              <a:rPr lang="ar-SA" sz="1400" b="1" kern="100" dirty="0">
+                <a:effectLst/>
+                <a:latin typeface="Aptos" panose="020B0004020202020204" pitchFamily="34" charset="0"/>
+                <a:ea typeface="Aptos" panose="020B0004020202020204" pitchFamily="34" charset="0"/>
+                <a:cs typeface="+mn-cs"/>
+              </a:rPr>
+              <a:t>می‌تواند</a:t>
+            </a:r>
+            <a:r>
+              <a:rPr lang="ar-SA" sz="1400" b="1" kern="100" dirty="0">
+                <a:effectLst/>
+                <a:latin typeface="Aptos" panose="020B0004020202020204" pitchFamily="34" charset="0"/>
+                <a:ea typeface="Aptos" panose="020B0004020202020204" pitchFamily="34" charset="0"/>
+                <a:cs typeface="Segoe UI Emoji" panose="020B0502040204020203" pitchFamily="34" charset="0"/>
+              </a:rPr>
+              <a:t> </a:t>
+            </a:r>
+            <a:r>
+              <a:rPr lang="ar-SA" sz="1400" b="1" kern="100" dirty="0">
+                <a:effectLst/>
+                <a:latin typeface="Aptos" panose="020B0004020202020204" pitchFamily="34" charset="0"/>
+                <a:ea typeface="Aptos" panose="020B0004020202020204" pitchFamily="34" charset="0"/>
+                <a:cs typeface="+mn-cs"/>
+              </a:rPr>
+              <a:t>چندین</a:t>
+            </a:r>
+            <a:r>
+              <a:rPr lang="ar-SA" sz="1400" b="1" kern="100" dirty="0">
+                <a:effectLst/>
+                <a:latin typeface="Aptos" panose="020B0004020202020204" pitchFamily="34" charset="0"/>
+                <a:ea typeface="Aptos" panose="020B0004020202020204" pitchFamily="34" charset="0"/>
+                <a:cs typeface="Segoe UI Emoji" panose="020B0502040204020203" pitchFamily="34" charset="0"/>
+              </a:rPr>
+              <a:t> </a:t>
+            </a:r>
+            <a:r>
+              <a:rPr lang="ar-SA" sz="1400" b="1" kern="100" dirty="0">
+                <a:effectLst/>
+                <a:latin typeface="Aptos" panose="020B0004020202020204" pitchFamily="34" charset="0"/>
+                <a:ea typeface="Aptos" panose="020B0004020202020204" pitchFamily="34" charset="0"/>
+                <a:cs typeface="+mn-cs"/>
+              </a:rPr>
+              <a:t>تابلوی</a:t>
+            </a:r>
+            <a:r>
+              <a:rPr lang="ar-SA" sz="1400" b="1" kern="100" dirty="0">
+                <a:effectLst/>
+                <a:latin typeface="Aptos" panose="020B0004020202020204" pitchFamily="34" charset="0"/>
+                <a:ea typeface="Aptos" panose="020B0004020202020204" pitchFamily="34" charset="0"/>
+                <a:cs typeface="Segoe UI Emoji" panose="020B0502040204020203" pitchFamily="34" charset="0"/>
+              </a:rPr>
+              <a:t> </a:t>
+            </a:r>
+            <a:r>
+              <a:rPr lang="ar-SA" sz="1400" b="1" kern="100" dirty="0">
+                <a:effectLst/>
+                <a:latin typeface="Aptos" panose="020B0004020202020204" pitchFamily="34" charset="0"/>
+                <a:ea typeface="Aptos" panose="020B0004020202020204" pitchFamily="34" charset="0"/>
+                <a:cs typeface="+mn-cs"/>
+              </a:rPr>
+              <a:t>نقاشی</a:t>
+            </a:r>
+            <a:r>
+              <a:rPr lang="ar-SA" sz="1400" b="1" kern="100" dirty="0">
+                <a:effectLst/>
+                <a:latin typeface="Aptos" panose="020B0004020202020204" pitchFamily="34" charset="0"/>
+                <a:ea typeface="Aptos" panose="020B0004020202020204" pitchFamily="34" charset="0"/>
+                <a:cs typeface="Segoe UI Emoji" panose="020B0502040204020203" pitchFamily="34" charset="0"/>
+              </a:rPr>
+              <a:t> </a:t>
+            </a:r>
+            <a:r>
+              <a:rPr lang="ar-SA" sz="1400" b="1" kern="100" dirty="0">
+                <a:effectLst/>
+                <a:latin typeface="Aptos" panose="020B0004020202020204" pitchFamily="34" charset="0"/>
+                <a:ea typeface="Aptos" panose="020B0004020202020204" pitchFamily="34" charset="0"/>
+                <a:cs typeface="+mn-cs"/>
+              </a:rPr>
+              <a:t>داشته</a:t>
+            </a:r>
+            <a:r>
+              <a:rPr lang="ar-SA" sz="1400" b="1" kern="100" dirty="0">
+                <a:effectLst/>
+                <a:latin typeface="Aptos" panose="020B0004020202020204" pitchFamily="34" charset="0"/>
+                <a:ea typeface="Aptos" panose="020B0004020202020204" pitchFamily="34" charset="0"/>
+                <a:cs typeface="Segoe UI Emoji" panose="020B0502040204020203" pitchFamily="34" charset="0"/>
+              </a:rPr>
+              <a:t> </a:t>
+            </a:r>
+            <a:r>
+              <a:rPr lang="ar-SA" sz="1400" b="1" kern="100" dirty="0">
+                <a:effectLst/>
+                <a:latin typeface="Aptos" panose="020B0004020202020204" pitchFamily="34" charset="0"/>
+                <a:ea typeface="Aptos" panose="020B0004020202020204" pitchFamily="34" charset="0"/>
+                <a:cs typeface="+mn-cs"/>
+              </a:rPr>
+              <a:t>باشد</a:t>
+            </a:r>
+            <a:r>
+              <a:rPr lang="en-US" sz="1400" b="1" kern="100" dirty="0">
+                <a:effectLst/>
+                <a:latin typeface="Segoe UI Emoji" panose="020B0502040204020203" pitchFamily="34" charset="0"/>
+                <a:ea typeface="Aptos" panose="020B0004020202020204" pitchFamily="34" charset="0"/>
+                <a:cs typeface="Segoe UI Emoji" panose="020B0502040204020203" pitchFamily="34" charset="0"/>
+              </a:rPr>
+              <a:t>.</a:t>
+            </a:r>
+            <a:endParaRPr lang="en-US" sz="1400" kern="100" dirty="0">
+              <a:effectLst/>
+              <a:latin typeface="Aptos" panose="020B0004020202020204" pitchFamily="34" charset="0"/>
+              <a:ea typeface="Aptos" panose="020B0004020202020204" pitchFamily="34" charset="0"/>
+              <a:cs typeface="Arial" panose="020B0604020202020204" pitchFamily="34" charset="0"/>
+            </a:endParaRPr>
+          </a:p>
+          <a:p>
+            <a:pPr marL="342900" marR="0" lvl="0" indent="-342900" algn="r" rtl="1">
+              <a:lnSpc>
+                <a:spcPct val="115000"/>
+              </a:lnSpc>
+              <a:spcAft>
+                <a:spcPts val="800"/>
+              </a:spcAft>
+              <a:buSzPts val="1000"/>
+              <a:buFont typeface="Symbol" panose="05050102010706020507" pitchFamily="18" charset="2"/>
+              <a:buChar char=""/>
+              <a:tabLst>
+                <a:tab pos="457200" algn="l"/>
+              </a:tabLst>
+            </a:pPr>
+            <a:r>
+              <a:rPr lang="ar-SA" sz="1400" b="1" kern="100" dirty="0">
+                <a:effectLst/>
+                <a:latin typeface="Aptos" panose="020B0004020202020204" pitchFamily="34" charset="0"/>
+                <a:ea typeface="Aptos" panose="020B0004020202020204" pitchFamily="34" charset="0"/>
+                <a:cs typeface="+mn-cs"/>
+              </a:rPr>
+              <a:t>اما</a:t>
+            </a:r>
+            <a:r>
+              <a:rPr lang="ar-SA" sz="1400" b="1" kern="100" dirty="0">
+                <a:effectLst/>
+                <a:latin typeface="Aptos" panose="020B0004020202020204" pitchFamily="34" charset="0"/>
+                <a:ea typeface="Aptos" panose="020B0004020202020204" pitchFamily="34" charset="0"/>
+                <a:cs typeface="Segoe UI Emoji" panose="020B0502040204020203" pitchFamily="34" charset="0"/>
+              </a:rPr>
+              <a:t> </a:t>
+            </a:r>
+            <a:r>
+              <a:rPr lang="ar-SA" sz="1400" b="1" kern="100" dirty="0">
+                <a:effectLst/>
+                <a:latin typeface="Aptos" panose="020B0004020202020204" pitchFamily="34" charset="0"/>
+                <a:ea typeface="Aptos" panose="020B0004020202020204" pitchFamily="34" charset="0"/>
+                <a:cs typeface="+mn-cs"/>
+              </a:rPr>
+              <a:t>هر</a:t>
+            </a:r>
+            <a:r>
+              <a:rPr lang="ar-SA" sz="1400" b="1" kern="100" dirty="0">
+                <a:effectLst/>
+                <a:latin typeface="Aptos" panose="020B0004020202020204" pitchFamily="34" charset="0"/>
+                <a:ea typeface="Aptos" panose="020B0004020202020204" pitchFamily="34" charset="0"/>
+                <a:cs typeface="Segoe UI Emoji" panose="020B0502040204020203" pitchFamily="34" charset="0"/>
+              </a:rPr>
+              <a:t> </a:t>
+            </a:r>
+            <a:r>
+              <a:rPr lang="ar-SA" sz="1400" b="1" kern="100" dirty="0">
+                <a:effectLst/>
+                <a:latin typeface="Aptos" panose="020B0004020202020204" pitchFamily="34" charset="0"/>
+                <a:ea typeface="Aptos" panose="020B0004020202020204" pitchFamily="34" charset="0"/>
+                <a:cs typeface="+mn-cs"/>
+              </a:rPr>
+              <a:t>تابلو</a:t>
+            </a:r>
+            <a:r>
+              <a:rPr lang="ar-SA" sz="1400" b="1" kern="100" dirty="0">
+                <a:effectLst/>
+                <a:latin typeface="Aptos" panose="020B0004020202020204" pitchFamily="34" charset="0"/>
+                <a:ea typeface="Aptos" panose="020B0004020202020204" pitchFamily="34" charset="0"/>
+                <a:cs typeface="Segoe UI Emoji" panose="020B0502040204020203" pitchFamily="34" charset="0"/>
+              </a:rPr>
+              <a:t> </a:t>
+            </a:r>
+            <a:r>
+              <a:rPr lang="ar-SA" sz="1400" b="1" kern="100" dirty="0">
+                <a:effectLst/>
+                <a:latin typeface="Aptos" panose="020B0004020202020204" pitchFamily="34" charset="0"/>
+                <a:ea typeface="Aptos" panose="020B0004020202020204" pitchFamily="34" charset="0"/>
+                <a:cs typeface="+mn-cs"/>
+              </a:rPr>
+              <a:t>فقط</a:t>
+            </a:r>
+            <a:r>
+              <a:rPr lang="ar-SA" sz="1400" b="1" kern="100" dirty="0">
+                <a:effectLst/>
+                <a:latin typeface="Aptos" panose="020B0004020202020204" pitchFamily="34" charset="0"/>
+                <a:ea typeface="Aptos" panose="020B0004020202020204" pitchFamily="34" charset="0"/>
+                <a:cs typeface="Segoe UI Emoji" panose="020B0502040204020203" pitchFamily="34" charset="0"/>
+              </a:rPr>
+              <a:t> </a:t>
+            </a:r>
+            <a:r>
+              <a:rPr lang="ar-SA" sz="1400" b="1" kern="100" dirty="0">
+                <a:effectLst/>
+                <a:latin typeface="Aptos" panose="020B0004020202020204" pitchFamily="34" charset="0"/>
+                <a:ea typeface="Aptos" panose="020B0004020202020204" pitchFamily="34" charset="0"/>
+                <a:cs typeface="+mn-cs"/>
+              </a:rPr>
+              <a:t>متعلق</a:t>
+            </a:r>
+            <a:r>
+              <a:rPr lang="ar-SA" sz="1400" b="1" kern="100" dirty="0">
+                <a:effectLst/>
+                <a:latin typeface="Aptos" panose="020B0004020202020204" pitchFamily="34" charset="0"/>
+                <a:ea typeface="Aptos" panose="020B0004020202020204" pitchFamily="34" charset="0"/>
+                <a:cs typeface="Segoe UI Emoji" panose="020B0502040204020203" pitchFamily="34" charset="0"/>
+              </a:rPr>
+              <a:t> </a:t>
+            </a:r>
+            <a:r>
+              <a:rPr lang="ar-SA" sz="1400" b="1" kern="100" dirty="0">
+                <a:effectLst/>
+                <a:latin typeface="Aptos" panose="020B0004020202020204" pitchFamily="34" charset="0"/>
+                <a:ea typeface="Aptos" panose="020B0004020202020204" pitchFamily="34" charset="0"/>
+                <a:cs typeface="+mn-cs"/>
+              </a:rPr>
+              <a:t>به</a:t>
+            </a:r>
+            <a:r>
+              <a:rPr lang="ar-SA" sz="1400" b="1" kern="100" dirty="0">
+                <a:effectLst/>
+                <a:latin typeface="Aptos" panose="020B0004020202020204" pitchFamily="34" charset="0"/>
+                <a:ea typeface="Aptos" panose="020B0004020202020204" pitchFamily="34" charset="0"/>
+                <a:cs typeface="Segoe UI Emoji" panose="020B0502040204020203" pitchFamily="34" charset="0"/>
+              </a:rPr>
+              <a:t> </a:t>
+            </a:r>
+            <a:r>
+              <a:rPr lang="ar-SA" sz="1400" b="1" kern="100" dirty="0">
+                <a:effectLst/>
+                <a:latin typeface="Aptos" panose="020B0004020202020204" pitchFamily="34" charset="0"/>
+                <a:ea typeface="Aptos" panose="020B0004020202020204" pitchFamily="34" charset="0"/>
+                <a:cs typeface="+mn-cs"/>
+              </a:rPr>
+              <a:t>یک</a:t>
+            </a:r>
+            <a:r>
+              <a:rPr lang="ar-SA" sz="1400" b="1" kern="100" dirty="0">
+                <a:effectLst/>
+                <a:latin typeface="Aptos" panose="020B0004020202020204" pitchFamily="34" charset="0"/>
+                <a:ea typeface="Aptos" panose="020B0004020202020204" pitchFamily="34" charset="0"/>
+                <a:cs typeface="Segoe UI Emoji" panose="020B0502040204020203" pitchFamily="34" charset="0"/>
+              </a:rPr>
+              <a:t> </a:t>
+            </a:r>
+            <a:r>
+              <a:rPr lang="ar-SA" sz="1400" b="1" kern="100" dirty="0">
+                <a:effectLst/>
+                <a:latin typeface="Aptos" panose="020B0004020202020204" pitchFamily="34" charset="0"/>
+                <a:ea typeface="Aptos" panose="020B0004020202020204" pitchFamily="34" charset="0"/>
+                <a:cs typeface="+mn-cs"/>
+              </a:rPr>
+              <a:t>نقاش</a:t>
+            </a:r>
+            <a:r>
+              <a:rPr lang="ar-SA" sz="1400" b="1" kern="100" dirty="0">
+                <a:effectLst/>
+                <a:latin typeface="Aptos" panose="020B0004020202020204" pitchFamily="34" charset="0"/>
+                <a:ea typeface="Aptos" panose="020B0004020202020204" pitchFamily="34" charset="0"/>
+                <a:cs typeface="Segoe UI Emoji" panose="020B0502040204020203" pitchFamily="34" charset="0"/>
+              </a:rPr>
+              <a:t> </a:t>
+            </a:r>
+            <a:r>
+              <a:rPr lang="ar-SA" sz="1400" b="1" kern="100" dirty="0">
+                <a:effectLst/>
+                <a:latin typeface="Aptos" panose="020B0004020202020204" pitchFamily="34" charset="0"/>
+                <a:ea typeface="Aptos" panose="020B0004020202020204" pitchFamily="34" charset="0"/>
+                <a:cs typeface="+mn-cs"/>
+              </a:rPr>
+              <a:t>است</a:t>
+            </a:r>
+            <a:r>
+              <a:rPr lang="en-US" sz="1400" b="1" kern="100" dirty="0">
+                <a:effectLst/>
+                <a:latin typeface="Segoe UI Emoji" panose="020B0502040204020203" pitchFamily="34" charset="0"/>
+                <a:ea typeface="Aptos" panose="020B0004020202020204" pitchFamily="34" charset="0"/>
+                <a:cs typeface="Segoe UI Emoji" panose="020B0502040204020203" pitchFamily="34" charset="0"/>
+              </a:rPr>
+              <a:t>.</a:t>
+            </a:r>
+            <a:endParaRPr lang="en-US" sz="1400" kern="100" dirty="0">
+              <a:effectLst/>
+              <a:latin typeface="Aptos" panose="020B0004020202020204" pitchFamily="34" charset="0"/>
+              <a:ea typeface="Aptos" panose="020B0004020202020204" pitchFamily="34" charset="0"/>
+              <a:cs typeface="Arial" panose="020B0604020202020204" pitchFamily="34" charset="0"/>
+            </a:endParaRPr>
           </a:p>
         </p:txBody>
       </p:sp>
@@ -28699,7 +33481,7 @@
 </p:sld>
 </file>
 
-<file path=ppt/slides/slide35.xml><?xml version="1.0" encoding="utf-8"?>
+<file path=ppt/slides/slide36.xml><?xml version="1.0" encoding="utf-8"?>
 <p:sld xmlns:a="http://schemas.openxmlformats.org/drawingml/2006/main" xmlns:r="http://schemas.openxmlformats.org/officeDocument/2006/relationships" xmlns:p="http://schemas.openxmlformats.org/presentationml/2006/main">
   <p:cSld>
     <p:spTree>
@@ -28903,7 +33685,7 @@
 </p:sld>
 </file>
 
-<file path=ppt/slides/slide36.xml><?xml version="1.0" encoding="utf-8"?>
+<file path=ppt/slides/slide37.xml><?xml version="1.0" encoding="utf-8"?>
 <p:sld xmlns:a="http://schemas.openxmlformats.org/drawingml/2006/main" xmlns:r="http://schemas.openxmlformats.org/officeDocument/2006/relationships" xmlns:p="http://schemas.openxmlformats.org/presentationml/2006/main">
   <p:cSld>
     <p:spTree>
@@ -29139,7 +33921,7 @@
 </p:sld>
 </file>
 
-<file path=ppt/slides/slide37.xml><?xml version="1.0" encoding="utf-8"?>
+<file path=ppt/slides/slide38.xml><?xml version="1.0" encoding="utf-8"?>
 <p:sld xmlns:a="http://schemas.openxmlformats.org/drawingml/2006/main" xmlns:r="http://schemas.openxmlformats.org/officeDocument/2006/relationships" xmlns:p="http://schemas.openxmlformats.org/presentationml/2006/main">
   <p:cSld>
     <p:spTree>
@@ -29562,7 +34344,7 @@
 </p:sld>
 </file>
 
-<file path=ppt/slides/slide38.xml><?xml version="1.0" encoding="utf-8"?>
+<file path=ppt/slides/slide39.xml><?xml version="1.0" encoding="utf-8"?>
 <p:sld xmlns:a="http://schemas.openxmlformats.org/drawingml/2006/main" xmlns:r="http://schemas.openxmlformats.org/officeDocument/2006/relationships" xmlns:p="http://schemas.openxmlformats.org/presentationml/2006/main">
   <p:cSld>
     <p:spTree>
@@ -30777,7 +35559,180 @@
 </p:sld>
 </file>
 
-<file path=ppt/slides/slide39.xml><?xml version="1.0" encoding="utf-8"?>
+<file path=ppt/slides/slide4.xml><?xml version="1.0" encoding="utf-8"?>
+<p:sld xmlns:a="http://schemas.openxmlformats.org/drawingml/2006/main" xmlns:r="http://schemas.openxmlformats.org/officeDocument/2006/relationships" xmlns:p="http://schemas.openxmlformats.org/presentationml/2006/main" show="0">
+  <p:cSld>
+    <p:spTree>
+      <p:nvGrpSpPr>
+        <p:cNvPr id="1" name=""/>
+        <p:cNvGrpSpPr/>
+        <p:nvPr/>
+      </p:nvGrpSpPr>
+      <p:grpSpPr>
+        <a:xfrm>
+          <a:off x="0" y="0"/>
+          <a:ext cx="0" cy="0"/>
+          <a:chOff x="0" y="0"/>
+          <a:chExt cx="0" cy="0"/>
+        </a:xfrm>
+      </p:grpSpPr>
+      <p:sp>
+        <p:nvSpPr>
+          <p:cNvPr id="2" name="Title 1"/>
+          <p:cNvSpPr>
+            <a:spLocks noGrp="1"/>
+          </p:cNvSpPr>
+          <p:nvPr>
+            <p:ph type="title"/>
+          </p:nvPr>
+        </p:nvSpPr>
+        <p:spPr/>
+        <p:txBody>
+          <a:bodyPr/>
+          <a:lstStyle/>
+          <a:p>
+            <a:r>
+              <a:rPr lang="en-PH" dirty="0"/>
+              <a:t>ERD </a:t>
+            </a:r>
+            <a:r>
+              <a:rPr lang="en-PH" i="1" dirty="0"/>
+              <a:t> </a:t>
+            </a:r>
+            <a:r>
+              <a:rPr lang="en-PH" dirty="0"/>
+              <a:t>(</a:t>
+            </a:r>
+            <a:r>
+              <a:rPr lang="fa-IR" dirty="0"/>
+              <a:t> ادامه</a:t>
+            </a:r>
+            <a:r>
+              <a:rPr lang="en-PH" dirty="0"/>
+              <a:t>)</a:t>
+            </a:r>
+          </a:p>
+        </p:txBody>
+      </p:sp>
+      <p:sp>
+        <p:nvSpPr>
+          <p:cNvPr id="3" name="Text Placeholder 2"/>
+          <p:cNvSpPr>
+            <a:spLocks noGrp="1"/>
+          </p:cNvSpPr>
+          <p:nvPr>
+            <p:ph type="body" idx="1"/>
+          </p:nvPr>
+        </p:nvSpPr>
+        <p:spPr/>
+        <p:txBody>
+          <a:bodyPr/>
+          <a:lstStyle/>
+          <a:p>
+            <a:pPr marL="57150" indent="0" algn="just" rtl="1">
+              <a:buNone/>
+            </a:pPr>
+            <a:r>
+              <a:rPr lang="fa-IR" sz="2700" dirty="0"/>
+              <a:t>سه روش اصلی در مدل‌سازی </a:t>
+            </a:r>
+            <a:r>
+              <a:rPr lang="en-US" sz="2700" dirty="0"/>
+              <a:t>ER</a:t>
+            </a:r>
+            <a:r>
+              <a:rPr lang="fa-IR" sz="2700" dirty="0"/>
+              <a:t> :</a:t>
+            </a:r>
+          </a:p>
+          <a:p>
+            <a:pPr marL="57150" indent="0" algn="just" rtl="1">
+              <a:buNone/>
+            </a:pPr>
+            <a:endParaRPr lang="en-PH" sz="2700" dirty="0"/>
+          </a:p>
+          <a:p>
+            <a:pPr algn="just" rtl="1">
+              <a:lnSpc>
+                <a:spcPct val="150000"/>
+              </a:lnSpc>
+              <a:buClr>
+                <a:schemeClr val="tx2"/>
+              </a:buClr>
+              <a:buFont typeface="Wingdings" panose="05000000000000000000" pitchFamily="2" charset="2"/>
+              <a:buChar char="q"/>
+            </a:pPr>
+            <a:r>
+              <a:rPr lang="fa-IR" sz="2700" dirty="0"/>
+              <a:t> مدل</a:t>
+            </a:r>
+            <a:r>
+              <a:rPr lang="en-PH" sz="2700" dirty="0"/>
+              <a:t>Crow’s Foot </a:t>
+            </a:r>
+          </a:p>
+          <a:p>
+            <a:pPr algn="just" rtl="1">
+              <a:lnSpc>
+                <a:spcPct val="150000"/>
+              </a:lnSpc>
+              <a:buClr>
+                <a:schemeClr val="tx2"/>
+              </a:buClr>
+              <a:buFont typeface="Wingdings" panose="05000000000000000000" pitchFamily="2" charset="2"/>
+              <a:buChar char="q"/>
+            </a:pPr>
+            <a:r>
+              <a:rPr lang="fa-IR" sz="2700" dirty="0"/>
+              <a:t> مدل</a:t>
+            </a:r>
+            <a:r>
+              <a:rPr lang="en-PH" sz="2700" dirty="0"/>
+              <a:t>Chen (Dr. Peter Chen) </a:t>
+            </a:r>
+            <a:endParaRPr lang="fa-IR" sz="2700" dirty="0"/>
+          </a:p>
+          <a:p>
+            <a:pPr algn="just" rtl="1">
+              <a:lnSpc>
+                <a:spcPct val="150000"/>
+              </a:lnSpc>
+              <a:buClr>
+                <a:schemeClr val="tx2"/>
+              </a:buClr>
+              <a:buFont typeface="Wingdings" panose="05000000000000000000" pitchFamily="2" charset="2"/>
+              <a:buChar char="q"/>
+            </a:pPr>
+            <a:r>
+              <a:rPr lang="fa-IR" sz="2700" dirty="0"/>
+              <a:t> زبان مدل‌سازی یکپارچه (</a:t>
+            </a:r>
+            <a:r>
+              <a:rPr lang="en-US" sz="2700" dirty="0"/>
+              <a:t>UML</a:t>
+            </a:r>
+            <a:r>
+              <a:rPr lang="fa-IR" sz="2700" dirty="0"/>
+              <a:t>)</a:t>
+            </a:r>
+            <a:endParaRPr lang="en-PH" sz="2700" dirty="0"/>
+          </a:p>
+        </p:txBody>
+      </p:sp>
+    </p:spTree>
+    <p:extLst>
+      <p:ext uri="{BB962C8B-B14F-4D97-AF65-F5344CB8AC3E}">
+        <p14:creationId xmlns:p14="http://schemas.microsoft.com/office/powerpoint/2010/main" val="3137976757"/>
+      </p:ext>
+    </p:extLst>
+  </p:cSld>
+  <p:clrMapOvr>
+    <a:masterClrMapping/>
+  </p:clrMapOvr>
+</p:sld>
+</file>
+
+<file path=ppt/slides/slide40.xml><?xml version="1.0" encoding="utf-8"?>
 <p:sld xmlns:a="http://schemas.openxmlformats.org/drawingml/2006/main" xmlns:r="http://schemas.openxmlformats.org/officeDocument/2006/relationships" xmlns:p="http://schemas.openxmlformats.org/presentationml/2006/main">
   <p:cSld>
     <p:spTree>
@@ -30898,180 +35853,7 @@
 </p:sld>
 </file>
 
-<file path=ppt/slides/slide4.xml><?xml version="1.0" encoding="utf-8"?>
-<p:sld xmlns:a="http://schemas.openxmlformats.org/drawingml/2006/main" xmlns:r="http://schemas.openxmlformats.org/officeDocument/2006/relationships" xmlns:p="http://schemas.openxmlformats.org/presentationml/2006/main" show="0">
-  <p:cSld>
-    <p:spTree>
-      <p:nvGrpSpPr>
-        <p:cNvPr id="1" name=""/>
-        <p:cNvGrpSpPr/>
-        <p:nvPr/>
-      </p:nvGrpSpPr>
-      <p:grpSpPr>
-        <a:xfrm>
-          <a:off x="0" y="0"/>
-          <a:ext cx="0" cy="0"/>
-          <a:chOff x="0" y="0"/>
-          <a:chExt cx="0" cy="0"/>
-        </a:xfrm>
-      </p:grpSpPr>
-      <p:sp>
-        <p:nvSpPr>
-          <p:cNvPr id="2" name="Title 1"/>
-          <p:cNvSpPr>
-            <a:spLocks noGrp="1"/>
-          </p:cNvSpPr>
-          <p:nvPr>
-            <p:ph type="title"/>
-          </p:nvPr>
-        </p:nvSpPr>
-        <p:spPr/>
-        <p:txBody>
-          <a:bodyPr/>
-          <a:lstStyle/>
-          <a:p>
-            <a:r>
-              <a:rPr lang="en-PH" dirty="0"/>
-              <a:t>ERD </a:t>
-            </a:r>
-            <a:r>
-              <a:rPr lang="en-PH" i="1" dirty="0"/>
-              <a:t> </a:t>
-            </a:r>
-            <a:r>
-              <a:rPr lang="en-PH" dirty="0"/>
-              <a:t>(</a:t>
-            </a:r>
-            <a:r>
-              <a:rPr lang="fa-IR" dirty="0"/>
-              <a:t> ادامه</a:t>
-            </a:r>
-            <a:r>
-              <a:rPr lang="en-PH" dirty="0"/>
-              <a:t>)</a:t>
-            </a:r>
-          </a:p>
-        </p:txBody>
-      </p:sp>
-      <p:sp>
-        <p:nvSpPr>
-          <p:cNvPr id="3" name="Text Placeholder 2"/>
-          <p:cNvSpPr>
-            <a:spLocks noGrp="1"/>
-          </p:cNvSpPr>
-          <p:nvPr>
-            <p:ph type="body" idx="1"/>
-          </p:nvPr>
-        </p:nvSpPr>
-        <p:spPr/>
-        <p:txBody>
-          <a:bodyPr/>
-          <a:lstStyle/>
-          <a:p>
-            <a:pPr marL="57150" indent="0" algn="just" rtl="1">
-              <a:buNone/>
-            </a:pPr>
-            <a:r>
-              <a:rPr lang="fa-IR" sz="2700" dirty="0"/>
-              <a:t>سه روش اصلی در مدل‌سازی </a:t>
-            </a:r>
-            <a:r>
-              <a:rPr lang="en-US" sz="2700" dirty="0"/>
-              <a:t>ER</a:t>
-            </a:r>
-            <a:r>
-              <a:rPr lang="fa-IR" sz="2700" dirty="0"/>
-              <a:t> :</a:t>
-            </a:r>
-          </a:p>
-          <a:p>
-            <a:pPr marL="57150" indent="0" algn="just" rtl="1">
-              <a:buNone/>
-            </a:pPr>
-            <a:endParaRPr lang="en-PH" sz="2700" dirty="0"/>
-          </a:p>
-          <a:p>
-            <a:pPr algn="just" rtl="1">
-              <a:lnSpc>
-                <a:spcPct val="150000"/>
-              </a:lnSpc>
-              <a:buClr>
-                <a:schemeClr val="tx2"/>
-              </a:buClr>
-              <a:buFont typeface="Wingdings" panose="05000000000000000000" pitchFamily="2" charset="2"/>
-              <a:buChar char="q"/>
-            </a:pPr>
-            <a:r>
-              <a:rPr lang="fa-IR" sz="2700" dirty="0"/>
-              <a:t> مدل</a:t>
-            </a:r>
-            <a:r>
-              <a:rPr lang="en-PH" sz="2700" dirty="0"/>
-              <a:t>Crow’s Foot </a:t>
-            </a:r>
-          </a:p>
-          <a:p>
-            <a:pPr algn="just" rtl="1">
-              <a:lnSpc>
-                <a:spcPct val="150000"/>
-              </a:lnSpc>
-              <a:buClr>
-                <a:schemeClr val="tx2"/>
-              </a:buClr>
-              <a:buFont typeface="Wingdings" panose="05000000000000000000" pitchFamily="2" charset="2"/>
-              <a:buChar char="q"/>
-            </a:pPr>
-            <a:r>
-              <a:rPr lang="fa-IR" sz="2700" dirty="0"/>
-              <a:t> مدل</a:t>
-            </a:r>
-            <a:r>
-              <a:rPr lang="en-PH" sz="2700" dirty="0"/>
-              <a:t>Chen (Dr. Peter Chen) </a:t>
-            </a:r>
-            <a:endParaRPr lang="fa-IR" sz="2700" dirty="0"/>
-          </a:p>
-          <a:p>
-            <a:pPr algn="just" rtl="1">
-              <a:lnSpc>
-                <a:spcPct val="150000"/>
-              </a:lnSpc>
-              <a:buClr>
-                <a:schemeClr val="tx2"/>
-              </a:buClr>
-              <a:buFont typeface="Wingdings" panose="05000000000000000000" pitchFamily="2" charset="2"/>
-              <a:buChar char="q"/>
-            </a:pPr>
-            <a:r>
-              <a:rPr lang="fa-IR" sz="2700" dirty="0"/>
-              <a:t> زبان مدل‌سازی یکپارچه (</a:t>
-            </a:r>
-            <a:r>
-              <a:rPr lang="en-US" sz="2700" dirty="0"/>
-              <a:t>UML</a:t>
-            </a:r>
-            <a:r>
-              <a:rPr lang="fa-IR" sz="2700" dirty="0"/>
-              <a:t>)</a:t>
-            </a:r>
-            <a:endParaRPr lang="en-PH" sz="2700" dirty="0"/>
-          </a:p>
-        </p:txBody>
-      </p:sp>
-    </p:spTree>
-    <p:extLst>
-      <p:ext uri="{BB962C8B-B14F-4D97-AF65-F5344CB8AC3E}">
-        <p14:creationId xmlns:p14="http://schemas.microsoft.com/office/powerpoint/2010/main" val="3137976757"/>
-      </p:ext>
-    </p:extLst>
-  </p:cSld>
-  <p:clrMapOvr>
-    <a:masterClrMapping/>
-  </p:clrMapOvr>
-</p:sld>
-</file>
-
-<file path=ppt/slides/slide40.xml><?xml version="1.0" encoding="utf-8"?>
+<file path=ppt/slides/slide41.xml><?xml version="1.0" encoding="utf-8"?>
 <p:sld xmlns:a="http://schemas.openxmlformats.org/drawingml/2006/main" xmlns:r="http://schemas.openxmlformats.org/officeDocument/2006/relationships" xmlns:p="http://schemas.openxmlformats.org/presentationml/2006/main">
   <p:cSld>
     <p:spTree>
@@ -31199,123 +35981,6 @@
     <p:extLst>
       <p:ext uri="{BB962C8B-B14F-4D97-AF65-F5344CB8AC3E}">
         <p14:creationId xmlns:p14="http://schemas.microsoft.com/office/powerpoint/2010/main" val="1952374759"/>
-      </p:ext>
-    </p:extLst>
-  </p:cSld>
-  <p:clrMapOvr>
-    <a:masterClrMapping/>
-  </p:clrMapOvr>
-</p:sld>
-</file>
-
-<file path=ppt/slides/slide41.xml><?xml version="1.0" encoding="utf-8"?>
-<p:sld xmlns:a="http://schemas.openxmlformats.org/drawingml/2006/main" xmlns:r="http://schemas.openxmlformats.org/officeDocument/2006/relationships" xmlns:p="http://schemas.openxmlformats.org/presentationml/2006/main">
-  <p:cSld>
-    <p:spTree>
-      <p:nvGrpSpPr>
-        <p:cNvPr id="1" name=""/>
-        <p:cNvGrpSpPr/>
-        <p:nvPr/>
-      </p:nvGrpSpPr>
-      <p:grpSpPr>
-        <a:xfrm>
-          <a:off x="0" y="0"/>
-          <a:ext cx="0" cy="0"/>
-          <a:chOff x="0" y="0"/>
-          <a:chExt cx="0" cy="0"/>
-        </a:xfrm>
-      </p:grpSpPr>
-      <p:sp>
-        <p:nvSpPr>
-          <p:cNvPr id="38914" name="Rectangle 2"/>
-          <p:cNvSpPr>
-            <a:spLocks noGrp="1" noChangeArrowheads="1"/>
-          </p:cNvSpPr>
-          <p:nvPr>
-            <p:ph type="title"/>
-          </p:nvPr>
-        </p:nvSpPr>
-        <p:spPr>
-          <a:noFill/>
-        </p:spPr>
-        <p:txBody>
-          <a:bodyPr spcFirstLastPara="1" wrap="square" lIns="51792" tIns="25897" rIns="51792" bIns="25897" anchor="ctr" anchorCtr="0"/>
-          <a:lstStyle/>
-          <a:p>
-            <a:pPr eaLnBrk="1" hangingPunct="1">
-              <a:buClr>
-                <a:schemeClr val="tx1"/>
-              </a:buClr>
-            </a:pPr>
-            <a:r>
-              <a:rPr lang="fa-IR" sz="2400" dirty="0">
-                <a:solidFill>
-                  <a:srgbClr val="FFFFFF"/>
-                </a:solidFill>
-              </a:rPr>
-              <a:t>کاردینالیتی‌ها (ادامه)</a:t>
-            </a:r>
-            <a:endParaRPr lang="en-US" altLang="en-US" dirty="0">
-              <a:latin typeface="Tahoma" panose="020B0604030504040204" pitchFamily="34" charset="0"/>
-            </a:endParaRPr>
-          </a:p>
-        </p:txBody>
-      </p:sp>
-      <p:sp>
-        <p:nvSpPr>
-          <p:cNvPr id="3" name="Text Placeholder 2"/>
-          <p:cNvSpPr>
-            <a:spLocks noGrp="1"/>
-          </p:cNvSpPr>
-          <p:nvPr>
-            <p:ph type="body" idx="1"/>
-          </p:nvPr>
-        </p:nvSpPr>
-        <p:spPr/>
-        <p:txBody>
-          <a:bodyPr/>
-          <a:lstStyle/>
-          <a:p>
-            <a:pPr marL="57150" indent="0" algn="r" rtl="1">
-              <a:buNone/>
-            </a:pPr>
-            <a:r>
-              <a:rPr lang="fa-IR" b="1" dirty="0"/>
-              <a:t>مدل </a:t>
-            </a:r>
-            <a:r>
-              <a:rPr lang="en-US" b="1" dirty="0"/>
-              <a:t>Chen</a:t>
-            </a:r>
-            <a:endParaRPr lang="en-PH" b="1" dirty="0"/>
-          </a:p>
-        </p:txBody>
-      </p:sp>
-      <p:pic>
-        <p:nvPicPr>
-          <p:cNvPr id="6" name="Picture 5"/>
-          <p:cNvPicPr/>
-          <p:nvPr/>
-        </p:nvPicPr>
-        <p:blipFill rotWithShape="1">
-          <a:blip r:embed="rId3"/>
-          <a:srcRect l="17793" r="11843" b="55107"/>
-          <a:stretch/>
-        </p:blipFill>
-        <p:spPr>
-          <a:xfrm>
-            <a:off x="753034" y="1416424"/>
-            <a:ext cx="5396753" cy="3473566"/>
-          </a:xfrm>
-          <a:prstGeom prst="rect">
-            <a:avLst/>
-          </a:prstGeom>
-        </p:spPr>
-      </p:pic>
-    </p:spTree>
-    <p:extLst>
-      <p:ext uri="{BB962C8B-B14F-4D97-AF65-F5344CB8AC3E}">
-        <p14:creationId xmlns:p14="http://schemas.microsoft.com/office/powerpoint/2010/main" val="554306062"/>
       </p:ext>
     </p:extLst>
   </p:cSld>
@@ -31410,6 +36075,123 @@
       </p:sp>
       <p:pic>
         <p:nvPicPr>
+          <p:cNvPr id="6" name="Picture 5"/>
+          <p:cNvPicPr/>
+          <p:nvPr/>
+        </p:nvPicPr>
+        <p:blipFill rotWithShape="1">
+          <a:blip r:embed="rId3"/>
+          <a:srcRect l="17793" r="11843" b="55107"/>
+          <a:stretch/>
+        </p:blipFill>
+        <p:spPr>
+          <a:xfrm>
+            <a:off x="753034" y="1416424"/>
+            <a:ext cx="5396753" cy="3473566"/>
+          </a:xfrm>
+          <a:prstGeom prst="rect">
+            <a:avLst/>
+          </a:prstGeom>
+        </p:spPr>
+      </p:pic>
+    </p:spTree>
+    <p:extLst>
+      <p:ext uri="{BB962C8B-B14F-4D97-AF65-F5344CB8AC3E}">
+        <p14:creationId xmlns:p14="http://schemas.microsoft.com/office/powerpoint/2010/main" val="554306062"/>
+      </p:ext>
+    </p:extLst>
+  </p:cSld>
+  <p:clrMapOvr>
+    <a:masterClrMapping/>
+  </p:clrMapOvr>
+</p:sld>
+</file>
+
+<file path=ppt/slides/slide43.xml><?xml version="1.0" encoding="utf-8"?>
+<p:sld xmlns:a="http://schemas.openxmlformats.org/drawingml/2006/main" xmlns:r="http://schemas.openxmlformats.org/officeDocument/2006/relationships" xmlns:p="http://schemas.openxmlformats.org/presentationml/2006/main">
+  <p:cSld>
+    <p:spTree>
+      <p:nvGrpSpPr>
+        <p:cNvPr id="1" name=""/>
+        <p:cNvGrpSpPr/>
+        <p:nvPr/>
+      </p:nvGrpSpPr>
+      <p:grpSpPr>
+        <a:xfrm>
+          <a:off x="0" y="0"/>
+          <a:ext cx="0" cy="0"/>
+          <a:chOff x="0" y="0"/>
+          <a:chExt cx="0" cy="0"/>
+        </a:xfrm>
+      </p:grpSpPr>
+      <p:sp>
+        <p:nvSpPr>
+          <p:cNvPr id="38914" name="Rectangle 2"/>
+          <p:cNvSpPr>
+            <a:spLocks noGrp="1" noChangeArrowheads="1"/>
+          </p:cNvSpPr>
+          <p:nvPr>
+            <p:ph type="title"/>
+          </p:nvPr>
+        </p:nvSpPr>
+        <p:spPr>
+          <a:noFill/>
+        </p:spPr>
+        <p:txBody>
+          <a:bodyPr spcFirstLastPara="1" wrap="square" lIns="51792" tIns="25897" rIns="51792" bIns="25897" anchor="ctr" anchorCtr="0"/>
+          <a:lstStyle/>
+          <a:p>
+            <a:pPr eaLnBrk="1" hangingPunct="1">
+              <a:buClr>
+                <a:schemeClr val="tx1"/>
+              </a:buClr>
+            </a:pPr>
+            <a:r>
+              <a:rPr lang="fa-IR" sz="2400" dirty="0">
+                <a:solidFill>
+                  <a:srgbClr val="FFFFFF"/>
+                </a:solidFill>
+              </a:rPr>
+              <a:t>کاردینالیتی‌ها (ادامه)</a:t>
+            </a:r>
+            <a:endParaRPr lang="en-US" altLang="en-US" dirty="0">
+              <a:latin typeface="Tahoma" panose="020B0604030504040204" pitchFamily="34" charset="0"/>
+            </a:endParaRPr>
+          </a:p>
+        </p:txBody>
+      </p:sp>
+      <p:sp>
+        <p:nvSpPr>
+          <p:cNvPr id="3" name="Text Placeholder 2"/>
+          <p:cNvSpPr>
+            <a:spLocks noGrp="1"/>
+          </p:cNvSpPr>
+          <p:nvPr>
+            <p:ph type="body" idx="1"/>
+          </p:nvPr>
+        </p:nvSpPr>
+        <p:spPr/>
+        <p:txBody>
+          <a:bodyPr/>
+          <a:lstStyle/>
+          <a:p>
+            <a:pPr marL="57150" indent="0" algn="r" rtl="1">
+              <a:buNone/>
+            </a:pPr>
+            <a:r>
+              <a:rPr lang="fa-IR" b="1" dirty="0"/>
+              <a:t>مدل </a:t>
+            </a:r>
+            <a:r>
+              <a:rPr lang="en-US" b="1" dirty="0"/>
+              <a:t>Chen</a:t>
+            </a:r>
+            <a:endParaRPr lang="en-PH" b="1" dirty="0"/>
+          </a:p>
+        </p:txBody>
+      </p:sp>
+      <p:pic>
+        <p:nvPicPr>
           <p:cNvPr id="7" name="Picture 6"/>
           <p:cNvPicPr/>
           <p:nvPr/>
@@ -31442,7 +36224,7 @@
 </p:sld>
 </file>
 
-<file path=ppt/slides/slide43.xml><?xml version="1.0" encoding="utf-8"?>
+<file path=ppt/slides/slide44.xml><?xml version="1.0" encoding="utf-8"?>
 <p:sld xmlns:a="http://schemas.openxmlformats.org/drawingml/2006/main" xmlns:r="http://schemas.openxmlformats.org/officeDocument/2006/relationships" xmlns:p="http://schemas.openxmlformats.org/presentationml/2006/main">
   <p:cSld>
     <p:spTree>
@@ -31574,7 +36356,7 @@
 </p:sld>
 </file>
 
-<file path=ppt/slides/slide44.xml><?xml version="1.0" encoding="utf-8"?>
+<file path=ppt/slides/slide45.xml><?xml version="1.0" encoding="utf-8"?>
 <p:sld xmlns:a="http://schemas.openxmlformats.org/drawingml/2006/main" xmlns:r="http://schemas.openxmlformats.org/officeDocument/2006/relationships" xmlns:p="http://schemas.openxmlformats.org/presentationml/2006/main">
   <p:cSld>
     <p:spTree>
@@ -31724,7 +36506,7 @@
 </p:sld>
 </file>
 
-<file path=ppt/slides/slide45.xml><?xml version="1.0" encoding="utf-8"?>
+<file path=ppt/slides/slide46.xml><?xml version="1.0" encoding="utf-8"?>
 <p:sld xmlns:a="http://schemas.openxmlformats.org/drawingml/2006/main" xmlns:r="http://schemas.openxmlformats.org/officeDocument/2006/relationships" xmlns:p="http://schemas.openxmlformats.org/presentationml/2006/main">
   <p:cSld>
     <p:spTree>
